--- a/java8.pptx
+++ b/java8.pptx
@@ -23,13 +23,12 @@
     <p:sldId id="275" r:id="rId16"/>
     <p:sldId id="290" r:id="rId17"/>
     <p:sldId id="276" r:id="rId18"/>
-    <p:sldId id="277" r:id="rId19"/>
-    <p:sldId id="278" r:id="rId20"/>
-    <p:sldId id="279" r:id="rId21"/>
-    <p:sldId id="281" r:id="rId22"/>
-    <p:sldId id="284" r:id="rId23"/>
-    <p:sldId id="285" r:id="rId24"/>
-    <p:sldId id="291" r:id="rId25"/>
+    <p:sldId id="278" r:id="rId19"/>
+    <p:sldId id="279" r:id="rId20"/>
+    <p:sldId id="281" r:id="rId21"/>
+    <p:sldId id="284" r:id="rId22"/>
+    <p:sldId id="285" r:id="rId23"/>
+    <p:sldId id="291" r:id="rId24"/>
   </p:sldIdLst>
   <p:sldSz cx="9144000" cy="6858000" type="screen4x3"/>
   <p:notesSz cx="6858000" cy="9144000"/>
@@ -879,753 +878,6 @@
 </file>
 
 <file path=ppt/diagrams/colors2.xml><?xml version="1.0" encoding="utf-8"?>
-<dgm:colorsDef xmlns:dgm="http://schemas.openxmlformats.org/drawingml/2006/diagram" xmlns:a="http://schemas.openxmlformats.org/drawingml/2006/main" uniqueId="urn:microsoft.com/office/officeart/2005/8/colors/accent5_2">
-  <dgm:title val=""/>
-  <dgm:desc val=""/>
-  <dgm:catLst>
-    <dgm:cat type="accent5" pri="11200"/>
-  </dgm:catLst>
-  <dgm:styleLbl name="alignAcc1">
-    <dgm:fillClrLst meth="repeat">
-      <a:schemeClr val="lt1">
-        <a:alpha val="90000"/>
-      </a:schemeClr>
-    </dgm:fillClrLst>
-    <dgm:linClrLst meth="repeat">
-      <a:schemeClr val="accent5"/>
-    </dgm:linClrLst>
-    <dgm:effectClrLst/>
-    <dgm:txLinClrLst/>
-    <dgm:txFillClrLst meth="repeat">
-      <a:schemeClr val="dk1"/>
-    </dgm:txFillClrLst>
-    <dgm:txEffectClrLst/>
-  </dgm:styleLbl>
-  <dgm:styleLbl name="alignAccFollowNode1">
-    <dgm:fillClrLst meth="repeat">
-      <a:schemeClr val="accent5">
-        <a:alpha val="90000"/>
-        <a:tint val="40000"/>
-      </a:schemeClr>
-    </dgm:fillClrLst>
-    <dgm:linClrLst meth="repeat">
-      <a:schemeClr val="accent5">
-        <a:alpha val="90000"/>
-        <a:tint val="40000"/>
-      </a:schemeClr>
-    </dgm:linClrLst>
-    <dgm:effectClrLst/>
-    <dgm:txLinClrLst/>
-    <dgm:txFillClrLst meth="repeat">
-      <a:schemeClr val="dk1"/>
-    </dgm:txFillClrLst>
-    <dgm:txEffectClrLst/>
-  </dgm:styleLbl>
-  <dgm:styleLbl name="alignImgPlace1">
-    <dgm:fillClrLst meth="repeat">
-      <a:schemeClr val="accent5">
-        <a:tint val="50000"/>
-      </a:schemeClr>
-    </dgm:fillClrLst>
-    <dgm:linClrLst meth="repeat">
-      <a:schemeClr val="lt1"/>
-    </dgm:linClrLst>
-    <dgm:effectClrLst/>
-    <dgm:txLinClrLst/>
-    <dgm:txFillClrLst meth="repeat">
-      <a:schemeClr val="lt1"/>
-    </dgm:txFillClrLst>
-    <dgm:txEffectClrLst/>
-  </dgm:styleLbl>
-  <dgm:styleLbl name="alignNode1">
-    <dgm:fillClrLst meth="repeat">
-      <a:schemeClr val="accent5"/>
-    </dgm:fillClrLst>
-    <dgm:linClrLst meth="repeat">
-      <a:schemeClr val="accent5"/>
-    </dgm:linClrLst>
-    <dgm:effectClrLst/>
-    <dgm:txLinClrLst/>
-    <dgm:txFillClrLst/>
-    <dgm:txEffectClrLst/>
-  </dgm:styleLbl>
-  <dgm:styleLbl name="asst0">
-    <dgm:fillClrLst meth="repeat">
-      <a:schemeClr val="accent5"/>
-    </dgm:fillClrLst>
-    <dgm:linClrLst meth="repeat">
-      <a:schemeClr val="lt1"/>
-    </dgm:linClrLst>
-    <dgm:effectClrLst/>
-    <dgm:txLinClrLst/>
-    <dgm:txFillClrLst/>
-    <dgm:txEffectClrLst/>
-  </dgm:styleLbl>
-  <dgm:styleLbl name="asst1">
-    <dgm:fillClrLst meth="repeat">
-      <a:schemeClr val="accent5"/>
-    </dgm:fillClrLst>
-    <dgm:linClrLst meth="repeat">
-      <a:schemeClr val="lt1"/>
-    </dgm:linClrLst>
-    <dgm:effectClrLst/>
-    <dgm:txLinClrLst/>
-    <dgm:txFillClrLst/>
-    <dgm:txEffectClrLst/>
-  </dgm:styleLbl>
-  <dgm:styleLbl name="asst2">
-    <dgm:fillClrLst meth="repeat">
-      <a:schemeClr val="accent5"/>
-    </dgm:fillClrLst>
-    <dgm:linClrLst meth="repeat">
-      <a:schemeClr val="lt1"/>
-    </dgm:linClrLst>
-    <dgm:effectClrLst/>
-    <dgm:txLinClrLst/>
-    <dgm:txFillClrLst/>
-    <dgm:txEffectClrLst/>
-  </dgm:styleLbl>
-  <dgm:styleLbl name="asst3">
-    <dgm:fillClrLst meth="repeat">
-      <a:schemeClr val="accent5"/>
-    </dgm:fillClrLst>
-    <dgm:linClrLst meth="repeat">
-      <a:schemeClr val="lt1"/>
-    </dgm:linClrLst>
-    <dgm:effectClrLst/>
-    <dgm:txLinClrLst/>
-    <dgm:txFillClrLst/>
-    <dgm:txEffectClrLst/>
-  </dgm:styleLbl>
-  <dgm:styleLbl name="asst4">
-    <dgm:fillClrLst meth="repeat">
-      <a:schemeClr val="accent5"/>
-    </dgm:fillClrLst>
-    <dgm:linClrLst meth="repeat">
-      <a:schemeClr val="lt1"/>
-    </dgm:linClrLst>
-    <dgm:effectClrLst/>
-    <dgm:txLinClrLst/>
-    <dgm:txFillClrLst/>
-    <dgm:txEffectClrLst/>
-  </dgm:styleLbl>
-  <dgm:styleLbl name="bgAcc1">
-    <dgm:fillClrLst meth="repeat">
-      <a:schemeClr val="lt1">
-        <a:alpha val="90000"/>
-      </a:schemeClr>
-    </dgm:fillClrLst>
-    <dgm:linClrLst meth="repeat">
-      <a:schemeClr val="accent5"/>
-    </dgm:linClrLst>
-    <dgm:effectClrLst/>
-    <dgm:txLinClrLst/>
-    <dgm:txFillClrLst meth="repeat">
-      <a:schemeClr val="dk1"/>
-    </dgm:txFillClrLst>
-    <dgm:txEffectClrLst/>
-  </dgm:styleLbl>
-  <dgm:styleLbl name="bgAccFollowNode1">
-    <dgm:fillClrLst meth="repeat">
-      <a:schemeClr val="accent5">
-        <a:alpha val="90000"/>
-        <a:tint val="40000"/>
-      </a:schemeClr>
-    </dgm:fillClrLst>
-    <dgm:linClrLst meth="repeat">
-      <a:schemeClr val="accent5">
-        <a:alpha val="90000"/>
-        <a:tint val="40000"/>
-      </a:schemeClr>
-    </dgm:linClrLst>
-    <dgm:effectClrLst/>
-    <dgm:txLinClrLst/>
-    <dgm:txFillClrLst meth="repeat">
-      <a:schemeClr val="dk1"/>
-    </dgm:txFillClrLst>
-    <dgm:txEffectClrLst/>
-  </dgm:styleLbl>
-  <dgm:styleLbl name="bgImgPlace1">
-    <dgm:fillClrLst meth="repeat">
-      <a:schemeClr val="accent5">
-        <a:tint val="50000"/>
-      </a:schemeClr>
-    </dgm:fillClrLst>
-    <dgm:linClrLst meth="repeat">
-      <a:schemeClr val="lt1"/>
-    </dgm:linClrLst>
-    <dgm:effectClrLst/>
-    <dgm:txLinClrLst/>
-    <dgm:txFillClrLst meth="repeat">
-      <a:schemeClr val="lt1"/>
-    </dgm:txFillClrLst>
-    <dgm:txEffectClrLst/>
-  </dgm:styleLbl>
-  <dgm:styleLbl name="bgShp">
-    <dgm:fillClrLst meth="repeat">
-      <a:schemeClr val="accent5">
-        <a:tint val="40000"/>
-      </a:schemeClr>
-    </dgm:fillClrLst>
-    <dgm:linClrLst meth="repeat">
-      <a:schemeClr val="accent5"/>
-    </dgm:linClrLst>
-    <dgm:effectClrLst/>
-    <dgm:txLinClrLst/>
-    <dgm:txFillClrLst meth="repeat">
-      <a:schemeClr val="dk1"/>
-    </dgm:txFillClrLst>
-    <dgm:txEffectClrLst/>
-  </dgm:styleLbl>
-  <dgm:styleLbl name="bgSibTrans2D1">
-    <dgm:fillClrLst meth="repeat">
-      <a:schemeClr val="accent5">
-        <a:tint val="60000"/>
-      </a:schemeClr>
-    </dgm:fillClrLst>
-    <dgm:linClrLst meth="repeat">
-      <a:schemeClr val="accent5">
-        <a:tint val="60000"/>
-      </a:schemeClr>
-    </dgm:linClrLst>
-    <dgm:effectClrLst/>
-    <dgm:txLinClrLst/>
-    <dgm:txFillClrLst/>
-    <dgm:txEffectClrLst/>
-  </dgm:styleLbl>
-  <dgm:styleLbl name="callout">
-    <dgm:fillClrLst meth="repeat">
-      <a:schemeClr val="accent5"/>
-    </dgm:fillClrLst>
-    <dgm:linClrLst meth="repeat">
-      <a:schemeClr val="accent5">
-        <a:tint val="50000"/>
-      </a:schemeClr>
-    </dgm:linClrLst>
-    <dgm:effectClrLst/>
-    <dgm:txLinClrLst/>
-    <dgm:txFillClrLst meth="repeat">
-      <a:schemeClr val="tx1"/>
-    </dgm:txFillClrLst>
-    <dgm:txEffectClrLst/>
-  </dgm:styleLbl>
-  <dgm:styleLbl name="conFgAcc1">
-    <dgm:fillClrLst meth="repeat">
-      <a:schemeClr val="lt1">
-        <a:alpha val="90000"/>
-      </a:schemeClr>
-    </dgm:fillClrLst>
-    <dgm:linClrLst meth="repeat">
-      <a:schemeClr val="accent5"/>
-    </dgm:linClrLst>
-    <dgm:effectClrLst/>
-    <dgm:txLinClrLst/>
-    <dgm:txFillClrLst meth="repeat">
-      <a:schemeClr val="dk1"/>
-    </dgm:txFillClrLst>
-    <dgm:txEffectClrLst/>
-  </dgm:styleLbl>
-  <dgm:styleLbl name="dkBgShp">
-    <dgm:fillClrLst meth="repeat">
-      <a:schemeClr val="accent5">
-        <a:shade val="80000"/>
-      </a:schemeClr>
-    </dgm:fillClrLst>
-    <dgm:linClrLst meth="repeat">
-      <a:schemeClr val="accent5"/>
-    </dgm:linClrLst>
-    <dgm:effectClrLst/>
-    <dgm:txLinClrLst/>
-    <dgm:txFillClrLst meth="repeat">
-      <a:schemeClr val="lt1"/>
-    </dgm:txFillClrLst>
-    <dgm:txEffectClrLst/>
-  </dgm:styleLbl>
-  <dgm:styleLbl name="fgAcc0">
-    <dgm:fillClrLst meth="repeat">
-      <a:schemeClr val="lt1">
-        <a:alpha val="90000"/>
-      </a:schemeClr>
-    </dgm:fillClrLst>
-    <dgm:linClrLst meth="repeat">
-      <a:schemeClr val="accent5"/>
-    </dgm:linClrLst>
-    <dgm:effectClrLst/>
-    <dgm:txLinClrLst/>
-    <dgm:txFillClrLst meth="repeat">
-      <a:schemeClr val="dk1"/>
-    </dgm:txFillClrLst>
-    <dgm:txEffectClrLst/>
-  </dgm:styleLbl>
-  <dgm:styleLbl name="fgAcc1">
-    <dgm:fillClrLst meth="repeat">
-      <a:schemeClr val="lt1">
-        <a:alpha val="90000"/>
-      </a:schemeClr>
-    </dgm:fillClrLst>
-    <dgm:linClrLst meth="repeat">
-      <a:schemeClr val="accent5"/>
-    </dgm:linClrLst>
-    <dgm:effectClrLst/>
-    <dgm:txLinClrLst/>
-    <dgm:txFillClrLst meth="repeat">
-      <a:schemeClr val="dk1"/>
-    </dgm:txFillClrLst>
-    <dgm:txEffectClrLst/>
-  </dgm:styleLbl>
-  <dgm:styleLbl name="fgAcc2">
-    <dgm:fillClrLst meth="repeat">
-      <a:schemeClr val="lt1">
-        <a:alpha val="90000"/>
-      </a:schemeClr>
-    </dgm:fillClrLst>
-    <dgm:linClrLst meth="repeat">
-      <a:schemeClr val="accent5"/>
-    </dgm:linClrLst>
-    <dgm:effectClrLst/>
-    <dgm:txLinClrLst/>
-    <dgm:txFillClrLst meth="repeat">
-      <a:schemeClr val="dk1"/>
-    </dgm:txFillClrLst>
-    <dgm:txEffectClrLst/>
-  </dgm:styleLbl>
-  <dgm:styleLbl name="fgAcc3">
-    <dgm:fillClrLst meth="repeat">
-      <a:schemeClr val="lt1">
-        <a:alpha val="90000"/>
-      </a:schemeClr>
-    </dgm:fillClrLst>
-    <dgm:linClrLst meth="repeat">
-      <a:schemeClr val="accent5"/>
-    </dgm:linClrLst>
-    <dgm:effectClrLst/>
-    <dgm:txLinClrLst/>
-    <dgm:txFillClrLst meth="repeat">
-      <a:schemeClr val="dk1"/>
-    </dgm:txFillClrLst>
-    <dgm:txEffectClrLst/>
-  </dgm:styleLbl>
-  <dgm:styleLbl name="fgAcc4">
-    <dgm:fillClrLst meth="repeat">
-      <a:schemeClr val="lt1">
-        <a:alpha val="90000"/>
-      </a:schemeClr>
-    </dgm:fillClrLst>
-    <dgm:linClrLst meth="repeat">
-      <a:schemeClr val="accent5"/>
-    </dgm:linClrLst>
-    <dgm:effectClrLst/>
-    <dgm:txLinClrLst/>
-    <dgm:txFillClrLst meth="repeat">
-      <a:schemeClr val="dk1"/>
-    </dgm:txFillClrLst>
-    <dgm:txEffectClrLst/>
-  </dgm:styleLbl>
-  <dgm:styleLbl name="fgAccFollowNode1">
-    <dgm:fillClrLst meth="repeat">
-      <a:schemeClr val="accent5">
-        <a:alpha val="90000"/>
-        <a:tint val="40000"/>
-      </a:schemeClr>
-    </dgm:fillClrLst>
-    <dgm:linClrLst meth="repeat">
-      <a:schemeClr val="accent5">
-        <a:alpha val="90000"/>
-        <a:tint val="40000"/>
-      </a:schemeClr>
-    </dgm:linClrLst>
-    <dgm:effectClrLst/>
-    <dgm:txLinClrLst/>
-    <dgm:txFillClrLst meth="repeat">
-      <a:schemeClr val="dk1"/>
-    </dgm:txFillClrLst>
-    <dgm:txEffectClrLst/>
-  </dgm:styleLbl>
-  <dgm:styleLbl name="fgImgPlace1">
-    <dgm:fillClrLst meth="repeat">
-      <a:schemeClr val="accent5">
-        <a:tint val="50000"/>
-      </a:schemeClr>
-    </dgm:fillClrLst>
-    <dgm:linClrLst meth="repeat">
-      <a:schemeClr val="lt1"/>
-    </dgm:linClrLst>
-    <dgm:effectClrLst/>
-    <dgm:txLinClrLst/>
-    <dgm:txFillClrLst meth="repeat">
-      <a:schemeClr val="lt1"/>
-    </dgm:txFillClrLst>
-    <dgm:txEffectClrLst/>
-  </dgm:styleLbl>
-  <dgm:styleLbl name="fgShp">
-    <dgm:fillClrLst meth="repeat">
-      <a:schemeClr val="accent5">
-        <a:tint val="60000"/>
-      </a:schemeClr>
-    </dgm:fillClrLst>
-    <dgm:linClrLst meth="repeat">
-      <a:schemeClr val="lt1"/>
-    </dgm:linClrLst>
-    <dgm:effectClrLst/>
-    <dgm:txLinClrLst/>
-    <dgm:txFillClrLst meth="repeat">
-      <a:schemeClr val="dk1"/>
-    </dgm:txFillClrLst>
-    <dgm:txEffectClrLst/>
-  </dgm:styleLbl>
-  <dgm:styleLbl name="fgSibTrans2D1">
-    <dgm:fillClrLst meth="repeat">
-      <a:schemeClr val="accent5">
-        <a:tint val="60000"/>
-      </a:schemeClr>
-    </dgm:fillClrLst>
-    <dgm:linClrLst meth="repeat">
-      <a:schemeClr val="accent5">
-        <a:tint val="60000"/>
-      </a:schemeClr>
-    </dgm:linClrLst>
-    <dgm:effectClrLst/>
-    <dgm:txLinClrLst/>
-    <dgm:txFillClrLst/>
-    <dgm:txEffectClrLst/>
-  </dgm:styleLbl>
-  <dgm:styleLbl name="lnNode1">
-    <dgm:fillClrLst meth="repeat">
-      <a:schemeClr val="accent5"/>
-    </dgm:fillClrLst>
-    <dgm:linClrLst meth="repeat">
-      <a:schemeClr val="lt1"/>
-    </dgm:linClrLst>
-    <dgm:effectClrLst/>
-    <dgm:txLinClrLst/>
-    <dgm:txFillClrLst/>
-    <dgm:txEffectClrLst/>
-  </dgm:styleLbl>
-  <dgm:styleLbl name="node0">
-    <dgm:fillClrLst meth="repeat">
-      <a:schemeClr val="accent5"/>
-    </dgm:fillClrLst>
-    <dgm:linClrLst meth="repeat">
-      <a:schemeClr val="lt1"/>
-    </dgm:linClrLst>
-    <dgm:effectClrLst/>
-    <dgm:txLinClrLst/>
-    <dgm:txFillClrLst/>
-    <dgm:txEffectClrLst/>
-  </dgm:styleLbl>
-  <dgm:styleLbl name="node1">
-    <dgm:fillClrLst meth="repeat">
-      <a:schemeClr val="accent5"/>
-    </dgm:fillClrLst>
-    <dgm:linClrLst meth="repeat">
-      <a:schemeClr val="lt1"/>
-    </dgm:linClrLst>
-    <dgm:effectClrLst/>
-    <dgm:txLinClrLst/>
-    <dgm:txFillClrLst/>
-    <dgm:txEffectClrLst/>
-  </dgm:styleLbl>
-  <dgm:styleLbl name="node2">
-    <dgm:fillClrLst meth="repeat">
-      <a:schemeClr val="accent5"/>
-    </dgm:fillClrLst>
-    <dgm:linClrLst meth="repeat">
-      <a:schemeClr val="lt1"/>
-    </dgm:linClrLst>
-    <dgm:effectClrLst/>
-    <dgm:txLinClrLst/>
-    <dgm:txFillClrLst/>
-    <dgm:txEffectClrLst/>
-  </dgm:styleLbl>
-  <dgm:styleLbl name="node3">
-    <dgm:fillClrLst meth="repeat">
-      <a:schemeClr val="accent5"/>
-    </dgm:fillClrLst>
-    <dgm:linClrLst meth="repeat">
-      <a:schemeClr val="lt1"/>
-    </dgm:linClrLst>
-    <dgm:effectClrLst/>
-    <dgm:txLinClrLst/>
-    <dgm:txFillClrLst/>
-    <dgm:txEffectClrLst/>
-  </dgm:styleLbl>
-  <dgm:styleLbl name="node4">
-    <dgm:fillClrLst meth="repeat">
-      <a:schemeClr val="accent5"/>
-    </dgm:fillClrLst>
-    <dgm:linClrLst meth="repeat">
-      <a:schemeClr val="lt1"/>
-    </dgm:linClrLst>
-    <dgm:effectClrLst/>
-    <dgm:txLinClrLst/>
-    <dgm:txFillClrLst/>
-    <dgm:txEffectClrLst/>
-  </dgm:styleLbl>
-  <dgm:styleLbl name="parChTrans1D1">
-    <dgm:fillClrLst meth="repeat">
-      <a:schemeClr val="accent5"/>
-    </dgm:fillClrLst>
-    <dgm:linClrLst meth="repeat">
-      <a:schemeClr val="accent5">
-        <a:shade val="60000"/>
-      </a:schemeClr>
-    </dgm:linClrLst>
-    <dgm:effectClrLst/>
-    <dgm:txLinClrLst/>
-    <dgm:txFillClrLst meth="repeat">
-      <a:schemeClr val="tx1"/>
-    </dgm:txFillClrLst>
-    <dgm:txEffectClrLst/>
-  </dgm:styleLbl>
-  <dgm:styleLbl name="parChTrans1D2">
-    <dgm:fillClrLst meth="repeat">
-      <a:schemeClr val="accent5"/>
-    </dgm:fillClrLst>
-    <dgm:linClrLst meth="repeat">
-      <a:schemeClr val="accent5">
-        <a:shade val="60000"/>
-      </a:schemeClr>
-    </dgm:linClrLst>
-    <dgm:effectClrLst/>
-    <dgm:txLinClrLst/>
-    <dgm:txFillClrLst meth="repeat">
-      <a:schemeClr val="tx1"/>
-    </dgm:txFillClrLst>
-    <dgm:txEffectClrLst/>
-  </dgm:styleLbl>
-  <dgm:styleLbl name="parChTrans1D3">
-    <dgm:fillClrLst meth="repeat">
-      <a:schemeClr val="accent5"/>
-    </dgm:fillClrLst>
-    <dgm:linClrLst meth="repeat">
-      <a:schemeClr val="accent5">
-        <a:shade val="80000"/>
-      </a:schemeClr>
-    </dgm:linClrLst>
-    <dgm:effectClrLst/>
-    <dgm:txLinClrLst/>
-    <dgm:txFillClrLst meth="repeat">
-      <a:schemeClr val="tx1"/>
-    </dgm:txFillClrLst>
-    <dgm:txEffectClrLst/>
-  </dgm:styleLbl>
-  <dgm:styleLbl name="parChTrans1D4">
-    <dgm:fillClrLst meth="repeat">
-      <a:schemeClr val="accent5"/>
-    </dgm:fillClrLst>
-    <dgm:linClrLst meth="repeat">
-      <a:schemeClr val="accent5">
-        <a:shade val="80000"/>
-      </a:schemeClr>
-    </dgm:linClrLst>
-    <dgm:effectClrLst/>
-    <dgm:txLinClrLst/>
-    <dgm:txFillClrLst meth="repeat">
-      <a:schemeClr val="tx1"/>
-    </dgm:txFillClrLst>
-    <dgm:txEffectClrLst/>
-  </dgm:styleLbl>
-  <dgm:styleLbl name="parChTrans2D1">
-    <dgm:fillClrLst meth="repeat">
-      <a:schemeClr val="accent5">
-        <a:tint val="60000"/>
-      </a:schemeClr>
-    </dgm:fillClrLst>
-    <dgm:linClrLst meth="repeat">
-      <a:schemeClr val="accent5">
-        <a:tint val="60000"/>
-      </a:schemeClr>
-    </dgm:linClrLst>
-    <dgm:effectClrLst/>
-    <dgm:txLinClrLst/>
-    <dgm:txFillClrLst meth="repeat">
-      <a:schemeClr val="lt1"/>
-    </dgm:txFillClrLst>
-    <dgm:txEffectClrLst/>
-  </dgm:styleLbl>
-  <dgm:styleLbl name="parChTrans2D2">
-    <dgm:fillClrLst meth="repeat">
-      <a:schemeClr val="accent5"/>
-    </dgm:fillClrLst>
-    <dgm:linClrLst meth="repeat">
-      <a:schemeClr val="accent5"/>
-    </dgm:linClrLst>
-    <dgm:effectClrLst/>
-    <dgm:txLinClrLst/>
-    <dgm:txFillClrLst meth="repeat">
-      <a:schemeClr val="lt1"/>
-    </dgm:txFillClrLst>
-    <dgm:txEffectClrLst/>
-  </dgm:styleLbl>
-  <dgm:styleLbl name="parChTrans2D3">
-    <dgm:fillClrLst meth="repeat">
-      <a:schemeClr val="accent5"/>
-    </dgm:fillClrLst>
-    <dgm:linClrLst meth="repeat">
-      <a:schemeClr val="accent5"/>
-    </dgm:linClrLst>
-    <dgm:effectClrLst/>
-    <dgm:txLinClrLst/>
-    <dgm:txFillClrLst meth="repeat">
-      <a:schemeClr val="lt1"/>
-    </dgm:txFillClrLst>
-    <dgm:txEffectClrLst/>
-  </dgm:styleLbl>
-  <dgm:styleLbl name="parChTrans2D4">
-    <dgm:fillClrLst meth="repeat">
-      <a:schemeClr val="accent5"/>
-    </dgm:fillClrLst>
-    <dgm:linClrLst meth="repeat">
-      <a:schemeClr val="accent5"/>
-    </dgm:linClrLst>
-    <dgm:effectClrLst/>
-    <dgm:txLinClrLst/>
-    <dgm:txFillClrLst meth="repeat">
-      <a:schemeClr val="lt1"/>
-    </dgm:txFillClrLst>
-    <dgm:txEffectClrLst/>
-  </dgm:styleLbl>
-  <dgm:styleLbl name="revTx">
-    <dgm:fillClrLst meth="repeat">
-      <a:schemeClr val="lt1">
-        <a:alpha val="0"/>
-      </a:schemeClr>
-    </dgm:fillClrLst>
-    <dgm:linClrLst meth="repeat">
-      <a:schemeClr val="dk1">
-        <a:alpha val="0"/>
-      </a:schemeClr>
-    </dgm:linClrLst>
-    <dgm:effectClrLst/>
-    <dgm:txLinClrLst/>
-    <dgm:txFillClrLst meth="repeat">
-      <a:schemeClr val="tx1"/>
-    </dgm:txFillClrLst>
-    <dgm:txEffectClrLst/>
-  </dgm:styleLbl>
-  <dgm:styleLbl name="sibTrans1D1">
-    <dgm:fillClrLst meth="repeat">
-      <a:schemeClr val="accent5"/>
-    </dgm:fillClrLst>
-    <dgm:linClrLst meth="repeat">
-      <a:schemeClr val="accent5"/>
-    </dgm:linClrLst>
-    <dgm:effectClrLst/>
-    <dgm:txLinClrLst/>
-    <dgm:txFillClrLst meth="repeat">
-      <a:schemeClr val="tx1"/>
-    </dgm:txFillClrLst>
-    <dgm:txEffectClrLst/>
-  </dgm:styleLbl>
-  <dgm:styleLbl name="sibTrans2D1">
-    <dgm:fillClrLst meth="repeat">
-      <a:schemeClr val="accent5">
-        <a:tint val="60000"/>
-      </a:schemeClr>
-    </dgm:fillClrLst>
-    <dgm:linClrLst meth="repeat">
-      <a:schemeClr val="accent5">
-        <a:tint val="60000"/>
-      </a:schemeClr>
-    </dgm:linClrLst>
-    <dgm:effectClrLst/>
-    <dgm:txLinClrLst/>
-    <dgm:txFillClrLst/>
-    <dgm:txEffectClrLst/>
-  </dgm:styleLbl>
-  <dgm:styleLbl name="solidAlignAcc1">
-    <dgm:fillClrLst meth="repeat">
-      <a:schemeClr val="lt1"/>
-    </dgm:fillClrLst>
-    <dgm:linClrLst meth="repeat">
-      <a:schemeClr val="accent5"/>
-    </dgm:linClrLst>
-    <dgm:effectClrLst/>
-    <dgm:txLinClrLst/>
-    <dgm:txFillClrLst meth="repeat">
-      <a:schemeClr val="dk1"/>
-    </dgm:txFillClrLst>
-    <dgm:txEffectClrLst/>
-  </dgm:styleLbl>
-  <dgm:styleLbl name="solidBgAcc1">
-    <dgm:fillClrLst meth="repeat">
-      <a:schemeClr val="lt1"/>
-    </dgm:fillClrLst>
-    <dgm:linClrLst meth="repeat">
-      <a:schemeClr val="accent5"/>
-    </dgm:linClrLst>
-    <dgm:effectClrLst/>
-    <dgm:txLinClrLst/>
-    <dgm:txFillClrLst meth="repeat">
-      <a:schemeClr val="dk1"/>
-    </dgm:txFillClrLst>
-    <dgm:txEffectClrLst/>
-  </dgm:styleLbl>
-  <dgm:styleLbl name="solidFgAcc1">
-    <dgm:fillClrLst meth="repeat">
-      <a:schemeClr val="lt1"/>
-    </dgm:fillClrLst>
-    <dgm:linClrLst meth="repeat">
-      <a:schemeClr val="accent5"/>
-    </dgm:linClrLst>
-    <dgm:effectClrLst/>
-    <dgm:txLinClrLst/>
-    <dgm:txFillClrLst meth="repeat">
-      <a:schemeClr val="dk1"/>
-    </dgm:txFillClrLst>
-    <dgm:txEffectClrLst/>
-  </dgm:styleLbl>
-  <dgm:styleLbl name="trAlignAcc1">
-    <dgm:fillClrLst meth="repeat">
-      <a:schemeClr val="lt1">
-        <a:alpha val="40000"/>
-      </a:schemeClr>
-    </dgm:fillClrLst>
-    <dgm:linClrLst meth="repeat">
-      <a:schemeClr val="accent5"/>
-    </dgm:linClrLst>
-    <dgm:effectClrLst/>
-    <dgm:txLinClrLst/>
-    <dgm:txFillClrLst meth="repeat">
-      <a:schemeClr val="dk1"/>
-    </dgm:txFillClrLst>
-    <dgm:txEffectClrLst/>
-  </dgm:styleLbl>
-  <dgm:styleLbl name="trBgShp">
-    <dgm:fillClrLst meth="repeat">
-      <a:schemeClr val="accent5">
-        <a:tint val="50000"/>
-        <a:alpha val="40000"/>
-      </a:schemeClr>
-    </dgm:fillClrLst>
-    <dgm:linClrLst meth="repeat">
-      <a:schemeClr val="accent5"/>
-    </dgm:linClrLst>
-    <dgm:effectClrLst/>
-    <dgm:txLinClrLst/>
-    <dgm:txFillClrLst meth="repeat">
-      <a:schemeClr val="lt1"/>
-    </dgm:txFillClrLst>
-    <dgm:txEffectClrLst/>
-  </dgm:styleLbl>
-  <dgm:styleLbl name="vennNode1">
-    <dgm:fillClrLst meth="repeat">
-      <a:schemeClr val="accent5">
-        <a:alpha val="50000"/>
-      </a:schemeClr>
-    </dgm:fillClrLst>
-    <dgm:linClrLst meth="repeat">
-      <a:schemeClr val="lt1"/>
-    </dgm:linClrLst>
-    <dgm:effectClrLst/>
-    <dgm:txLinClrLst/>
-    <dgm:txFillClrLst/>
-    <dgm:txEffectClrLst/>
-  </dgm:styleLbl>
-</dgm:colorsDef>
-</file>
-
-<file path=ppt/diagrams/colors3.xml><?xml version="1.0" encoding="utf-8"?>
 <dgm:colorsDef xmlns:dgm="http://schemas.openxmlformats.org/drawingml/2006/diagram" xmlns:a="http://schemas.openxmlformats.org/drawingml/2006/main" uniqueId="urn:microsoft.com/office/officeart/2005/8/colors/accent5_2">
   <dgm:title val=""/>
   <dgm:desc val=""/>
@@ -3949,809 +3201,6 @@
 </dgm:dataModel>
 </file>
 
-<file path=ppt/diagrams/data3.xml><?xml version="1.0" encoding="utf-8"?>
-<dgm:dataModel xmlns:dgm="http://schemas.openxmlformats.org/drawingml/2006/diagram" xmlns:a="http://schemas.openxmlformats.org/drawingml/2006/main">
-  <dgm:ptLst>
-    <dgm:pt modelId="{177F329A-114F-4DEF-B506-992DFF0A0739}" type="doc">
-      <dgm:prSet loTypeId="urn:microsoft.com/office/officeart/2009/3/layout/DescendingProcess" loCatId="process" qsTypeId="urn:microsoft.com/office/officeart/2005/8/quickstyle/simple1" qsCatId="simple" csTypeId="urn:microsoft.com/office/officeart/2005/8/colors/accent5_2" csCatId="accent5" phldr="1"/>
-      <dgm:spPr/>
-      <dgm:t>
-        <a:bodyPr/>
-        <a:lstStyle/>
-        <a:p>
-          <a:endParaRPr lang="en-US"/>
-        </a:p>
-      </dgm:t>
-    </dgm:pt>
-    <dgm:pt modelId="{BB806962-C168-4190-8E1C-5D863A190479}">
-      <dgm:prSet>
-        <dgm:style>
-          <a:lnRef idx="2">
-            <a:schemeClr val="accent5">
-              <a:shade val="50000"/>
-            </a:schemeClr>
-          </a:lnRef>
-          <a:fillRef idx="1">
-            <a:schemeClr val="accent5"/>
-          </a:fillRef>
-          <a:effectRef idx="0">
-            <a:schemeClr val="accent5"/>
-          </a:effectRef>
-          <a:fontRef idx="minor">
-            <a:schemeClr val="lt1"/>
-          </a:fontRef>
-        </dgm:style>
-      </dgm:prSet>
-      <dgm:spPr>
-        <a:ln>
-          <a:noFill/>
-        </a:ln>
-      </dgm:spPr>
-      <dgm:t>
-        <a:bodyPr/>
-        <a:lstStyle/>
-        <a:p>
-          <a:pPr rtl="0"/>
-          <a:r>
-            <a:rPr lang="en-US" b="1" dirty="0" smtClean="0">
-              <a:solidFill>
-                <a:schemeClr val="bg1"/>
-              </a:solidFill>
-            </a:rPr>
-            <a:t>Java 7</a:t>
-          </a:r>
-          <a:endParaRPr lang="en-US" b="1" dirty="0">
-            <a:solidFill>
-              <a:schemeClr val="bg1"/>
-            </a:solidFill>
-          </a:endParaRPr>
-        </a:p>
-      </dgm:t>
-    </dgm:pt>
-    <dgm:pt modelId="{5214F135-6E96-4DD5-8BFA-CD61ECED09CB}" cxnId="{1B364083-8731-4EB0-9BE1-16F99D0E3590}" type="parTrans">
-      <dgm:prSet/>
-      <dgm:spPr/>
-      <dgm:t>
-        <a:bodyPr/>
-        <a:lstStyle/>
-        <a:p>
-          <a:endParaRPr lang="en-US"/>
-        </a:p>
-      </dgm:t>
-    </dgm:pt>
-    <dgm:pt modelId="{33C9A8CA-BB8A-48F7-9C73-414748922062}" cxnId="{1B364083-8731-4EB0-9BE1-16F99D0E3590}" type="sibTrans">
-      <dgm:prSet/>
-      <dgm:spPr/>
-      <dgm:t>
-        <a:bodyPr/>
-        <a:lstStyle/>
-        <a:p>
-          <a:endParaRPr lang="en-US"/>
-        </a:p>
-      </dgm:t>
-    </dgm:pt>
-    <dgm:pt modelId="{5981CDC2-2EE1-40BD-BEFC-4650E31281E0}">
-      <dgm:prSet custT="1">
-        <dgm:style>
-          <a:lnRef idx="2">
-            <a:schemeClr val="accent1">
-              <a:shade val="50000"/>
-            </a:schemeClr>
-          </a:lnRef>
-          <a:fillRef idx="1">
-            <a:schemeClr val="accent1"/>
-          </a:fillRef>
-          <a:effectRef idx="0">
-            <a:schemeClr val="accent1"/>
-          </a:effectRef>
-          <a:fontRef idx="minor">
-            <a:schemeClr val="lt1"/>
-          </a:fontRef>
-        </dgm:style>
-      </dgm:prSet>
-      <dgm:spPr>
-        <a:solidFill>
-          <a:schemeClr val="accent5"/>
-        </a:solidFill>
-        <a:ln>
-          <a:solidFill>
-            <a:schemeClr val="bg1"/>
-          </a:solidFill>
-        </a:ln>
-      </dgm:spPr>
-      <dgm:t>
-        <a:bodyPr/>
-        <a:lstStyle/>
-        <a:p>
-          <a:pPr algn="ctr" rtl="0"/>
-          <a:r>
-            <a:rPr lang="en-US" sz="2300" dirty="0" smtClean="0">
-              <a:solidFill>
-                <a:schemeClr val="bg1"/>
-              </a:solidFill>
-            </a:rPr>
-            <a:t>Default Methods</a:t>
-          </a:r>
-          <a:endParaRPr lang="en-US" sz="2300" dirty="0">
-            <a:solidFill>
-              <a:schemeClr val="bg1"/>
-            </a:solidFill>
-          </a:endParaRPr>
-        </a:p>
-      </dgm:t>
-    </dgm:pt>
-    <dgm:pt modelId="{919099F5-EF61-4C99-AF64-2C486CA36753}" cxnId="{125BFF9F-7C5B-47F0-8EAB-EE436D28CD6D}" type="parTrans">
-      <dgm:prSet/>
-      <dgm:spPr/>
-      <dgm:t>
-        <a:bodyPr/>
-        <a:lstStyle/>
-        <a:p>
-          <a:endParaRPr lang="en-US"/>
-        </a:p>
-      </dgm:t>
-    </dgm:pt>
-    <dgm:pt modelId="{7D2EF5DE-D69F-41FA-9380-52E2BA353B7D}" cxnId="{125BFF9F-7C5B-47F0-8EAB-EE436D28CD6D}" type="sibTrans">
-      <dgm:prSet/>
-      <dgm:spPr>
-        <a:solidFill>
-          <a:srgbClr val="FF0000"/>
-        </a:solidFill>
-        <a:ln>
-          <a:solidFill>
-            <a:schemeClr val="bg1"/>
-          </a:solidFill>
-        </a:ln>
-      </dgm:spPr>
-      <dgm:t>
-        <a:bodyPr/>
-        <a:lstStyle/>
-        <a:p>
-          <a:endParaRPr lang="en-US"/>
-        </a:p>
-      </dgm:t>
-    </dgm:pt>
-    <dgm:pt modelId="{8FD4D9DE-25B6-40DE-8F2C-776185D83C59}">
-      <dgm:prSet custT="1">
-        <dgm:style>
-          <a:lnRef idx="2">
-            <a:schemeClr val="accent1">
-              <a:shade val="50000"/>
-            </a:schemeClr>
-          </a:lnRef>
-          <a:fillRef idx="1">
-            <a:schemeClr val="accent1"/>
-          </a:fillRef>
-          <a:effectRef idx="0">
-            <a:schemeClr val="accent1"/>
-          </a:effectRef>
-          <a:fontRef idx="minor">
-            <a:schemeClr val="lt1"/>
-          </a:fontRef>
-        </dgm:style>
-      </dgm:prSet>
-      <dgm:spPr>
-        <a:solidFill>
-          <a:schemeClr val="accent5"/>
-        </a:solidFill>
-        <a:ln>
-          <a:solidFill>
-            <a:schemeClr val="bg1"/>
-          </a:solidFill>
-        </a:ln>
-      </dgm:spPr>
-      <dgm:t>
-        <a:bodyPr/>
-        <a:lstStyle/>
-        <a:p>
-          <a:pPr algn="ctr" rtl="0"/>
-          <a:r>
-            <a:rPr lang="en-US" sz="2700" dirty="0" smtClean="0">
-              <a:solidFill>
-                <a:schemeClr val="bg1"/>
-              </a:solidFill>
-            </a:rPr>
-            <a:t>Stream API</a:t>
-          </a:r>
-          <a:endParaRPr lang="en-US" sz="2700" dirty="0">
-            <a:solidFill>
-              <a:schemeClr val="bg1"/>
-            </a:solidFill>
-          </a:endParaRPr>
-        </a:p>
-      </dgm:t>
-    </dgm:pt>
-    <dgm:pt modelId="{74D4CB4B-9DE6-4A1D-A0EB-6BB9733AD022}" cxnId="{DFC1A7ED-5F86-4167-9E9E-2059DC2EF291}" type="parTrans">
-      <dgm:prSet/>
-      <dgm:spPr/>
-      <dgm:t>
-        <a:bodyPr/>
-        <a:lstStyle/>
-        <a:p>
-          <a:endParaRPr lang="en-US"/>
-        </a:p>
-      </dgm:t>
-    </dgm:pt>
-    <dgm:pt modelId="{856AC852-0E1B-4011-A4F9-02DC110C3DAA}" cxnId="{DFC1A7ED-5F86-4167-9E9E-2059DC2EF291}" type="sibTrans">
-      <dgm:prSet/>
-      <dgm:spPr>
-        <a:solidFill>
-          <a:schemeClr val="accent5"/>
-        </a:solidFill>
-        <a:ln>
-          <a:solidFill>
-            <a:schemeClr val="bg1"/>
-          </a:solidFill>
-        </a:ln>
-      </dgm:spPr>
-      <dgm:t>
-        <a:bodyPr/>
-        <a:lstStyle/>
-        <a:p>
-          <a:endParaRPr lang="en-US"/>
-        </a:p>
-      </dgm:t>
-    </dgm:pt>
-    <dgm:pt modelId="{EBDE3D6F-0F14-4FB5-BF34-2381C4B843B5}">
-      <dgm:prSet custT="1">
-        <dgm:style>
-          <a:lnRef idx="2">
-            <a:schemeClr val="accent1">
-              <a:shade val="50000"/>
-            </a:schemeClr>
-          </a:lnRef>
-          <a:fillRef idx="1">
-            <a:schemeClr val="accent1"/>
-          </a:fillRef>
-          <a:effectRef idx="0">
-            <a:schemeClr val="accent1"/>
-          </a:effectRef>
-          <a:fontRef idx="minor">
-            <a:schemeClr val="lt1"/>
-          </a:fontRef>
-        </dgm:style>
-      </dgm:prSet>
-      <dgm:spPr>
-        <a:solidFill>
-          <a:srgbClr val="FF0000"/>
-        </a:solidFill>
-        <a:ln>
-          <a:solidFill>
-            <a:schemeClr val="bg1"/>
-          </a:solidFill>
-        </a:ln>
-      </dgm:spPr>
-      <dgm:t>
-        <a:bodyPr/>
-        <a:lstStyle/>
-        <a:p>
-          <a:pPr algn="ctr" rtl="0"/>
-          <a:r>
-            <a:rPr lang="en-US" sz="2200" dirty="0" smtClean="0">
-              <a:solidFill>
-                <a:schemeClr val="bg1"/>
-              </a:solidFill>
-            </a:rPr>
-            <a:t>New Date/Time API</a:t>
-          </a:r>
-          <a:endParaRPr lang="en-US" sz="2200" dirty="0">
-            <a:solidFill>
-              <a:schemeClr val="bg1"/>
-            </a:solidFill>
-          </a:endParaRPr>
-        </a:p>
-      </dgm:t>
-    </dgm:pt>
-    <dgm:pt modelId="{CD9F810B-4C4C-43B8-8FF6-0EA29F33E6C4}" cxnId="{3F6C8721-43E1-477B-95C1-3F4594CFDDCE}" type="parTrans">
-      <dgm:prSet/>
-      <dgm:spPr/>
-      <dgm:t>
-        <a:bodyPr/>
-        <a:lstStyle/>
-        <a:p>
-          <a:endParaRPr lang="en-US"/>
-        </a:p>
-      </dgm:t>
-    </dgm:pt>
-    <dgm:pt modelId="{18EB99D7-C5CA-479A-9C9D-993D8CF26FC3}" cxnId="{3F6C8721-43E1-477B-95C1-3F4594CFDDCE}" type="sibTrans">
-      <dgm:prSet/>
-      <dgm:spPr>
-        <a:solidFill>
-          <a:schemeClr val="accent5"/>
-        </a:solidFill>
-        <a:ln>
-          <a:solidFill>
-            <a:schemeClr val="bg1"/>
-          </a:solidFill>
-        </a:ln>
-      </dgm:spPr>
-      <dgm:t>
-        <a:bodyPr/>
-        <a:lstStyle/>
-        <a:p>
-          <a:endParaRPr lang="en-US"/>
-        </a:p>
-      </dgm:t>
-    </dgm:pt>
-    <dgm:pt modelId="{14C55BC4-AC7C-4C17-8998-091E73D2B8BA}">
-      <dgm:prSet custT="1">
-        <dgm:style>
-          <a:lnRef idx="2">
-            <a:schemeClr val="accent1">
-              <a:shade val="50000"/>
-            </a:schemeClr>
-          </a:lnRef>
-          <a:fillRef idx="1">
-            <a:schemeClr val="accent1"/>
-          </a:fillRef>
-          <a:effectRef idx="0">
-            <a:schemeClr val="accent1"/>
-          </a:effectRef>
-          <a:fontRef idx="minor">
-            <a:schemeClr val="lt1"/>
-          </a:fontRef>
-        </dgm:style>
-      </dgm:prSet>
-      <dgm:spPr>
-        <a:solidFill>
-          <a:schemeClr val="bg1">
-            <a:lumMod val="65000"/>
-          </a:schemeClr>
-        </a:solidFill>
-        <a:ln>
-          <a:noFill/>
-        </a:ln>
-      </dgm:spPr>
-      <dgm:t>
-        <a:bodyPr/>
-        <a:lstStyle/>
-        <a:p>
-          <a:pPr algn="ctr" rtl="0"/>
-          <a:r>
-            <a:rPr lang="en-US" sz="2000" dirty="0" err="1" smtClean="0">
-              <a:solidFill>
-                <a:schemeClr val="bg1"/>
-              </a:solidFill>
-            </a:rPr>
-            <a:t>Nashorn</a:t>
-          </a:r>
-          <a:endParaRPr lang="en-US" sz="2000" dirty="0">
-            <a:solidFill>
-              <a:schemeClr val="bg1"/>
-            </a:solidFill>
-          </a:endParaRPr>
-        </a:p>
-      </dgm:t>
-    </dgm:pt>
-    <dgm:pt modelId="{04192132-B65B-4C93-B96E-A3D79B1D4A20}" cxnId="{8F4CD290-A36C-4F57-BEB0-67E4F655A390}" type="parTrans">
-      <dgm:prSet/>
-      <dgm:spPr/>
-      <dgm:t>
-        <a:bodyPr/>
-        <a:lstStyle/>
-        <a:p>
-          <a:endParaRPr lang="en-US"/>
-        </a:p>
-      </dgm:t>
-    </dgm:pt>
-    <dgm:pt modelId="{DD2179FD-200D-4E06-B6F5-5C83468DE52F}" cxnId="{8F4CD290-A36C-4F57-BEB0-67E4F655A390}" type="sibTrans">
-      <dgm:prSet/>
-      <dgm:spPr>
-        <a:solidFill>
-          <a:schemeClr val="accent5"/>
-        </a:solidFill>
-        <a:ln>
-          <a:solidFill>
-            <a:schemeClr val="bg1"/>
-          </a:solidFill>
-        </a:ln>
-      </dgm:spPr>
-      <dgm:t>
-        <a:bodyPr/>
-        <a:lstStyle/>
-        <a:p>
-          <a:endParaRPr lang="en-US"/>
-        </a:p>
-      </dgm:t>
-    </dgm:pt>
-    <dgm:pt modelId="{6FED26C1-DCEF-491B-B15C-3AA613BC5A62}">
-      <dgm:prSet custT="1">
-        <dgm:style>
-          <a:lnRef idx="2">
-            <a:schemeClr val="accent5">
-              <a:shade val="50000"/>
-            </a:schemeClr>
-          </a:lnRef>
-          <a:fillRef idx="1">
-            <a:schemeClr val="accent5"/>
-          </a:fillRef>
-          <a:effectRef idx="0">
-            <a:schemeClr val="accent5"/>
-          </a:effectRef>
-          <a:fontRef idx="minor">
-            <a:schemeClr val="lt1"/>
-          </a:fontRef>
-        </dgm:style>
-      </dgm:prSet>
-      <dgm:spPr>
-        <a:ln>
-          <a:noFill/>
-        </a:ln>
-      </dgm:spPr>
-      <dgm:t>
-        <a:bodyPr/>
-        <a:lstStyle/>
-        <a:p>
-          <a:pPr rtl="0"/>
-          <a:r>
-            <a:rPr lang="en-US" sz="4400" b="1" smtClean="0">
-              <a:solidFill>
-                <a:schemeClr val="bg1"/>
-              </a:solidFill>
-            </a:rPr>
-            <a:t>Java 8</a:t>
-          </a:r>
-          <a:endParaRPr lang="en-US" sz="4400" b="1" dirty="0">
-            <a:solidFill>
-              <a:schemeClr val="bg1"/>
-            </a:solidFill>
-          </a:endParaRPr>
-        </a:p>
-      </dgm:t>
-    </dgm:pt>
-    <dgm:pt modelId="{4CB0E812-62AE-4C4F-87F0-D9332EFBDD02}" cxnId="{F043195F-23B8-46C2-A871-6048CD0AD440}" type="parTrans">
-      <dgm:prSet/>
-      <dgm:spPr/>
-      <dgm:t>
-        <a:bodyPr/>
-        <a:lstStyle/>
-        <a:p>
-          <a:endParaRPr lang="en-US"/>
-        </a:p>
-      </dgm:t>
-    </dgm:pt>
-    <dgm:pt modelId="{B83FE635-E404-4206-B955-D71CEFAF88AA}" cxnId="{F043195F-23B8-46C2-A871-6048CD0AD440}" type="sibTrans">
-      <dgm:prSet/>
-      <dgm:spPr/>
-      <dgm:t>
-        <a:bodyPr/>
-        <a:lstStyle/>
-        <a:p>
-          <a:endParaRPr lang="en-US"/>
-        </a:p>
-      </dgm:t>
-    </dgm:pt>
-    <dgm:pt modelId="{CD3046F8-43D6-405B-BEA7-C7371118E20A}">
-      <dgm:prSet custT="1">
-        <dgm:style>
-          <a:lnRef idx="2">
-            <a:schemeClr val="accent5">
-              <a:shade val="50000"/>
-            </a:schemeClr>
-          </a:lnRef>
-          <a:fillRef idx="1">
-            <a:schemeClr val="accent5"/>
-          </a:fillRef>
-          <a:effectRef idx="0">
-            <a:schemeClr val="accent5"/>
-          </a:effectRef>
-          <a:fontRef idx="minor">
-            <a:schemeClr val="lt1"/>
-          </a:fontRef>
-        </dgm:style>
-      </dgm:prSet>
-      <dgm:spPr>
-        <a:ln>
-          <a:solidFill>
-            <a:schemeClr val="bg1"/>
-          </a:solidFill>
-        </a:ln>
-      </dgm:spPr>
-      <dgm:t>
-        <a:bodyPr/>
-        <a:lstStyle/>
-        <a:p>
-          <a:pPr algn="ctr" rtl="0"/>
-          <a:r>
-            <a:rPr lang="en-US" sz="2800" dirty="0" smtClean="0">
-              <a:solidFill>
-                <a:schemeClr val="bg1"/>
-              </a:solidFill>
-            </a:rPr>
-            <a:t>Lambda Expressions</a:t>
-          </a:r>
-          <a:endParaRPr lang="en-US" sz="2800" dirty="0">
-            <a:solidFill>
-              <a:schemeClr val="bg1"/>
-            </a:solidFill>
-          </a:endParaRPr>
-        </a:p>
-      </dgm:t>
-    </dgm:pt>
-    <dgm:pt modelId="{D6FD41CC-2A7B-4BAC-8519-97D980DCA3F0}" cxnId="{476CF157-027B-4EFD-BCDF-8701AD4E001F}" type="parTrans">
-      <dgm:prSet/>
-      <dgm:spPr/>
-      <dgm:t>
-        <a:bodyPr/>
-        <a:lstStyle/>
-        <a:p>
-          <a:endParaRPr lang="en-US"/>
-        </a:p>
-      </dgm:t>
-    </dgm:pt>
-    <dgm:pt modelId="{AD57BD4F-120E-4944-8906-7BF612C590B5}" cxnId="{476CF157-027B-4EFD-BCDF-8701AD4E001F}" type="sibTrans">
-      <dgm:prSet/>
-      <dgm:spPr>
-        <a:solidFill>
-          <a:schemeClr val="accent5"/>
-        </a:solidFill>
-        <a:ln>
-          <a:solidFill>
-            <a:schemeClr val="bg1">
-              <a:lumMod val="65000"/>
-            </a:schemeClr>
-          </a:solidFill>
-        </a:ln>
-      </dgm:spPr>
-      <dgm:t>
-        <a:bodyPr/>
-        <a:lstStyle/>
-        <a:p>
-          <a:endParaRPr lang="en-US"/>
-        </a:p>
-      </dgm:t>
-    </dgm:pt>
-    <dgm:pt modelId="{FE8E991E-6FC1-453A-8D43-DBBE52B364DD}" type="pres">
-      <dgm:prSet presAssocID="{177F329A-114F-4DEF-B506-992DFF0A0739}" presName="Name0" presStyleCnt="0">
-        <dgm:presLayoutVars>
-          <dgm:chMax val="7"/>
-          <dgm:chPref val="5"/>
-        </dgm:presLayoutVars>
-      </dgm:prSet>
-      <dgm:spPr/>
-      <dgm:t>
-        <a:bodyPr/>
-        <a:lstStyle/>
-        <a:p>
-          <a:endParaRPr lang="en-US"/>
-        </a:p>
-      </dgm:t>
-    </dgm:pt>
-    <dgm:pt modelId="{0A54D6EF-09F7-4657-9C4D-81F3E162FE27}" type="pres">
-      <dgm:prSet presAssocID="{177F329A-114F-4DEF-B506-992DFF0A0739}" presName="arrowNode" presStyleLbl="node1" presStyleIdx="0" presStyleCnt="1" custScaleX="105810"/>
-      <dgm:spPr/>
-    </dgm:pt>
-    <dgm:pt modelId="{BD8D260A-35D8-4527-9EAF-1D22A1253FEE}" type="pres">
-      <dgm:prSet presAssocID="{BB806962-C168-4190-8E1C-5D863A190479}" presName="txNode1" presStyleLbl="revTx" presStyleIdx="0" presStyleCnt="7" custScaleX="36937" custScaleY="45257" custLinFactNeighborX="-25693" custLinFactNeighborY="43176">
-        <dgm:presLayoutVars>
-          <dgm:bulletEnabled val="1"/>
-        </dgm:presLayoutVars>
-      </dgm:prSet>
-      <dgm:spPr/>
-      <dgm:t>
-        <a:bodyPr/>
-        <a:lstStyle/>
-        <a:p>
-          <a:endParaRPr lang="en-US"/>
-        </a:p>
-      </dgm:t>
-    </dgm:pt>
-    <dgm:pt modelId="{A05A1FB1-99FD-4EEE-BCA6-067F1DC21E32}" type="pres">
-      <dgm:prSet presAssocID="{CD3046F8-43D6-405B-BEA7-C7371118E20A}" presName="txNode2" presStyleLbl="revTx" presStyleIdx="1" presStyleCnt="7" custScaleX="107990" custScaleY="57189" custLinFactY="100000" custLinFactNeighborX="-70099" custLinFactNeighborY="140664">
-        <dgm:presLayoutVars>
-          <dgm:bulletEnabled val="1"/>
-        </dgm:presLayoutVars>
-      </dgm:prSet>
-      <dgm:spPr/>
-      <dgm:t>
-        <a:bodyPr/>
-        <a:lstStyle/>
-        <a:p>
-          <a:endParaRPr lang="en-US"/>
-        </a:p>
-      </dgm:t>
-    </dgm:pt>
-    <dgm:pt modelId="{94FA7B0F-0370-430B-B481-E8070624E993}" type="pres">
-      <dgm:prSet presAssocID="{AD57BD4F-120E-4944-8906-7BF612C590B5}" presName="dotNode2" presStyleCnt="0"/>
-      <dgm:spPr/>
-    </dgm:pt>
-    <dgm:pt modelId="{1636BCA8-B82B-469D-844F-7E73A7D6A3B6}" type="pres">
-      <dgm:prSet presAssocID="{AD57BD4F-120E-4944-8906-7BF612C590B5}" presName="dotRepeatNode" presStyleLbl="fgShp" presStyleIdx="0" presStyleCnt="5" custScaleX="103170" custScaleY="99901" custLinFactX="100000" custLinFactY="34208" custLinFactNeighborX="114091" custLinFactNeighborY="100000"/>
-      <dgm:spPr/>
-      <dgm:t>
-        <a:bodyPr/>
-        <a:lstStyle/>
-        <a:p>
-          <a:endParaRPr lang="en-US"/>
-        </a:p>
-      </dgm:t>
-    </dgm:pt>
-    <dgm:pt modelId="{8FDE69E0-B784-4F53-88ED-7863FB7EF31E}" type="pres">
-      <dgm:prSet presAssocID="{5981CDC2-2EE1-40BD-BEFC-4650E31281E0}" presName="txNode3" presStyleLbl="revTx" presStyleIdx="2" presStyleCnt="7" custScaleX="133006" custScaleY="48325" custLinFactNeighborX="35267" custLinFactNeighborY="66662">
-        <dgm:presLayoutVars>
-          <dgm:bulletEnabled val="1"/>
-        </dgm:presLayoutVars>
-      </dgm:prSet>
-      <dgm:spPr/>
-      <dgm:t>
-        <a:bodyPr/>
-        <a:lstStyle/>
-        <a:p>
-          <a:endParaRPr lang="en-US"/>
-        </a:p>
-      </dgm:t>
-    </dgm:pt>
-    <dgm:pt modelId="{C23A2B11-47D9-40FA-8034-3F056D4D3421}" type="pres">
-      <dgm:prSet presAssocID="{7D2EF5DE-D69F-41FA-9380-52E2BA353B7D}" presName="dotNode3" presStyleCnt="0"/>
-      <dgm:spPr/>
-    </dgm:pt>
-    <dgm:pt modelId="{5E96A6B8-C46E-4773-9CF1-76754111EA6D}" type="pres">
-      <dgm:prSet presAssocID="{7D2EF5DE-D69F-41FA-9380-52E2BA353B7D}" presName="dotRepeatNode" presStyleLbl="fgShp" presStyleIdx="1" presStyleCnt="5" custScaleX="117619" custScaleY="121349" custLinFactNeighborX="51126" custLinFactNeighborY="22367"/>
-      <dgm:spPr/>
-      <dgm:t>
-        <a:bodyPr/>
-        <a:lstStyle/>
-        <a:p>
-          <a:endParaRPr lang="en-US"/>
-        </a:p>
-      </dgm:t>
-    </dgm:pt>
-    <dgm:pt modelId="{2C00486D-B008-4DD9-8F0A-0865AF6864E6}" type="pres">
-      <dgm:prSet presAssocID="{8FD4D9DE-25B6-40DE-8F2C-776185D83C59}" presName="txNode4" presStyleLbl="revTx" presStyleIdx="3" presStyleCnt="7" custScaleX="92696" custScaleY="47564" custLinFactNeighborX="2761" custLinFactNeighborY="62183">
-        <dgm:presLayoutVars>
-          <dgm:bulletEnabled val="1"/>
-        </dgm:presLayoutVars>
-      </dgm:prSet>
-      <dgm:spPr/>
-      <dgm:t>
-        <a:bodyPr/>
-        <a:lstStyle/>
-        <a:p>
-          <a:endParaRPr lang="en-US"/>
-        </a:p>
-      </dgm:t>
-    </dgm:pt>
-    <dgm:pt modelId="{60F43D4D-1989-4D06-A7B9-ABE1627EBC2C}" type="pres">
-      <dgm:prSet presAssocID="{856AC852-0E1B-4011-A4F9-02DC110C3DAA}" presName="dotNode4" presStyleCnt="0"/>
-      <dgm:spPr/>
-    </dgm:pt>
-    <dgm:pt modelId="{283CB1E0-F0B4-41C3-80B6-9CA6B938D795}" type="pres">
-      <dgm:prSet presAssocID="{856AC852-0E1B-4011-A4F9-02DC110C3DAA}" presName="dotRepeatNode" presStyleLbl="fgShp" presStyleIdx="2" presStyleCnt="5" custScaleX="140192" custScaleY="132160" custLinFactX="15034" custLinFactNeighborX="100000" custLinFactNeighborY="70298"/>
-      <dgm:spPr/>
-      <dgm:t>
-        <a:bodyPr/>
-        <a:lstStyle/>
-        <a:p>
-          <a:endParaRPr lang="en-US"/>
-        </a:p>
-      </dgm:t>
-    </dgm:pt>
-    <dgm:pt modelId="{03D2C02E-7583-47AC-A533-83B619984E18}" type="pres">
-      <dgm:prSet presAssocID="{EBDE3D6F-0F14-4FB5-BF34-2381C4B843B5}" presName="txNode5" presStyleLbl="revTx" presStyleIdx="4" presStyleCnt="7" custScaleX="94150" custScaleY="40586" custLinFactY="-13708" custLinFactNeighborX="89375" custLinFactNeighborY="-100000">
-        <dgm:presLayoutVars>
-          <dgm:bulletEnabled val="1"/>
-        </dgm:presLayoutVars>
-      </dgm:prSet>
-      <dgm:spPr/>
-      <dgm:t>
-        <a:bodyPr/>
-        <a:lstStyle/>
-        <a:p>
-          <a:endParaRPr lang="en-US"/>
-        </a:p>
-      </dgm:t>
-    </dgm:pt>
-    <dgm:pt modelId="{2DF3C7E2-9C56-4E84-9063-9B6CED43093F}" type="pres">
-      <dgm:prSet presAssocID="{18EB99D7-C5CA-479A-9C9D-993D8CF26FC3}" presName="dotNode5" presStyleCnt="0"/>
-      <dgm:spPr/>
-    </dgm:pt>
-    <dgm:pt modelId="{735385E6-1593-40B2-8F24-1E5491DF262B}" type="pres">
-      <dgm:prSet presAssocID="{18EB99D7-C5CA-479A-9C9D-993D8CF26FC3}" presName="dotRepeatNode" presStyleLbl="fgShp" presStyleIdx="3" presStyleCnt="5" custScaleX="153416" custScaleY="149876" custLinFactX="56576" custLinFactNeighborX="100000" custLinFactNeighborY="41540"/>
-      <dgm:spPr/>
-      <dgm:t>
-        <a:bodyPr/>
-        <a:lstStyle/>
-        <a:p>
-          <a:endParaRPr lang="en-US"/>
-        </a:p>
-      </dgm:t>
-    </dgm:pt>
-    <dgm:pt modelId="{0750E9F7-F6FB-4E82-A94B-46DA77E0543D}" type="pres">
-      <dgm:prSet presAssocID="{14C55BC4-AC7C-4C17-8998-091E73D2B8BA}" presName="txNode6" presStyleLbl="revTx" presStyleIdx="5" presStyleCnt="7" custScaleX="62382" custScaleY="49414" custLinFactX="-100000" custLinFactY="-88036" custLinFactNeighborX="-104892" custLinFactNeighborY="-100000">
-        <dgm:presLayoutVars>
-          <dgm:bulletEnabled val="1"/>
-        </dgm:presLayoutVars>
-      </dgm:prSet>
-      <dgm:spPr/>
-      <dgm:t>
-        <a:bodyPr/>
-        <a:lstStyle/>
-        <a:p>
-          <a:endParaRPr lang="en-US"/>
-        </a:p>
-      </dgm:t>
-    </dgm:pt>
-    <dgm:pt modelId="{1DBCB38A-177A-4924-8AEC-C06533FCE26D}" type="pres">
-      <dgm:prSet presAssocID="{DD2179FD-200D-4E06-B6F5-5C83468DE52F}" presName="dotNode6" presStyleCnt="0"/>
-      <dgm:spPr/>
-    </dgm:pt>
-    <dgm:pt modelId="{7C15A607-6690-4C36-9063-AD87E827E177}" type="pres">
-      <dgm:prSet presAssocID="{DD2179FD-200D-4E06-B6F5-5C83468DE52F}" presName="dotRepeatNode" presStyleLbl="fgShp" presStyleIdx="4" presStyleCnt="5" custFlipHor="1" custScaleX="205268" custScaleY="207727" custLinFactX="82141" custLinFactY="46988" custLinFactNeighborX="100000" custLinFactNeighborY="100000"/>
-      <dgm:spPr/>
-      <dgm:t>
-        <a:bodyPr/>
-        <a:lstStyle/>
-        <a:p>
-          <a:endParaRPr lang="en-US"/>
-        </a:p>
-      </dgm:t>
-    </dgm:pt>
-    <dgm:pt modelId="{64760302-4E47-4351-83CF-47E6AEEBA847}" type="pres">
-      <dgm:prSet presAssocID="{6FED26C1-DCEF-491B-B15C-3AA613BC5A62}" presName="txNode7" presStyleLbl="revTx" presStyleIdx="6" presStyleCnt="7" custScaleX="60282" custScaleY="100000" custLinFactNeighborY="1306">
-        <dgm:presLayoutVars>
-          <dgm:bulletEnabled val="1"/>
-        </dgm:presLayoutVars>
-      </dgm:prSet>
-      <dgm:spPr/>
-      <dgm:t>
-        <a:bodyPr/>
-        <a:lstStyle/>
-        <a:p>
-          <a:endParaRPr lang="en-US"/>
-        </a:p>
-      </dgm:t>
-    </dgm:pt>
-  </dgm:ptLst>
-  <dgm:cxnLst>
-    <dgm:cxn modelId="{2ED2EFB3-2A8E-4D28-9CA3-B7DDDB4A0840}" type="presOf" srcId="{CD3046F8-43D6-405B-BEA7-C7371118E20A}" destId="{A05A1FB1-99FD-4EEE-BCA6-067F1DC21E32}" srcOrd="0" destOrd="0" presId="urn:microsoft.com/office/officeart/2009/3/layout/DescendingProcess"/>
-    <dgm:cxn modelId="{8F4CD290-A36C-4F57-BEB0-67E4F655A390}" srcId="{177F329A-114F-4DEF-B506-992DFF0A0739}" destId="{14C55BC4-AC7C-4C17-8998-091E73D2B8BA}" srcOrd="5" destOrd="0" parTransId="{04192132-B65B-4C93-B96E-A3D79B1D4A20}" sibTransId="{DD2179FD-200D-4E06-B6F5-5C83468DE52F}"/>
-    <dgm:cxn modelId="{1B364083-8731-4EB0-9BE1-16F99D0E3590}" srcId="{177F329A-114F-4DEF-B506-992DFF0A0739}" destId="{BB806962-C168-4190-8E1C-5D863A190479}" srcOrd="0" destOrd="0" parTransId="{5214F135-6E96-4DD5-8BFA-CD61ECED09CB}" sibTransId="{33C9A8CA-BB8A-48F7-9C73-414748922062}"/>
-    <dgm:cxn modelId="{4EDD697E-F483-46C7-AB48-014AD0818055}" type="presOf" srcId="{AD57BD4F-120E-4944-8906-7BF612C590B5}" destId="{1636BCA8-B82B-469D-844F-7E73A7D6A3B6}" srcOrd="0" destOrd="0" presId="urn:microsoft.com/office/officeart/2009/3/layout/DescendingProcess"/>
-    <dgm:cxn modelId="{75E2E2BD-FE5F-40B7-9008-47880F50E6BE}" type="presOf" srcId="{5981CDC2-2EE1-40BD-BEFC-4650E31281E0}" destId="{8FDE69E0-B784-4F53-88ED-7863FB7EF31E}" srcOrd="0" destOrd="0" presId="urn:microsoft.com/office/officeart/2009/3/layout/DescendingProcess"/>
-    <dgm:cxn modelId="{B03A406C-7137-4245-ADB6-CFC9ACDB9FC4}" type="presOf" srcId="{8FD4D9DE-25B6-40DE-8F2C-776185D83C59}" destId="{2C00486D-B008-4DD9-8F0A-0865AF6864E6}" srcOrd="0" destOrd="0" presId="urn:microsoft.com/office/officeart/2009/3/layout/DescendingProcess"/>
-    <dgm:cxn modelId="{DFC1A7ED-5F86-4167-9E9E-2059DC2EF291}" srcId="{177F329A-114F-4DEF-B506-992DFF0A0739}" destId="{8FD4D9DE-25B6-40DE-8F2C-776185D83C59}" srcOrd="3" destOrd="0" parTransId="{74D4CB4B-9DE6-4A1D-A0EB-6BB9733AD022}" sibTransId="{856AC852-0E1B-4011-A4F9-02DC110C3DAA}"/>
-    <dgm:cxn modelId="{8D98D2B0-6CE8-409C-B02B-DD935427B261}" type="presOf" srcId="{18EB99D7-C5CA-479A-9C9D-993D8CF26FC3}" destId="{735385E6-1593-40B2-8F24-1E5491DF262B}" srcOrd="0" destOrd="0" presId="urn:microsoft.com/office/officeart/2009/3/layout/DescendingProcess"/>
-    <dgm:cxn modelId="{31B92DBA-4294-4C72-B8A9-D960D0237F9B}" type="presOf" srcId="{856AC852-0E1B-4011-A4F9-02DC110C3DAA}" destId="{283CB1E0-F0B4-41C3-80B6-9CA6B938D795}" srcOrd="0" destOrd="0" presId="urn:microsoft.com/office/officeart/2009/3/layout/DescendingProcess"/>
-    <dgm:cxn modelId="{709B2BFB-557C-4F19-A4CB-3CEF1D3D5F1B}" type="presOf" srcId="{EBDE3D6F-0F14-4FB5-BF34-2381C4B843B5}" destId="{03D2C02E-7583-47AC-A533-83B619984E18}" srcOrd="0" destOrd="0" presId="urn:microsoft.com/office/officeart/2009/3/layout/DescendingProcess"/>
-    <dgm:cxn modelId="{4CB8B9D9-D679-4598-8610-22CA4F31BD89}" type="presOf" srcId="{6FED26C1-DCEF-491B-B15C-3AA613BC5A62}" destId="{64760302-4E47-4351-83CF-47E6AEEBA847}" srcOrd="0" destOrd="0" presId="urn:microsoft.com/office/officeart/2009/3/layout/DescendingProcess"/>
-    <dgm:cxn modelId="{8C1760FB-8785-48FF-8924-E50D57AC7078}" type="presOf" srcId="{7D2EF5DE-D69F-41FA-9380-52E2BA353B7D}" destId="{5E96A6B8-C46E-4773-9CF1-76754111EA6D}" srcOrd="0" destOrd="0" presId="urn:microsoft.com/office/officeart/2009/3/layout/DescendingProcess"/>
-    <dgm:cxn modelId="{7C26F3BB-2805-44C8-B51D-BB80C23A3EAD}" type="presOf" srcId="{14C55BC4-AC7C-4C17-8998-091E73D2B8BA}" destId="{0750E9F7-F6FB-4E82-A94B-46DA77E0543D}" srcOrd="0" destOrd="0" presId="urn:microsoft.com/office/officeart/2009/3/layout/DescendingProcess"/>
-    <dgm:cxn modelId="{F043195F-23B8-46C2-A871-6048CD0AD440}" srcId="{177F329A-114F-4DEF-B506-992DFF0A0739}" destId="{6FED26C1-DCEF-491B-B15C-3AA613BC5A62}" srcOrd="6" destOrd="0" parTransId="{4CB0E812-62AE-4C4F-87F0-D9332EFBDD02}" sibTransId="{B83FE635-E404-4206-B955-D71CEFAF88AA}"/>
-    <dgm:cxn modelId="{476CF157-027B-4EFD-BCDF-8701AD4E001F}" srcId="{177F329A-114F-4DEF-B506-992DFF0A0739}" destId="{CD3046F8-43D6-405B-BEA7-C7371118E20A}" srcOrd="1" destOrd="0" parTransId="{D6FD41CC-2A7B-4BAC-8519-97D980DCA3F0}" sibTransId="{AD57BD4F-120E-4944-8906-7BF612C590B5}"/>
-    <dgm:cxn modelId="{F2236ABC-5D5B-4316-92D7-AE28A0B8D6D5}" type="presOf" srcId="{BB806962-C168-4190-8E1C-5D863A190479}" destId="{BD8D260A-35D8-4527-9EAF-1D22A1253FEE}" srcOrd="0" destOrd="0" presId="urn:microsoft.com/office/officeart/2009/3/layout/DescendingProcess"/>
-    <dgm:cxn modelId="{E80F7FE6-4EDE-43E9-AFD2-3D096048ECBD}" type="presOf" srcId="{DD2179FD-200D-4E06-B6F5-5C83468DE52F}" destId="{7C15A607-6690-4C36-9063-AD87E827E177}" srcOrd="0" destOrd="0" presId="urn:microsoft.com/office/officeart/2009/3/layout/DescendingProcess"/>
-    <dgm:cxn modelId="{3F6C8721-43E1-477B-95C1-3F4594CFDDCE}" srcId="{177F329A-114F-4DEF-B506-992DFF0A0739}" destId="{EBDE3D6F-0F14-4FB5-BF34-2381C4B843B5}" srcOrd="4" destOrd="0" parTransId="{CD9F810B-4C4C-43B8-8FF6-0EA29F33E6C4}" sibTransId="{18EB99D7-C5CA-479A-9C9D-993D8CF26FC3}"/>
-    <dgm:cxn modelId="{024EDF8F-2900-4AD6-B1CA-BC27B496CB59}" type="presOf" srcId="{177F329A-114F-4DEF-B506-992DFF0A0739}" destId="{FE8E991E-6FC1-453A-8D43-DBBE52B364DD}" srcOrd="0" destOrd="0" presId="urn:microsoft.com/office/officeart/2009/3/layout/DescendingProcess"/>
-    <dgm:cxn modelId="{125BFF9F-7C5B-47F0-8EAB-EE436D28CD6D}" srcId="{177F329A-114F-4DEF-B506-992DFF0A0739}" destId="{5981CDC2-2EE1-40BD-BEFC-4650E31281E0}" srcOrd="2" destOrd="0" parTransId="{919099F5-EF61-4C99-AF64-2C486CA36753}" sibTransId="{7D2EF5DE-D69F-41FA-9380-52E2BA353B7D}"/>
-    <dgm:cxn modelId="{65717BDC-CC5F-4E57-8296-91FF843059EE}" type="presParOf" srcId="{FE8E991E-6FC1-453A-8D43-DBBE52B364DD}" destId="{0A54D6EF-09F7-4657-9C4D-81F3E162FE27}" srcOrd="0" destOrd="0" presId="urn:microsoft.com/office/officeart/2009/3/layout/DescendingProcess"/>
-    <dgm:cxn modelId="{717E6A59-A2D8-443D-8664-C0F3701F1B51}" type="presParOf" srcId="{FE8E991E-6FC1-453A-8D43-DBBE52B364DD}" destId="{BD8D260A-35D8-4527-9EAF-1D22A1253FEE}" srcOrd="1" destOrd="0" presId="urn:microsoft.com/office/officeart/2009/3/layout/DescendingProcess"/>
-    <dgm:cxn modelId="{295F65BC-87C0-4FEA-8983-1222D508C8C3}" type="presParOf" srcId="{FE8E991E-6FC1-453A-8D43-DBBE52B364DD}" destId="{A05A1FB1-99FD-4EEE-BCA6-067F1DC21E32}" srcOrd="2" destOrd="0" presId="urn:microsoft.com/office/officeart/2009/3/layout/DescendingProcess"/>
-    <dgm:cxn modelId="{0ABEFAE1-86C4-4992-819B-71F6C6B4D568}" type="presParOf" srcId="{FE8E991E-6FC1-453A-8D43-DBBE52B364DD}" destId="{94FA7B0F-0370-430B-B481-E8070624E993}" srcOrd="3" destOrd="0" presId="urn:microsoft.com/office/officeart/2009/3/layout/DescendingProcess"/>
-    <dgm:cxn modelId="{5A54B61B-DFD6-4077-86E8-C40EC9026B07}" type="presParOf" srcId="{94FA7B0F-0370-430B-B481-E8070624E993}" destId="{1636BCA8-B82B-469D-844F-7E73A7D6A3B6}" srcOrd="0" destOrd="0" presId="urn:microsoft.com/office/officeart/2009/3/layout/DescendingProcess"/>
-    <dgm:cxn modelId="{1414D381-4C92-491A-A948-D798DF998FAE}" type="presParOf" srcId="{FE8E991E-6FC1-453A-8D43-DBBE52B364DD}" destId="{8FDE69E0-B784-4F53-88ED-7863FB7EF31E}" srcOrd="4" destOrd="0" presId="urn:microsoft.com/office/officeart/2009/3/layout/DescendingProcess"/>
-    <dgm:cxn modelId="{82F4898C-BB9D-44AF-BC9A-1812DE9FFC1A}" type="presParOf" srcId="{FE8E991E-6FC1-453A-8D43-DBBE52B364DD}" destId="{C23A2B11-47D9-40FA-8034-3F056D4D3421}" srcOrd="5" destOrd="0" presId="urn:microsoft.com/office/officeart/2009/3/layout/DescendingProcess"/>
-    <dgm:cxn modelId="{396EE09A-3CD9-47CD-B14E-6ECF0FAFF60D}" type="presParOf" srcId="{C23A2B11-47D9-40FA-8034-3F056D4D3421}" destId="{5E96A6B8-C46E-4773-9CF1-76754111EA6D}" srcOrd="0" destOrd="0" presId="urn:microsoft.com/office/officeart/2009/3/layout/DescendingProcess"/>
-    <dgm:cxn modelId="{52DF7455-F3BC-44E2-91AA-07E66B74C61C}" type="presParOf" srcId="{FE8E991E-6FC1-453A-8D43-DBBE52B364DD}" destId="{2C00486D-B008-4DD9-8F0A-0865AF6864E6}" srcOrd="6" destOrd="0" presId="urn:microsoft.com/office/officeart/2009/3/layout/DescendingProcess"/>
-    <dgm:cxn modelId="{0C9DDC2C-C66D-4D81-8F2D-941AA06B28EF}" type="presParOf" srcId="{FE8E991E-6FC1-453A-8D43-DBBE52B364DD}" destId="{60F43D4D-1989-4D06-A7B9-ABE1627EBC2C}" srcOrd="7" destOrd="0" presId="urn:microsoft.com/office/officeart/2009/3/layout/DescendingProcess"/>
-    <dgm:cxn modelId="{78615C81-EF7F-4766-B161-74287E7079A1}" type="presParOf" srcId="{60F43D4D-1989-4D06-A7B9-ABE1627EBC2C}" destId="{283CB1E0-F0B4-41C3-80B6-9CA6B938D795}" srcOrd="0" destOrd="0" presId="urn:microsoft.com/office/officeart/2009/3/layout/DescendingProcess"/>
-    <dgm:cxn modelId="{C1156009-1284-4768-9CF0-A04473C013EB}" type="presParOf" srcId="{FE8E991E-6FC1-453A-8D43-DBBE52B364DD}" destId="{03D2C02E-7583-47AC-A533-83B619984E18}" srcOrd="8" destOrd="0" presId="urn:microsoft.com/office/officeart/2009/3/layout/DescendingProcess"/>
-    <dgm:cxn modelId="{66783ADA-ABEE-4894-8F1A-9764EA8ADEB4}" type="presParOf" srcId="{FE8E991E-6FC1-453A-8D43-DBBE52B364DD}" destId="{2DF3C7E2-9C56-4E84-9063-9B6CED43093F}" srcOrd="9" destOrd="0" presId="urn:microsoft.com/office/officeart/2009/3/layout/DescendingProcess"/>
-    <dgm:cxn modelId="{E1C038A6-3CB2-4A5F-9F9B-17F095EA8217}" type="presParOf" srcId="{2DF3C7E2-9C56-4E84-9063-9B6CED43093F}" destId="{735385E6-1593-40B2-8F24-1E5491DF262B}" srcOrd="0" destOrd="0" presId="urn:microsoft.com/office/officeart/2009/3/layout/DescendingProcess"/>
-    <dgm:cxn modelId="{12365A4A-98E4-478B-B531-04A5B707DF31}" type="presParOf" srcId="{FE8E991E-6FC1-453A-8D43-DBBE52B364DD}" destId="{0750E9F7-F6FB-4E82-A94B-46DA77E0543D}" srcOrd="10" destOrd="0" presId="urn:microsoft.com/office/officeart/2009/3/layout/DescendingProcess"/>
-    <dgm:cxn modelId="{98E996BE-FFB1-49FA-9531-0FA08D1758AB}" type="presParOf" srcId="{FE8E991E-6FC1-453A-8D43-DBBE52B364DD}" destId="{1DBCB38A-177A-4924-8AEC-C06533FCE26D}" srcOrd="11" destOrd="0" presId="urn:microsoft.com/office/officeart/2009/3/layout/DescendingProcess"/>
-    <dgm:cxn modelId="{585A3931-7891-4F42-AA66-8DDA930A5C4A}" type="presParOf" srcId="{1DBCB38A-177A-4924-8AEC-C06533FCE26D}" destId="{7C15A607-6690-4C36-9063-AD87E827E177}" srcOrd="0" destOrd="0" presId="urn:microsoft.com/office/officeart/2009/3/layout/DescendingProcess"/>
-    <dgm:cxn modelId="{C8BBEACC-4AA2-4C94-B7A8-79304A9E2A13}" type="presParOf" srcId="{FE8E991E-6FC1-453A-8D43-DBBE52B364DD}" destId="{64760302-4E47-4351-83CF-47E6AEEBA847}" srcOrd="12" destOrd="0" presId="urn:microsoft.com/office/officeart/2009/3/layout/DescendingProcess"/>
-  </dgm:cxnLst>
-  <dgm:bg/>
-  <dgm:whole/>
-  <dgm:extLst>
-    <a:ext uri="http://schemas.microsoft.com/office/drawing/2008/diagram">
-      <dsp:dataModelExt xmlns:dsp="http://schemas.microsoft.com/office/drawing/2008/diagram" relId="rId6" minVer="http://schemas.openxmlformats.org/drawingml/2006/diagram"/>
-    </a:ext>
-  </dgm:extLst>
-</dgm:dataModel>
-</file>
-
 <file path=ppt/diagrams/drawing1.xml><?xml version="1.0" encoding="utf-8"?>
 <dsp:drawing xmlns:dgm="http://schemas.openxmlformats.org/drawingml/2006/diagram" xmlns:dsp="http://schemas.microsoft.com/office/drawing/2008/diagram" xmlns:a="http://schemas.openxmlformats.org/drawingml/2006/main">
   <dsp:spTree>
@@ -6972,792 +5421,6 @@
 </dsp:drawing>
 </file>
 
-<file path=ppt/diagrams/drawing3.xml><?xml version="1.0" encoding="utf-8"?>
-<dsp:drawing xmlns:dgm="http://schemas.openxmlformats.org/drawingml/2006/diagram" xmlns:dsp="http://schemas.microsoft.com/office/drawing/2008/diagram" xmlns:a="http://schemas.openxmlformats.org/drawingml/2006/main">
-  <dsp:spTree>
-    <dsp:nvGrpSpPr>
-      <dsp:cNvPr id="0" name=""/>
-      <dsp:cNvGrpSpPr/>
-    </dsp:nvGrpSpPr>
-    <dsp:grpSpPr/>
-    <dsp:sp modelId="{0A54D6EF-09F7-4657-9C4D-81F3E162FE27}">
-      <dsp:nvSpPr>
-        <dsp:cNvPr id="0" name=""/>
-        <dsp:cNvSpPr/>
-      </dsp:nvSpPr>
-      <dsp:spPr>
-        <a:xfrm rot="4396374">
-          <a:off x="1041220" y="797107"/>
-          <a:ext cx="3935856" cy="3054118"/>
-        </a:xfrm>
-        <a:prstGeom prst="swooshArrow">
-          <a:avLst>
-            <a:gd name="adj1" fmla="val 16310"/>
-            <a:gd name="adj2" fmla="val 31370"/>
-          </a:avLst>
-        </a:prstGeom>
-        <a:solidFill>
-          <a:schemeClr val="accent5">
-            <a:hueOff val="0"/>
-            <a:satOff val="0"/>
-            <a:lumOff val="0"/>
-            <a:alphaOff val="0"/>
-          </a:schemeClr>
-        </a:solidFill>
-        <a:ln w="25400" cap="flat" cmpd="sng" algn="ctr">
-          <a:solidFill>
-            <a:schemeClr val="lt1">
-              <a:hueOff val="0"/>
-              <a:satOff val="0"/>
-              <a:lumOff val="0"/>
-              <a:alphaOff val="0"/>
-            </a:schemeClr>
-          </a:solidFill>
-          <a:prstDash val="solid"/>
-        </a:ln>
-        <a:effectLst/>
-      </dsp:spPr>
-      <dsp:style>
-        <a:lnRef idx="2">
-          <a:scrgbClr r="0" g="0" b="0"/>
-        </a:lnRef>
-        <a:fillRef idx="1">
-          <a:scrgbClr r="0" g="0" b="0"/>
-        </a:fillRef>
-        <a:effectRef idx="0">
-          <a:scrgbClr r="0" g="0" b="0"/>
-        </a:effectRef>
-        <a:fontRef idx="minor">
-          <a:schemeClr val="lt1"/>
-        </a:fontRef>
-      </dsp:style>
-    </dsp:sp>
-    <dsp:sp modelId="{1636BCA8-B82B-469D-844F-7E73A7D6A3B6}">
-      <dsp:nvSpPr>
-        <dsp:cNvPr id="0" name=""/>
-        <dsp:cNvSpPr/>
-      </dsp:nvSpPr>
-      <dsp:spPr>
-        <a:xfrm>
-          <a:off x="2585807" y="1337177"/>
-          <a:ext cx="104545" cy="101233"/>
-        </a:xfrm>
-        <a:prstGeom prst="ellipse">
-          <a:avLst/>
-        </a:prstGeom>
-        <a:solidFill>
-          <a:schemeClr val="accent5"/>
-        </a:solidFill>
-        <a:ln w="25400" cap="flat" cmpd="sng" algn="ctr">
-          <a:solidFill>
-            <a:schemeClr val="bg1">
-              <a:lumMod val="65000"/>
-            </a:schemeClr>
-          </a:solidFill>
-          <a:prstDash val="solid"/>
-        </a:ln>
-        <a:effectLst/>
-      </dsp:spPr>
-      <dsp:style>
-        <a:lnRef idx="2">
-          <a:scrgbClr r="0" g="0" b="0"/>
-        </a:lnRef>
-        <a:fillRef idx="1">
-          <a:scrgbClr r="0" g="0" b="0"/>
-        </a:fillRef>
-        <a:effectRef idx="0">
-          <a:scrgbClr r="0" g="0" b="0"/>
-        </a:effectRef>
-        <a:fontRef idx="minor"/>
-      </dsp:style>
-    </dsp:sp>
-    <dsp:sp modelId="{5E96A6B8-C46E-4773-9CF1-76754111EA6D}">
-      <dsp:nvSpPr>
-        <dsp:cNvPr id="0" name=""/>
-        <dsp:cNvSpPr/>
-      </dsp:nvSpPr>
-      <dsp:spPr>
-        <a:xfrm>
-          <a:off x="2899098" y="1552770"/>
-          <a:ext cx="119188" cy="122967"/>
-        </a:xfrm>
-        <a:prstGeom prst="ellipse">
-          <a:avLst/>
-        </a:prstGeom>
-        <a:solidFill>
-          <a:srgbClr val="FF0000"/>
-        </a:solidFill>
-        <a:ln w="25400" cap="flat" cmpd="sng" algn="ctr">
-          <a:solidFill>
-            <a:schemeClr val="bg1"/>
-          </a:solidFill>
-          <a:prstDash val="solid"/>
-        </a:ln>
-        <a:effectLst/>
-      </dsp:spPr>
-      <dsp:style>
-        <a:lnRef idx="2">
-          <a:scrgbClr r="0" g="0" b="0"/>
-        </a:lnRef>
-        <a:fillRef idx="1">
-          <a:scrgbClr r="0" g="0" b="0"/>
-        </a:fillRef>
-        <a:effectRef idx="0">
-          <a:scrgbClr r="0" g="0" b="0"/>
-        </a:effectRef>
-        <a:fontRef idx="minor"/>
-      </dsp:style>
-    </dsp:sp>
-    <dsp:sp modelId="{283CB1E0-F0B4-41C3-80B6-9CA6B938D795}">
-      <dsp:nvSpPr>
-        <dsp:cNvPr id="0" name=""/>
-        <dsp:cNvSpPr/>
-      </dsp:nvSpPr>
-      <dsp:spPr>
-        <a:xfrm>
-          <a:off x="3361476" y="1991901"/>
-          <a:ext cx="142061" cy="133922"/>
-        </a:xfrm>
-        <a:prstGeom prst="ellipse">
-          <a:avLst/>
-        </a:prstGeom>
-        <a:solidFill>
-          <a:schemeClr val="accent5"/>
-        </a:solidFill>
-        <a:ln w="25400" cap="flat" cmpd="sng" algn="ctr">
-          <a:solidFill>
-            <a:schemeClr val="bg1"/>
-          </a:solidFill>
-          <a:prstDash val="solid"/>
-        </a:ln>
-        <a:effectLst/>
-      </dsp:spPr>
-      <dsp:style>
-        <a:lnRef idx="2">
-          <a:scrgbClr r="0" g="0" b="0"/>
-        </a:lnRef>
-        <a:fillRef idx="1">
-          <a:scrgbClr r="0" g="0" b="0"/>
-        </a:fillRef>
-        <a:effectRef idx="0">
-          <a:scrgbClr r="0" g="0" b="0"/>
-        </a:effectRef>
-        <a:fontRef idx="minor"/>
-      </dsp:style>
-    </dsp:sp>
-    <dsp:sp modelId="{BD8D260A-35D8-4527-9EAF-1D22A1253FEE}">
-      <dsp:nvSpPr>
-        <dsp:cNvPr id="0" name=""/>
-        <dsp:cNvSpPr/>
-      </dsp:nvSpPr>
-      <dsp:spPr>
-        <a:xfrm>
-          <a:off x="844246" y="524685"/>
-          <a:ext cx="698800" cy="336591"/>
-        </a:xfrm>
-        <a:prstGeom prst="rect">
-          <a:avLst/>
-        </a:prstGeom>
-        <a:solidFill>
-          <a:schemeClr val="accent5"/>
-        </a:solidFill>
-        <a:ln w="25400" cap="flat" cmpd="sng" algn="ctr">
-          <a:noFill/>
-          <a:prstDash val="solid"/>
-        </a:ln>
-        <a:effectLst/>
-      </dsp:spPr>
-      <dsp:style>
-        <a:lnRef idx="2">
-          <a:schemeClr val="accent5">
-            <a:shade val="50000"/>
-          </a:schemeClr>
-        </a:lnRef>
-        <a:fillRef idx="1">
-          <a:schemeClr val="accent5"/>
-        </a:fillRef>
-        <a:effectRef idx="0">
-          <a:schemeClr val="accent5"/>
-        </a:effectRef>
-        <a:fontRef idx="minor">
-          <a:schemeClr val="lt1"/>
-        </a:fontRef>
-      </dsp:style>
-      <dsp:txBody>
-        <a:bodyPr spcFirstLastPara="0" vert="horz" wrap="square" lIns="25400" tIns="25400" rIns="25400" bIns="25400" numCol="1" spcCol="1270" anchor="b" anchorCtr="0">
-          <a:noAutofit/>
-        </a:bodyPr>
-        <a:lstStyle/>
-        <a:p>
-          <a:pPr lvl="0" algn="ctr" defTabSz="889000" rtl="0">
-            <a:lnSpc>
-              <a:spcPct val="90000"/>
-            </a:lnSpc>
-            <a:spcBef>
-              <a:spcPct val="0"/>
-            </a:spcBef>
-            <a:spcAft>
-              <a:spcPct val="35000"/>
-            </a:spcAft>
-          </a:pPr>
-          <a:r>
-            <a:rPr lang="en-US" sz="2000" b="1" kern="1200" dirty="0" smtClean="0">
-              <a:solidFill>
-                <a:schemeClr val="bg1"/>
-              </a:solidFill>
-            </a:rPr>
-            <a:t>Java 7</a:t>
-          </a:r>
-          <a:endParaRPr lang="en-US" sz="2000" b="1" kern="1200" dirty="0">
-            <a:solidFill>
-              <a:schemeClr val="bg1"/>
-            </a:solidFill>
-          </a:endParaRPr>
-        </a:p>
-      </dsp:txBody>
-      <dsp:txXfrm>
-        <a:off x="844246" y="524685"/>
-        <a:ext cx="698800" cy="336591"/>
-      </dsp:txXfrm>
-    </dsp:sp>
-    <dsp:sp modelId="{A05A1FB1-99FD-4EEE-BCA6-067F1DC21E32}">
-      <dsp:nvSpPr>
-        <dsp:cNvPr id="0" name=""/>
-        <dsp:cNvSpPr/>
-      </dsp:nvSpPr>
-      <dsp:spPr>
-        <a:xfrm>
-          <a:off x="861995" y="2829027"/>
-          <a:ext cx="3092156" cy="425333"/>
-        </a:xfrm>
-        <a:prstGeom prst="rect">
-          <a:avLst/>
-        </a:prstGeom>
-        <a:solidFill>
-          <a:schemeClr val="accent5"/>
-        </a:solidFill>
-        <a:ln w="25400" cap="flat" cmpd="sng" algn="ctr">
-          <a:solidFill>
-            <a:schemeClr val="bg1"/>
-          </a:solidFill>
-          <a:prstDash val="solid"/>
-        </a:ln>
-        <a:effectLst/>
-      </dsp:spPr>
-      <dsp:style>
-        <a:lnRef idx="2">
-          <a:schemeClr val="accent5">
-            <a:shade val="50000"/>
-          </a:schemeClr>
-        </a:lnRef>
-        <a:fillRef idx="1">
-          <a:schemeClr val="accent5"/>
-        </a:fillRef>
-        <a:effectRef idx="0">
-          <a:schemeClr val="accent5"/>
-        </a:effectRef>
-        <a:fontRef idx="minor">
-          <a:schemeClr val="lt1"/>
-        </a:fontRef>
-      </dsp:style>
-      <dsp:txBody>
-        <a:bodyPr spcFirstLastPara="0" vert="horz" wrap="square" lIns="35560" tIns="35560" rIns="35560" bIns="35560" numCol="1" spcCol="1270" anchor="ctr" anchorCtr="0">
-          <a:noAutofit/>
-        </a:bodyPr>
-        <a:lstStyle/>
-        <a:p>
-          <a:pPr lvl="0" algn="ctr" defTabSz="1244600" rtl="0">
-            <a:lnSpc>
-              <a:spcPct val="90000"/>
-            </a:lnSpc>
-            <a:spcBef>
-              <a:spcPct val="0"/>
-            </a:spcBef>
-            <a:spcAft>
-              <a:spcPct val="35000"/>
-            </a:spcAft>
-          </a:pPr>
-          <a:r>
-            <a:rPr lang="en-US" sz="2800" kern="1200" dirty="0" smtClean="0">
-              <a:solidFill>
-                <a:schemeClr val="bg1"/>
-              </a:solidFill>
-            </a:rPr>
-            <a:t>Lambda Expressions</a:t>
-          </a:r>
-          <a:endParaRPr lang="en-US" sz="2800" kern="1200" dirty="0">
-            <a:solidFill>
-              <a:schemeClr val="bg1"/>
-            </a:solidFill>
-          </a:endParaRPr>
-        </a:p>
-      </dsp:txBody>
-      <dsp:txXfrm>
-        <a:off x="861995" y="2829027"/>
-        <a:ext cx="3092156" cy="425333"/>
-      </dsp:txXfrm>
-    </dsp:sp>
-    <dsp:sp modelId="{8FDE69E0-B784-4F53-88ED-7863FB7EF31E}">
-      <dsp:nvSpPr>
-        <dsp:cNvPr id="0" name=""/>
-        <dsp:cNvSpPr/>
-      </dsp:nvSpPr>
-      <dsp:spPr>
-        <a:xfrm>
-          <a:off x="1050403" y="1907672"/>
-          <a:ext cx="2244269" cy="359409"/>
-        </a:xfrm>
-        <a:prstGeom prst="rect">
-          <a:avLst/>
-        </a:prstGeom>
-        <a:solidFill>
-          <a:schemeClr val="accent5"/>
-        </a:solidFill>
-        <a:ln w="25400" cap="flat" cmpd="sng" algn="ctr">
-          <a:solidFill>
-            <a:schemeClr val="bg1"/>
-          </a:solidFill>
-          <a:prstDash val="solid"/>
-        </a:ln>
-        <a:effectLst/>
-      </dsp:spPr>
-      <dsp:style>
-        <a:lnRef idx="2">
-          <a:schemeClr val="accent1">
-            <a:shade val="50000"/>
-          </a:schemeClr>
-        </a:lnRef>
-        <a:fillRef idx="1">
-          <a:schemeClr val="accent1"/>
-        </a:fillRef>
-        <a:effectRef idx="0">
-          <a:schemeClr val="accent1"/>
-        </a:effectRef>
-        <a:fontRef idx="minor">
-          <a:schemeClr val="lt1"/>
-        </a:fontRef>
-      </dsp:style>
-      <dsp:txBody>
-        <a:bodyPr spcFirstLastPara="0" vert="horz" wrap="square" lIns="29210" tIns="29210" rIns="29210" bIns="29210" numCol="1" spcCol="1270" anchor="ctr" anchorCtr="0">
-          <a:noAutofit/>
-        </a:bodyPr>
-        <a:lstStyle/>
-        <a:p>
-          <a:pPr lvl="0" algn="ctr" defTabSz="1022350" rtl="0">
-            <a:lnSpc>
-              <a:spcPct val="90000"/>
-            </a:lnSpc>
-            <a:spcBef>
-              <a:spcPct val="0"/>
-            </a:spcBef>
-            <a:spcAft>
-              <a:spcPct val="35000"/>
-            </a:spcAft>
-          </a:pPr>
-          <a:r>
-            <a:rPr lang="en-US" sz="2300" kern="1200" dirty="0" smtClean="0">
-              <a:solidFill>
-                <a:schemeClr val="bg1"/>
-              </a:solidFill>
-            </a:rPr>
-            <a:t>Default Methods</a:t>
-          </a:r>
-          <a:endParaRPr lang="en-US" sz="2300" kern="1200" dirty="0">
-            <a:solidFill>
-              <a:schemeClr val="bg1"/>
-            </a:solidFill>
-          </a:endParaRPr>
-        </a:p>
-      </dsp:txBody>
-      <dsp:txXfrm>
-        <a:off x="1050403" y="1907672"/>
-        <a:ext cx="2244269" cy="359409"/>
-      </dsp:txXfrm>
-    </dsp:sp>
-    <dsp:sp modelId="{735385E6-1593-40B2-8F24-1E5491DF262B}">
-      <dsp:nvSpPr>
-        <dsp:cNvPr id="0" name=""/>
-        <dsp:cNvSpPr/>
-      </dsp:nvSpPr>
-      <dsp:spPr>
-        <a:xfrm>
-          <a:off x="3750702" y="2391656"/>
-          <a:ext cx="155462" cy="151874"/>
-        </a:xfrm>
-        <a:prstGeom prst="ellipse">
-          <a:avLst/>
-        </a:prstGeom>
-        <a:solidFill>
-          <a:schemeClr val="accent5"/>
-        </a:solidFill>
-        <a:ln w="25400" cap="flat" cmpd="sng" algn="ctr">
-          <a:solidFill>
-            <a:schemeClr val="bg1"/>
-          </a:solidFill>
-          <a:prstDash val="solid"/>
-        </a:ln>
-        <a:effectLst/>
-      </dsp:spPr>
-      <dsp:style>
-        <a:lnRef idx="2">
-          <a:scrgbClr r="0" g="0" b="0"/>
-        </a:lnRef>
-        <a:fillRef idx="1">
-          <a:scrgbClr r="0" g="0" b="0"/>
-        </a:fillRef>
-        <a:effectRef idx="0">
-          <a:scrgbClr r="0" g="0" b="0"/>
-        </a:effectRef>
-        <a:fontRef idx="minor"/>
-      </dsp:style>
-    </dsp:sp>
-    <dsp:sp modelId="{2C00486D-B008-4DD9-8F0A-0865AF6864E6}">
-      <dsp:nvSpPr>
-        <dsp:cNvPr id="0" name=""/>
-        <dsp:cNvSpPr/>
-      </dsp:nvSpPr>
-      <dsp:spPr>
-        <a:xfrm>
-          <a:off x="3980705" y="2273235"/>
-          <a:ext cx="1848483" cy="353749"/>
-        </a:xfrm>
-        <a:prstGeom prst="rect">
-          <a:avLst/>
-        </a:prstGeom>
-        <a:solidFill>
-          <a:schemeClr val="accent5"/>
-        </a:solidFill>
-        <a:ln w="25400" cap="flat" cmpd="sng" algn="ctr">
-          <a:solidFill>
-            <a:schemeClr val="bg1"/>
-          </a:solidFill>
-          <a:prstDash val="solid"/>
-        </a:ln>
-        <a:effectLst/>
-      </dsp:spPr>
-      <dsp:style>
-        <a:lnRef idx="2">
-          <a:schemeClr val="accent1">
-            <a:shade val="50000"/>
-          </a:schemeClr>
-        </a:lnRef>
-        <a:fillRef idx="1">
-          <a:schemeClr val="accent1"/>
-        </a:fillRef>
-        <a:effectRef idx="0">
-          <a:schemeClr val="accent1"/>
-        </a:effectRef>
-        <a:fontRef idx="minor">
-          <a:schemeClr val="lt1"/>
-        </a:fontRef>
-      </dsp:style>
-      <dsp:txBody>
-        <a:bodyPr spcFirstLastPara="0" vert="horz" wrap="square" lIns="34290" tIns="34290" rIns="34290" bIns="34290" numCol="1" spcCol="1270" anchor="ctr" anchorCtr="0">
-          <a:noAutofit/>
-        </a:bodyPr>
-        <a:lstStyle/>
-        <a:p>
-          <a:pPr lvl="0" algn="ctr" defTabSz="1200150" rtl="0">
-            <a:lnSpc>
-              <a:spcPct val="90000"/>
-            </a:lnSpc>
-            <a:spcBef>
-              <a:spcPct val="0"/>
-            </a:spcBef>
-            <a:spcAft>
-              <a:spcPct val="35000"/>
-            </a:spcAft>
-          </a:pPr>
-          <a:r>
-            <a:rPr lang="en-US" sz="2700" kern="1200" dirty="0" smtClean="0">
-              <a:solidFill>
-                <a:schemeClr val="bg1"/>
-              </a:solidFill>
-            </a:rPr>
-            <a:t>Stream API</a:t>
-          </a:r>
-          <a:endParaRPr lang="en-US" sz="2700" kern="1200" dirty="0">
-            <a:solidFill>
-              <a:schemeClr val="bg1"/>
-            </a:solidFill>
-          </a:endParaRPr>
-        </a:p>
-      </dsp:txBody>
-      <dsp:txXfrm>
-        <a:off x="3980705" y="2273235"/>
-        <a:ext cx="1848483" cy="353749"/>
-      </dsp:txXfrm>
-    </dsp:sp>
-    <dsp:sp modelId="{03D2C02E-7583-47AC-A533-83B619984E18}">
-      <dsp:nvSpPr>
-        <dsp:cNvPr id="0" name=""/>
-        <dsp:cNvSpPr/>
-      </dsp:nvSpPr>
-      <dsp:spPr>
-        <a:xfrm>
-          <a:off x="3093515" y="1428882"/>
-          <a:ext cx="2407023" cy="301851"/>
-        </a:xfrm>
-        <a:prstGeom prst="rect">
-          <a:avLst/>
-        </a:prstGeom>
-        <a:solidFill>
-          <a:srgbClr val="FF0000"/>
-        </a:solidFill>
-        <a:ln w="25400" cap="flat" cmpd="sng" algn="ctr">
-          <a:solidFill>
-            <a:schemeClr val="bg1"/>
-          </a:solidFill>
-          <a:prstDash val="solid"/>
-        </a:ln>
-        <a:effectLst/>
-      </dsp:spPr>
-      <dsp:style>
-        <a:lnRef idx="2">
-          <a:schemeClr val="accent1">
-            <a:shade val="50000"/>
-          </a:schemeClr>
-        </a:lnRef>
-        <a:fillRef idx="1">
-          <a:schemeClr val="accent1"/>
-        </a:fillRef>
-        <a:effectRef idx="0">
-          <a:schemeClr val="accent1"/>
-        </a:effectRef>
-        <a:fontRef idx="minor">
-          <a:schemeClr val="lt1"/>
-        </a:fontRef>
-      </dsp:style>
-      <dsp:txBody>
-        <a:bodyPr spcFirstLastPara="0" vert="horz" wrap="square" lIns="27940" tIns="27940" rIns="27940" bIns="27940" numCol="1" spcCol="1270" anchor="ctr" anchorCtr="0">
-          <a:noAutofit/>
-        </a:bodyPr>
-        <a:lstStyle/>
-        <a:p>
-          <a:pPr lvl="0" algn="ctr" defTabSz="977900" rtl="0">
-            <a:lnSpc>
-              <a:spcPct val="90000"/>
-            </a:lnSpc>
-            <a:spcBef>
-              <a:spcPct val="0"/>
-            </a:spcBef>
-            <a:spcAft>
-              <a:spcPct val="35000"/>
-            </a:spcAft>
-          </a:pPr>
-          <a:r>
-            <a:rPr lang="en-US" sz="2200" kern="1200" dirty="0" smtClean="0">
-              <a:solidFill>
-                <a:schemeClr val="bg1"/>
-              </a:solidFill>
-            </a:rPr>
-            <a:t>New Date/Time API</a:t>
-          </a:r>
-          <a:endParaRPr lang="en-US" sz="2200" kern="1200" dirty="0">
-            <a:solidFill>
-              <a:schemeClr val="bg1"/>
-            </a:solidFill>
-          </a:endParaRPr>
-        </a:p>
-      </dsp:txBody>
-      <dsp:txXfrm>
-        <a:off x="3093515" y="1428882"/>
-        <a:ext cx="2407023" cy="301851"/>
-      </dsp:txXfrm>
-    </dsp:sp>
-    <dsp:sp modelId="{7C15A607-6690-4C36-9063-AD87E827E177}">
-      <dsp:nvSpPr>
-        <dsp:cNvPr id="0" name=""/>
-        <dsp:cNvSpPr/>
-      </dsp:nvSpPr>
-      <dsp:spPr>
-        <a:xfrm flipH="1">
-          <a:off x="4035651" y="2915904"/>
-          <a:ext cx="208005" cy="210497"/>
-        </a:xfrm>
-        <a:prstGeom prst="ellipse">
-          <a:avLst/>
-        </a:prstGeom>
-        <a:solidFill>
-          <a:schemeClr val="accent5"/>
-        </a:solidFill>
-        <a:ln w="25400" cap="flat" cmpd="sng" algn="ctr">
-          <a:solidFill>
-            <a:schemeClr val="bg1"/>
-          </a:solidFill>
-          <a:prstDash val="solid"/>
-        </a:ln>
-        <a:effectLst/>
-      </dsp:spPr>
-      <dsp:style>
-        <a:lnRef idx="2">
-          <a:scrgbClr r="0" g="0" b="0"/>
-        </a:lnRef>
-        <a:fillRef idx="1">
-          <a:scrgbClr r="0" g="0" b="0"/>
-        </a:fillRef>
-        <a:effectRef idx="0">
-          <a:scrgbClr r="0" g="0" b="0"/>
-        </a:effectRef>
-        <a:fontRef idx="minor"/>
-      </dsp:style>
-    </dsp:sp>
-    <dsp:sp modelId="{0750E9F7-F6FB-4E82-A94B-46DA77E0543D}">
-      <dsp:nvSpPr>
-        <dsp:cNvPr id="0" name=""/>
-        <dsp:cNvSpPr/>
-      </dsp:nvSpPr>
-      <dsp:spPr>
-        <a:xfrm>
-          <a:off x="1604850" y="1289964"/>
-          <a:ext cx="925011" cy="367508"/>
-        </a:xfrm>
-        <a:prstGeom prst="rect">
-          <a:avLst/>
-        </a:prstGeom>
-        <a:solidFill>
-          <a:schemeClr val="bg1">
-            <a:lumMod val="65000"/>
-          </a:schemeClr>
-        </a:solidFill>
-        <a:ln w="25400" cap="flat" cmpd="sng" algn="ctr">
-          <a:noFill/>
-          <a:prstDash val="solid"/>
-        </a:ln>
-        <a:effectLst/>
-      </dsp:spPr>
-      <dsp:style>
-        <a:lnRef idx="2">
-          <a:schemeClr val="accent1">
-            <a:shade val="50000"/>
-          </a:schemeClr>
-        </a:lnRef>
-        <a:fillRef idx="1">
-          <a:schemeClr val="accent1"/>
-        </a:fillRef>
-        <a:effectRef idx="0">
-          <a:schemeClr val="accent1"/>
-        </a:effectRef>
-        <a:fontRef idx="minor">
-          <a:schemeClr val="lt1"/>
-        </a:fontRef>
-      </dsp:style>
-      <dsp:txBody>
-        <a:bodyPr spcFirstLastPara="0" vert="horz" wrap="square" lIns="25400" tIns="25400" rIns="25400" bIns="25400" numCol="1" spcCol="1270" anchor="ctr" anchorCtr="0">
-          <a:noAutofit/>
-        </a:bodyPr>
-        <a:lstStyle/>
-        <a:p>
-          <a:pPr lvl="0" algn="ctr" defTabSz="889000" rtl="0">
-            <a:lnSpc>
-              <a:spcPct val="90000"/>
-            </a:lnSpc>
-            <a:spcBef>
-              <a:spcPct val="0"/>
-            </a:spcBef>
-            <a:spcAft>
-              <a:spcPct val="35000"/>
-            </a:spcAft>
-          </a:pPr>
-          <a:r>
-            <a:rPr lang="en-US" sz="2000" kern="1200" dirty="0" err="1" smtClean="0">
-              <a:solidFill>
-                <a:schemeClr val="bg1"/>
-              </a:solidFill>
-            </a:rPr>
-            <a:t>Nashorn</a:t>
-          </a:r>
-          <a:endParaRPr lang="en-US" sz="2000" kern="1200" dirty="0">
-            <a:solidFill>
-              <a:schemeClr val="bg1"/>
-            </a:solidFill>
-          </a:endParaRPr>
-        </a:p>
-      </dsp:txBody>
-      <dsp:txXfrm>
-        <a:off x="1604850" y="1289964"/>
-        <a:ext cx="925011" cy="367508"/>
-      </dsp:txXfrm>
-    </dsp:sp>
-    <dsp:sp modelId="{64760302-4E47-4351-83CF-47E6AEEBA847}">
-      <dsp:nvSpPr>
-        <dsp:cNvPr id="0" name=""/>
-        <dsp:cNvSpPr/>
-      </dsp:nvSpPr>
-      <dsp:spPr>
-        <a:xfrm>
-          <a:off x="3798084" y="3904599"/>
-          <a:ext cx="1541159" cy="743733"/>
-        </a:xfrm>
-        <a:prstGeom prst="rect">
-          <a:avLst/>
-        </a:prstGeom>
-        <a:solidFill>
-          <a:schemeClr val="accent5"/>
-        </a:solidFill>
-        <a:ln w="25400" cap="flat" cmpd="sng" algn="ctr">
-          <a:noFill/>
-          <a:prstDash val="solid"/>
-        </a:ln>
-        <a:effectLst/>
-      </dsp:spPr>
-      <dsp:style>
-        <a:lnRef idx="2">
-          <a:schemeClr val="accent5">
-            <a:shade val="50000"/>
-          </a:schemeClr>
-        </a:lnRef>
-        <a:fillRef idx="1">
-          <a:schemeClr val="accent5"/>
-        </a:fillRef>
-        <a:effectRef idx="0">
-          <a:schemeClr val="accent5"/>
-        </a:effectRef>
-        <a:fontRef idx="minor">
-          <a:schemeClr val="lt1"/>
-        </a:fontRef>
-      </dsp:style>
-      <dsp:txBody>
-        <a:bodyPr spcFirstLastPara="0" vert="horz" wrap="square" lIns="55880" tIns="55880" rIns="55880" bIns="55880" numCol="1" spcCol="1270" anchor="t" anchorCtr="0">
-          <a:noAutofit/>
-        </a:bodyPr>
-        <a:lstStyle/>
-        <a:p>
-          <a:pPr lvl="0" algn="ctr" defTabSz="1955800" rtl="0">
-            <a:lnSpc>
-              <a:spcPct val="90000"/>
-            </a:lnSpc>
-            <a:spcBef>
-              <a:spcPct val="0"/>
-            </a:spcBef>
-            <a:spcAft>
-              <a:spcPct val="35000"/>
-            </a:spcAft>
-          </a:pPr>
-          <a:r>
-            <a:rPr lang="en-US" sz="4400" b="1" kern="1200" smtClean="0">
-              <a:solidFill>
-                <a:schemeClr val="bg1"/>
-              </a:solidFill>
-            </a:rPr>
-            <a:t>Java 8</a:t>
-          </a:r>
-          <a:endParaRPr lang="en-US" sz="4400" b="1" kern="1200" dirty="0">
-            <a:solidFill>
-              <a:schemeClr val="bg1"/>
-            </a:solidFill>
-          </a:endParaRPr>
-        </a:p>
-      </dsp:txBody>
-      <dsp:txXfrm>
-        <a:off x="3798084" y="3904599"/>
-        <a:ext cx="1541159" cy="743733"/>
-      </dsp:txXfrm>
-    </dsp:sp>
-  </dsp:spTree>
-</dsp:drawing>
-</file>
-
 <file path=ppt/diagrams/layout1.xml><?xml version="1.0" encoding="utf-8"?>
 <dgm:layoutDef xmlns:dgm="http://schemas.openxmlformats.org/drawingml/2006/diagram" xmlns:a="http://schemas.openxmlformats.org/drawingml/2006/main" uniqueId="urn:microsoft.com/office/officeart/2005/8/layout/lProcess1">
   <dgm:title val=""/>
@@ -8282,686 +5945,6 @@
 </dgm:layoutDef>
 </file>
 
-<file path=ppt/diagrams/layout3.xml><?xml version="1.0" encoding="utf-8"?>
-<dgm:layoutDef xmlns:dgm="http://schemas.openxmlformats.org/drawingml/2006/diagram" xmlns:a="http://schemas.openxmlformats.org/drawingml/2006/main" uniqueId="urn:microsoft.com/office/officeart/2009/3/layout/DescendingProcess">
-  <dgm:title val=""/>
-  <dgm:desc val=""/>
-  <dgm:catLst>
-    <dgm:cat type="process" pri="23500"/>
-  </dgm:catLst>
-  <dgm:sampData>
-    <dgm:dataModel>
-      <dgm:ptLst>
-        <dgm:pt modelId="0" type="doc"/>
-        <dgm:pt modelId="1">
-          <dgm:prSet phldr="1"/>
-        </dgm:pt>
-        <dgm:pt modelId="2">
-          <dgm:prSet phldr="1"/>
-        </dgm:pt>
-        <dgm:pt modelId="3">
-          <dgm:prSet phldr="1"/>
-        </dgm:pt>
-        <dgm:pt modelId="4">
-          <dgm:prSet phldr="1"/>
-        </dgm:pt>
-        <dgm:pt modelId="5">
-          <dgm:prSet phldr="1"/>
-        </dgm:pt>
-      </dgm:ptLst>
-      <dgm:cxnLst>
-        <dgm:cxn modelId="6" srcId="0" destId="1" srcOrd="0" destOrd="0"/>
-        <dgm:cxn modelId="7" srcId="0" destId="2" srcOrd="1" destOrd="0"/>
-        <dgm:cxn modelId="8" srcId="0" destId="3" srcOrd="2" destOrd="0"/>
-        <dgm:cxn modelId="9" srcId="0" destId="4" srcOrd="3" destOrd="0"/>
-        <dgm:cxn modelId="10" srcId="0" destId="5" srcOrd="4" destOrd="0"/>
-      </dgm:cxnLst>
-      <dgm:bg/>
-      <dgm:whole/>
-    </dgm:dataModel>
-  </dgm:sampData>
-  <dgm:styleData>
-    <dgm:dataModel>
-      <dgm:ptLst>
-        <dgm:pt modelId="0" type="doc"/>
-        <dgm:pt modelId="1">
-          <dgm:prSet phldr="1"/>
-        </dgm:pt>
-        <dgm:pt modelId="2">
-          <dgm:prSet phldr="1"/>
-        </dgm:pt>
-        <dgm:pt modelId="3">
-          <dgm:prSet phldr="1"/>
-        </dgm:pt>
-      </dgm:ptLst>
-      <dgm:cxnLst>
-        <dgm:cxn modelId="4" srcId="0" destId="1" srcOrd="0" destOrd="0"/>
-        <dgm:cxn modelId="5" srcId="0" destId="2" srcOrd="1" destOrd="0"/>
-        <dgm:cxn modelId="6" srcId="0" destId="3" srcOrd="2" destOrd="0"/>
-      </dgm:cxnLst>
-      <dgm:bg/>
-      <dgm:whole/>
-    </dgm:dataModel>
-  </dgm:styleData>
-  <dgm:clrData>
-    <dgm:dataModel>
-      <dgm:ptLst>
-        <dgm:pt modelId="0" type="doc"/>
-        <dgm:pt modelId="1">
-          <dgm:prSet phldr="1"/>
-        </dgm:pt>
-        <dgm:pt modelId="2">
-          <dgm:prSet phldr="1"/>
-        </dgm:pt>
-        <dgm:pt modelId="3">
-          <dgm:prSet phldr="1"/>
-        </dgm:pt>
-      </dgm:ptLst>
-      <dgm:cxnLst>
-        <dgm:cxn modelId="4" srcId="0" destId="1" srcOrd="0" destOrd="0"/>
-        <dgm:cxn modelId="5" srcId="0" destId="2" srcOrd="1" destOrd="0"/>
-        <dgm:cxn modelId="6" srcId="0" destId="3" srcOrd="2" destOrd="0"/>
-      </dgm:cxnLst>
-      <dgm:bg/>
-      <dgm:whole/>
-    </dgm:dataModel>
-  </dgm:clrData>
-  <dgm:layoutNode name="Name0">
-    <dgm:varLst>
-      <dgm:chMax val="7"/>
-      <dgm:chPref val="5"/>
-    </dgm:varLst>
-    <dgm:alg type="composite">
-      <dgm:param type="ar" val="1.1"/>
-    </dgm:alg>
-    <dgm:shape xmlns:r="http://schemas.openxmlformats.org/officeDocument/2006/relationships" r:blip="">
-      <dgm:adjLst/>
-    </dgm:shape>
-    <dgm:choose name="Name1">
-      <dgm:if name="Name2" axis="ch" ptType="node" func="cnt" op="equ" val="1">
-        <dgm:constrLst>
-          <dgm:constr type="primFontSz" for="ch" ptType="node" op="equ" val="65"/>
-          <dgm:constr type="w" for="ch" forName="arrowNode" refType="w" fact="0.75"/>
-          <dgm:constr type="h" for="ch" forName="arrowNode" refType="h"/>
-          <dgm:constr type="l" for="ch" forName="arrowNode" refType="w" fact="0.07"/>
-          <dgm:constr type="t" for="ch" forName="arrowNode"/>
-          <dgm:constr type="l" for="ch" forName="txNode1" refType="w" fact="0"/>
-          <dgm:constr type="t" for="ch" forName="txNode1" refType="h" fact="0"/>
-          <dgm:constr type="r" for="ch" forName="txNode1" refType="w" fact="0.37"/>
-          <dgm:constr type="h" for="ch" forName="txNode1" refType="h" fact="0.16"/>
-        </dgm:constrLst>
-      </dgm:if>
-      <dgm:if name="Name3" axis="ch" ptType="node" func="cnt" op="equ" val="2">
-        <dgm:constrLst>
-          <dgm:constr type="primFontSz" for="ch" ptType="node" op="equ" val="65"/>
-          <dgm:constr type="w" for="ch" forName="arrowNode" refType="w" fact="0.75"/>
-          <dgm:constr type="h" for="ch" forName="arrowNode" refType="h"/>
-          <dgm:constr type="l" for="ch" forName="arrowNode" refType="w" fact="0.07"/>
-          <dgm:constr type="t" for="ch" forName="arrowNode"/>
-          <dgm:constr type="l" for="ch" forName="txNode1" refType="w" fact="0"/>
-          <dgm:constr type="t" for="ch" forName="txNode1" refType="h" fact="0"/>
-          <dgm:constr type="r" for="ch" forName="txNode1" refType="w" fact="0.37"/>
-          <dgm:constr type="h" for="ch" forName="txNode1" refType="h" fact="0.16"/>
-          <dgm:constr type="l" for="ch" forName="txNode2" refType="w" fact="0.5"/>
-          <dgm:constr type="b" for="ch" forName="txNode2" refType="h"/>
-          <dgm:constr type="r" for="ch" forName="txNode2" refType="w"/>
-          <dgm:constr type="h" for="ch" forName="txNode2" refType="h" fact="0.16"/>
-        </dgm:constrLst>
-      </dgm:if>
-      <dgm:if name="Name4" axis="ch" ptType="node" func="cnt" op="equ" val="3">
-        <dgm:constrLst>
-          <dgm:constr type="primFontSz" for="ch" ptType="node" op="equ" val="65"/>
-          <dgm:constr type="w" for="ch" forName="arrowNode" refType="w" fact="0.75"/>
-          <dgm:constr type="h" for="ch" forName="arrowNode" refType="h"/>
-          <dgm:constr type="l" for="ch" forName="arrowNode" refType="w" fact="0.07"/>
-          <dgm:constr type="t" for="ch" forName="arrowNode"/>
-          <dgm:constr type="l" for="ch" forName="txNode1" refType="w" fact="0"/>
-          <dgm:constr type="t" for="ch" forName="txNode1" refType="h" fact="0"/>
-          <dgm:constr type="r" for="ch" forName="txNode1" refType="w" fact="0.37"/>
-          <dgm:constr type="h" for="ch" forName="txNode1" refType="h" fact="0.16"/>
-          <dgm:constr type="l" for="ch" forName="txNode2" refType="w" fact="0.56"/>
-          <dgm:constr type="ctrY" for="ch" forName="txNode2" refType="h" fact="0.3992"/>
-          <dgm:constr type="r" for="ch" forName="txNode2" refType="w"/>
-          <dgm:constr type="h" for="ch" forName="txNode2" refType="h" fact="0.16"/>
-          <dgm:constr type="l" for="ch" forName="txNode3" refType="w" fact="0.5"/>
-          <dgm:constr type="b" for="ch" forName="txNode3" refType="h"/>
-          <dgm:constr type="r" for="ch" forName="txNode3" refType="w"/>
-          <dgm:constr type="h" for="ch" forName="txNode3" refType="h" fact="0.16"/>
-          <dgm:constr type="ctrX" for="ch" forName="dotNode2" refType="w" fact="0.4782"/>
-          <dgm:constr type="ctrY" for="ch" forName="dotNode2" refType="h" fact="0.3992"/>
-          <dgm:constr type="h" for="ch" forName="dotNode2" refType="h" fact="0.0218"/>
-          <dgm:constr type="w" for="ch" forName="dotNode2" refType="h" refFor="ch" refForName="dotNode2"/>
-        </dgm:constrLst>
-      </dgm:if>
-      <dgm:if name="Name5" axis="ch" ptType="node" func="cnt" op="equ" val="4">
-        <dgm:constrLst>
-          <dgm:constr type="primFontSz" for="ch" ptType="node" op="equ" val="65"/>
-          <dgm:constr type="w" for="ch" forName="arrowNode" refType="w" fact="0.75"/>
-          <dgm:constr type="h" for="ch" forName="arrowNode" refType="h"/>
-          <dgm:constr type="l" for="ch" forName="arrowNode" refType="w" fact="0.07"/>
-          <dgm:constr type="t" for="ch" forName="arrowNode"/>
-          <dgm:constr type="l" for="ch" forName="txNode1" refType="w" fact="0"/>
-          <dgm:constr type="t" for="ch" forName="txNode1" refType="h" fact="0"/>
-          <dgm:constr type="r" for="ch" forName="txNode1" refType="w" fact="0.37"/>
-          <dgm:constr type="h" for="ch" forName="txNode1" refType="h" fact="0.16"/>
-          <dgm:constr type="l" for="ch" forName="txNode2" refType="w" fact="0.49"/>
-          <dgm:constr type="ctrY" for="ch" forName="txNode2" refType="h" fact="0.3153"/>
-          <dgm:constr type="r" for="ch" forName="txNode2" refType="w"/>
-          <dgm:constr type="h" for="ch" forName="txNode2" refType="h" fact="0.16"/>
-          <dgm:constr type="l" for="ch" forName="txNode3" refType="w" fact="0"/>
-          <dgm:constr type="ctrY" for="ch" forName="txNode3" refType="h" fact="0.5004"/>
-          <dgm:constr type="r" for="ch" forName="txNode3" refType="w" fact="0.5"/>
-          <dgm:constr type="h" for="ch" forName="txNode3" refType="h" fact="0.16"/>
-          <dgm:constr type="l" for="ch" forName="txNode4" refType="w" fact="0.5"/>
-          <dgm:constr type="b" for="ch" forName="txNode4" refType="h"/>
-          <dgm:constr type="r" for="ch" forName="txNode4" refType="w"/>
-          <dgm:constr type="h" for="ch" forName="txNode4" refType="h" fact="0.16"/>
-          <dgm:constr type="ctrX" for="ch" forName="dotNode2" refType="w" fact="0.39"/>
-          <dgm:constr type="ctrY" for="ch" forName="dotNode2" refType="h" fact="0.3153"/>
-          <dgm:constr type="h" for="ch" forName="dotNode2" refType="h" fact="0.0218"/>
-          <dgm:constr type="w" for="ch" forName="dotNode2" refType="h" refFor="ch" refForName="dotNode2"/>
-          <dgm:constr type="ctrX" for="ch" forName="dotNode3" refType="w" fact="0.5626"/>
-          <dgm:constr type="ctrY" for="ch" forName="dotNode3" refType="h" fact="0.5004"/>
-          <dgm:constr type="h" for="ch" forName="dotNode3" refType="h" fact="0.0218"/>
-          <dgm:constr type="w" for="ch" forName="dotNode3" refType="h" refFor="ch" refForName="dotNode3"/>
-        </dgm:constrLst>
-      </dgm:if>
-      <dgm:if name="Name6" axis="ch" ptType="node" func="cnt" op="equ" val="5">
-        <dgm:constrLst>
-          <dgm:constr type="primFontSz" for="ch" ptType="node" op="equ" val="65"/>
-          <dgm:constr type="w" for="ch" forName="arrowNode" refType="w" fact="0.75"/>
-          <dgm:constr type="h" for="ch" forName="arrowNode" refType="h"/>
-          <dgm:constr type="l" for="ch" forName="arrowNode" refType="w" fact="0.07"/>
-          <dgm:constr type="t" for="ch" forName="arrowNode"/>
-          <dgm:constr type="l" for="ch" forName="txNode1" refType="w" fact="0"/>
-          <dgm:constr type="t" for="ch" forName="txNode1" refType="h" fact="0"/>
-          <dgm:constr type="r" for="ch" forName="txNode1" refType="w" fact="0.37"/>
-          <dgm:constr type="h" for="ch" forName="txNode1" refType="h" fact="0.16"/>
-          <dgm:constr type="l" for="ch" forName="txNode2" refType="w" fact="0.46"/>
-          <dgm:constr type="ctrY" for="ch" forName="txNode2" refType="h" fact="0.2885"/>
-          <dgm:constr type="r" for="ch" forName="txNode2" refType="w"/>
-          <dgm:constr type="h" for="ch" forName="txNode2" refType="h" fact="0.16"/>
-          <dgm:constr type="l" for="ch" forName="txNode3" refType="w" fact="0"/>
-          <dgm:constr type="ctrY" for="ch" forName="txNode3" refType="h" fact="0.4089"/>
-          <dgm:constr type="r" for="ch" forName="txNode3" refType="w" fact="0.43"/>
-          <dgm:constr type="h" for="ch" forName="txNode3" refType="h" fact="0.16"/>
-          <dgm:constr type="l" for="ch" forName="txNode4" refType="w" fact="0.67"/>
-          <dgm:constr type="ctrY" for="ch" forName="txNode4" refType="h" fact="0.5497"/>
-          <dgm:constr type="r" for="ch" forName="txNode4" refType="w"/>
-          <dgm:constr type="h" for="ch" forName="txNode4" refType="h" fact="0.16"/>
-          <dgm:constr type="l" for="ch" forName="txNode5" refType="w" fact="0.5"/>
-          <dgm:constr type="b" for="ch" forName="txNode5" refType="h"/>
-          <dgm:constr type="r" for="ch" forName="txNode5" refType="w"/>
-          <dgm:constr type="h" for="ch" forName="txNode5" refType="h" fact="0.16"/>
-          <dgm:constr type="ctrX" for="ch" forName="dotNode2" refType="w" fact="0.3565"/>
-          <dgm:constr type="ctrY" for="ch" forName="dotNode2" refType="h" fact="0.2885"/>
-          <dgm:constr type="h" for="ch" forName="dotNode2" refType="h" fact="0.0218"/>
-          <dgm:constr type="w" for="ch" forName="dotNode2" refType="h" refFor="ch" refForName="dotNode2"/>
-          <dgm:constr type="ctrX" for="ch" forName="dotNode3" refType="w" fact="0.4922"/>
-          <dgm:constr type="ctrY" for="ch" forName="dotNode3" refType="h" fact="0.4089"/>
-          <dgm:constr type="h" for="ch" forName="dotNode3" refType="h" fact="0.0218"/>
-          <dgm:constr type="w" for="ch" forName="dotNode3" refType="h" refFor="ch" refForName="dotNode3"/>
-          <dgm:constr type="ctrX" for="ch" forName="dotNode4" refType="w" fact="0.5939"/>
-          <dgm:constr type="ctrY" for="ch" forName="dotNode4" refType="h" fact="0.5497"/>
-          <dgm:constr type="h" for="ch" forName="dotNode4" refType="h" fact="0.0218"/>
-          <dgm:constr type="w" for="ch" forName="dotNode4" refType="h" refFor="ch" refForName="dotNode4"/>
-        </dgm:constrLst>
-      </dgm:if>
-      <dgm:if name="Name7" axis="ch" ptType="node" func="cnt" op="equ" val="6">
-        <dgm:constrLst>
-          <dgm:constr type="primFontSz" for="ch" ptType="node" op="equ" val="65"/>
-          <dgm:constr type="w" for="ch" forName="arrowNode" refType="w" fact="0.75"/>
-          <dgm:constr type="h" for="ch" forName="arrowNode" refType="h"/>
-          <dgm:constr type="l" for="ch" forName="arrowNode" refType="w" fact="0.07"/>
-          <dgm:constr type="t" for="ch" forName="arrowNode"/>
-          <dgm:constr type="l" for="ch" forName="txNode1" refType="w" fact="0"/>
-          <dgm:constr type="t" for="ch" forName="txNode1" refType="h" fact="0"/>
-          <dgm:constr type="r" for="ch" forName="txNode1" refType="w" fact="0.37"/>
-          <dgm:constr type="h" for="ch" forName="txNode1" refType="h" fact="0.16"/>
-          <dgm:constr type="l" for="ch" forName="txNode2" refType="w" fact="0.45"/>
-          <dgm:constr type="ctrY" for="ch" forName="txNode2" refType="h" fact="0.2693"/>
-          <dgm:constr type="r" for="ch" forName="txNode2" refType="w"/>
-          <dgm:constr type="h" for="ch" forName="txNode2" refType="h" fact="0.16"/>
-          <dgm:constr type="l" for="ch" forName="txNode3" refType="w" fact="0"/>
-          <dgm:constr type="ctrY" for="ch" forName="txNode3" refType="h" fact="0.3638"/>
-          <dgm:constr type="r" for="ch" forName="txNode3" refType="w" fact="0.37"/>
-          <dgm:constr type="h" for="ch" forName="txNode3" refType="h" fact="0.16"/>
-          <dgm:constr type="l" for="ch" forName="txNode4" refType="w" fact="0.63"/>
-          <dgm:constr type="ctrY" for="ch" forName="txNode4" refType="h" fact="0.4744"/>
-          <dgm:constr type="r" for="ch" forName="txNode4" refType="w"/>
-          <dgm:constr type="h" for="ch" forName="txNode4" refType="h" fact="0.16"/>
-          <dgm:constr type="l" for="ch" forName="txNode5" refType="w" fact="0"/>
-          <dgm:constr type="ctrY" for="ch" forName="txNode5" refType="h" fact="0.5961"/>
-          <dgm:constr type="r" for="ch" forName="txNode5" refType="w" fact="0.55"/>
-          <dgm:constr type="h" for="ch" forName="txNode5" refType="h" fact="0.16"/>
-          <dgm:constr type="l" for="ch" forName="txNode6" refType="w" fact="0.5"/>
-          <dgm:constr type="b" for="ch" forName="txNode6" refType="h"/>
-          <dgm:constr type="r" for="ch" forName="txNode6" refType="w"/>
-          <dgm:constr type="h" for="ch" forName="txNode6" refType="h" fact="0.16"/>
-          <dgm:constr type="ctrX" for="ch" forName="dotNode2" refType="w" fact="0.33"/>
-          <dgm:constr type="ctrY" for="ch" forName="dotNode2" refType="h" fact="0.2693"/>
-          <dgm:constr type="h" for="ch" forName="dotNode2" refType="h" fact="0.0218"/>
-          <dgm:constr type="w" for="ch" forName="dotNode2" refType="h" refFor="ch" refForName="dotNode2"/>
-          <dgm:constr type="ctrX" for="ch" forName="dotNode3" refType="w" fact="0.4419"/>
-          <dgm:constr type="ctrY" for="ch" forName="dotNode3" refType="h" fact="0.3638"/>
-          <dgm:constr type="h" for="ch" forName="dotNode3" refType="h" fact="0.0218"/>
-          <dgm:constr type="w" for="ch" forName="dotNode3" refType="h" refFor="ch" refForName="dotNode3"/>
-          <dgm:constr type="ctrX" for="ch" forName="dotNode4" refType="w" fact="0.5425"/>
-          <dgm:constr type="ctrY" for="ch" forName="dotNode4" refType="h" fact="0.4744"/>
-          <dgm:constr type="h" for="ch" forName="dotNode4" refType="h" fact="0.0218"/>
-          <dgm:constr type="w" for="ch" forName="dotNode4" refType="h" refFor="ch" refForName="dotNode4"/>
-          <dgm:constr type="ctrX" for="ch" forName="dotNode5" refType="w" fact="0.6153"/>
-          <dgm:constr type="ctrY" for="ch" forName="dotNode5" refType="h" fact="0.5961"/>
-          <dgm:constr type="h" for="ch" forName="dotNode5" refType="h" fact="0.0218"/>
-          <dgm:constr type="w" for="ch" forName="dotNode5" refType="h" refFor="ch" refForName="dotNode5"/>
-        </dgm:constrLst>
-      </dgm:if>
-      <dgm:else name="Name8">
-        <dgm:constrLst>
-          <dgm:constr type="primFontSz" for="ch" ptType="node" op="equ" val="65"/>
-          <dgm:constr type="w" for="ch" forName="arrowNode" refType="w" fact="0.75"/>
-          <dgm:constr type="h" for="ch" forName="arrowNode" refType="h"/>
-          <dgm:constr type="l" for="ch" forName="arrowNode" refType="w" fact="0.07"/>
-          <dgm:constr type="t" for="ch" forName="arrowNode"/>
-          <dgm:constr type="l" for="ch" forName="txNode1" refType="w" fact="0"/>
-          <dgm:constr type="t" for="ch" forName="txNode1" refType="h" fact="0"/>
-          <dgm:constr type="r" for="ch" forName="txNode1" refType="w" fact="0.37"/>
-          <dgm:constr type="h" for="ch" forName="txNode1" refType="h" fact="0.16"/>
-          <dgm:constr type="l" for="ch" forName="txNode2" refType="w" fact="0.44"/>
-          <dgm:constr type="ctrY" for="ch" forName="txNode2" refType="h" fact="0.2693"/>
-          <dgm:constr type="r" for="ch" forName="txNode2" refType="w"/>
-          <dgm:constr type="h" for="ch" forName="txNode2" refType="h" fact="0.16"/>
-          <dgm:constr type="l" for="ch" forName="txNode3" refType="w" fact="0"/>
-          <dgm:constr type="ctrY" for="ch" forName="txNode3" refType="h" fact="0.3424"/>
-          <dgm:constr type="r" for="ch" forName="txNode3" refType="w" fact="0.33"/>
-          <dgm:constr type="h" for="ch" forName="txNode3" refType="h" fact="0.16"/>
-          <dgm:constr type="l" for="ch" forName="txNode4" refType="w" fact="0.61"/>
-          <dgm:constr type="ctrY" for="ch" forName="txNode4" refType="h" fact="0.4276"/>
-          <dgm:constr type="r" for="ch" forName="txNode4" refType="w"/>
-          <dgm:constr type="h" for="ch" forName="txNode4" refType="h" fact="0.16"/>
-          <dgm:constr type="l" for="ch" forName="txNode5" refType="w" fact="0"/>
-          <dgm:constr type="ctrY" for="ch" forName="txNode5" refType="h" fact="0.5218"/>
-          <dgm:constr type="r" for="ch" forName="txNode5" refType="w" fact="0.5"/>
-          <dgm:constr type="h" for="ch" forName="txNode5" refType="h" fact="0.16"/>
-          <dgm:constr type="l" for="ch" forName="txNode6" refType="w" fact="0.71"/>
-          <dgm:constr type="ctrY" for="ch" forName="txNode6" refType="h" fact="0.6179"/>
-          <dgm:constr type="r" for="ch" forName="txNode6" refType="w"/>
-          <dgm:constr type="h" for="ch" forName="txNode6" refType="h" fact="0.16"/>
-          <dgm:constr type="l" for="ch" forName="txNode7" refType="w" fact="0.5"/>
-          <dgm:constr type="b" for="ch" forName="txNode7" refType="h"/>
-          <dgm:constr type="r" for="ch" forName="txNode7" refType="w"/>
-          <dgm:constr type="h" for="ch" forName="txNode7" refType="h" fact="0.16"/>
-          <dgm:constr type="ctrX" for="ch" forName="dotNode2" refType="w" fact="0.33"/>
-          <dgm:constr type="ctrY" for="ch" forName="dotNode2" refType="h" fact="0.2693"/>
-          <dgm:constr type="h" for="ch" forName="dotNode2" refType="h" fact="0.0218"/>
-          <dgm:constr type="w" for="ch" forName="dotNode2" refType="h" refFor="ch" refForName="dotNode2"/>
-          <dgm:constr type="ctrX" for="ch" forName="dotNode3" refType="w" fact="0.425"/>
-          <dgm:constr type="ctrY" for="ch" forName="dotNode3" refType="h" fact="0.3424"/>
-          <dgm:constr type="h" for="ch" forName="dotNode3" refType="h" fact="0.0218"/>
-          <dgm:constr type="w" for="ch" forName="dotNode3" refType="h" refFor="ch" refForName="dotNode3"/>
-          <dgm:constr type="ctrX" for="ch" forName="dotNode4" refType="w" fact="0.505"/>
-          <dgm:constr type="ctrY" for="ch" forName="dotNode4" refType="h" fact="0.4276"/>
-          <dgm:constr type="h" for="ch" forName="dotNode4" refType="h" fact="0.0218"/>
-          <dgm:constr type="w" for="ch" forName="dotNode4" refType="h" refFor="ch" refForName="dotNode4"/>
-          <dgm:constr type="ctrX" for="ch" forName="dotNode5" refType="w" fact="0.5742"/>
-          <dgm:constr type="ctrY" for="ch" forName="dotNode5" refType="h" fact="0.5218"/>
-          <dgm:constr type="h" for="ch" forName="dotNode5" refType="h" fact="0.0218"/>
-          <dgm:constr type="w" for="ch" forName="dotNode5" refType="h" refFor="ch" refForName="dotNode5"/>
-          <dgm:constr type="ctrX" for="ch" forName="dotNode6" refType="w" fact="0.63"/>
-          <dgm:constr type="ctrY" for="ch" forName="dotNode6" refType="h" fact="0.6179"/>
-          <dgm:constr type="h" for="ch" forName="dotNode6" refType="h" fact="0.0218"/>
-          <dgm:constr type="w" for="ch" forName="dotNode6" refType="h" refFor="ch" refForName="dotNode6"/>
-        </dgm:constrLst>
-      </dgm:else>
-    </dgm:choose>
-    <dgm:forEach name="Name9" axis="self" ptType="parTrans">
-      <dgm:forEach name="Name10" axis="self" ptType="sibTrans" st="2">
-        <dgm:forEach name="dotRepeat" axis="self">
-          <dgm:layoutNode name="dotRepeatNode" styleLbl="fgShp">
-            <dgm:alg type="sp"/>
-            <dgm:shape xmlns:r="http://schemas.openxmlformats.org/officeDocument/2006/relationships" type="ellipse" r:blip="">
-              <dgm:adjLst/>
-            </dgm:shape>
-            <dgm:presOf axis="self"/>
-          </dgm:layoutNode>
-        </dgm:forEach>
-      </dgm:forEach>
-    </dgm:forEach>
-    <dgm:choose name="Name11">
-      <dgm:if name="Name12" axis="ch" ptType="node" func="cnt" op="gte" val="1">
-        <dgm:layoutNode name="arrowNode" styleLbl="node1">
-          <dgm:alg type="sp"/>
-          <dgm:shape xmlns:r="http://schemas.openxmlformats.org/officeDocument/2006/relationships" type="swooshArrow" r:blip="" rot="73.2729">
-            <dgm:adjLst>
-              <dgm:adj idx="1" val="0.1631"/>
-              <dgm:adj idx="2" val="0.3137"/>
-            </dgm:adjLst>
-          </dgm:shape>
-          <dgm:presOf/>
-        </dgm:layoutNode>
-      </dgm:if>
-      <dgm:else name="Name13"/>
-    </dgm:choose>
-    <dgm:forEach name="Name14" axis="ch" ptType="node" cnt="1">
-      <dgm:layoutNode name="txNode1" styleLbl="revTx">
-        <dgm:varLst>
-          <dgm:bulletEnabled val="1"/>
-        </dgm:varLst>
-        <dgm:alg type="tx">
-          <dgm:param type="txAnchorVert" val="b"/>
-        </dgm:alg>
-        <dgm:shape xmlns:r="http://schemas.openxmlformats.org/officeDocument/2006/relationships" type="rect" r:blip="" zOrderOff="10">
-          <dgm:adjLst/>
-        </dgm:shape>
-        <dgm:presOf axis="desOrSelf" ptType="node"/>
-        <dgm:constrLst>
-          <dgm:constr type="lMarg" refType="primFontSz" fact="0.1"/>
-          <dgm:constr type="rMarg" refType="primFontSz" fact="0.1"/>
-          <dgm:constr type="tMarg" refType="primFontSz" fact="0.1"/>
-          <dgm:constr type="bMarg" refType="primFontSz" fact="0.1"/>
-        </dgm:constrLst>
-        <dgm:ruleLst>
-          <dgm:rule type="primFontSz" val="5" fact="NaN" max="NaN"/>
-        </dgm:ruleLst>
-      </dgm:layoutNode>
-    </dgm:forEach>
-    <dgm:forEach name="Name15" axis="ch" ptType="node" st="2" cnt="1">
-      <dgm:layoutNode name="txNode2" styleLbl="revTx">
-        <dgm:varLst>
-          <dgm:bulletEnabled val="1"/>
-        </dgm:varLst>
-        <dgm:choose name="Name16">
-          <dgm:if name="Name17" axis="self" ptType="node" func="revPos" op="equ" val="1">
-            <dgm:alg type="tx">
-              <dgm:param type="txAnchorVert" val="t"/>
-            </dgm:alg>
-          </dgm:if>
-          <dgm:if name="Name18" axis="self" ptType="node" func="posOdd" op="equ" val="1">
-            <dgm:alg type="tx">
-              <dgm:param type="parTxLTRAlign" val="r"/>
-              <dgm:param type="parTxRTLAlign" val="r"/>
-            </dgm:alg>
-          </dgm:if>
-          <dgm:else name="Name19">
-            <dgm:alg type="tx">
-              <dgm:param type="parTxLTRAlign" val="l"/>
-              <dgm:param type="parTxRTLAlign" val="l"/>
-            </dgm:alg>
-          </dgm:else>
-        </dgm:choose>
-        <dgm:shape xmlns:r="http://schemas.openxmlformats.org/officeDocument/2006/relationships" type="rect" r:blip="" zOrderOff="10">
-          <dgm:adjLst/>
-        </dgm:shape>
-        <dgm:presOf axis="desOrSelf" ptType="node"/>
-        <dgm:constrLst>
-          <dgm:constr type="lMarg" refType="primFontSz" fact="0.1"/>
-          <dgm:constr type="rMarg" refType="primFontSz" fact="0.1"/>
-          <dgm:constr type="tMarg" refType="primFontSz" fact="0.1"/>
-          <dgm:constr type="bMarg" refType="primFontSz" fact="0.1"/>
-        </dgm:constrLst>
-        <dgm:ruleLst>
-          <dgm:rule type="primFontSz" val="5" fact="NaN" max="NaN"/>
-        </dgm:ruleLst>
-      </dgm:layoutNode>
-      <dgm:choose name="Name20">
-        <dgm:if name="Name21" axis="par ch" ptType="all node" func="cnt" op="neq" val="2">
-          <dgm:forEach name="Name22" axis="follow" ptType="sibTrans" cnt="1">
-            <dgm:layoutNode name="dotNode2">
-              <dgm:alg type="sp"/>
-              <dgm:shape xmlns:r="http://schemas.openxmlformats.org/officeDocument/2006/relationships" r:blip="">
-                <dgm:adjLst/>
-              </dgm:shape>
-              <dgm:presOf/>
-              <dgm:forEach name="Name23" ref="dotRepeat"/>
-            </dgm:layoutNode>
-          </dgm:forEach>
-        </dgm:if>
-        <dgm:else name="Name24"/>
-      </dgm:choose>
-    </dgm:forEach>
-    <dgm:forEach name="Name25" axis="ch" ptType="node" st="3" cnt="1">
-      <dgm:layoutNode name="txNode3" styleLbl="revTx">
-        <dgm:varLst>
-          <dgm:bulletEnabled val="1"/>
-        </dgm:varLst>
-        <dgm:choose name="Name26">
-          <dgm:if name="Name27" axis="self" ptType="node" func="revPos" op="equ" val="1">
-            <dgm:alg type="tx">
-              <dgm:param type="txAnchorVert" val="t"/>
-            </dgm:alg>
-          </dgm:if>
-          <dgm:if name="Name28" axis="self" ptType="node" func="posOdd" op="equ" val="1">
-            <dgm:alg type="tx">
-              <dgm:param type="parTxLTRAlign" val="r"/>
-              <dgm:param type="parTxRTLAlign" val="r"/>
-            </dgm:alg>
-          </dgm:if>
-          <dgm:else name="Name29">
-            <dgm:alg type="tx">
-              <dgm:param type="parTxLTRAlign" val="l"/>
-              <dgm:param type="parTxRTLAlign" val="l"/>
-            </dgm:alg>
-          </dgm:else>
-        </dgm:choose>
-        <dgm:shape xmlns:r="http://schemas.openxmlformats.org/officeDocument/2006/relationships" type="rect" r:blip="" zOrderOff="10">
-          <dgm:adjLst/>
-        </dgm:shape>
-        <dgm:presOf axis="desOrSelf" ptType="node"/>
-        <dgm:constrLst>
-          <dgm:constr type="lMarg" refType="primFontSz" fact="0.1"/>
-          <dgm:constr type="rMarg" refType="primFontSz" fact="0.1"/>
-          <dgm:constr type="tMarg" refType="primFontSz" fact="0.1"/>
-          <dgm:constr type="bMarg" refType="primFontSz" fact="0.1"/>
-        </dgm:constrLst>
-        <dgm:ruleLst>
-          <dgm:rule type="primFontSz" val="5" fact="NaN" max="NaN"/>
-        </dgm:ruleLst>
-      </dgm:layoutNode>
-      <dgm:choose name="Name30">
-        <dgm:if name="Name31" axis="par ch" ptType="all node" func="cnt" op="neq" val="3">
-          <dgm:forEach name="Name32" axis="follow" ptType="sibTrans" cnt="1">
-            <dgm:layoutNode name="dotNode3">
-              <dgm:alg type="sp"/>
-              <dgm:shape xmlns:r="http://schemas.openxmlformats.org/officeDocument/2006/relationships" r:blip="">
-                <dgm:adjLst/>
-              </dgm:shape>
-              <dgm:presOf/>
-              <dgm:forEach name="Name33" ref="dotRepeat"/>
-            </dgm:layoutNode>
-          </dgm:forEach>
-        </dgm:if>
-        <dgm:else name="Name34"/>
-      </dgm:choose>
-    </dgm:forEach>
-    <dgm:forEach name="Name35" axis="ch" ptType="node" st="4" cnt="1">
-      <dgm:layoutNode name="txNode4" styleLbl="revTx">
-        <dgm:varLst>
-          <dgm:bulletEnabled val="1"/>
-        </dgm:varLst>
-        <dgm:choose name="Name36">
-          <dgm:if name="Name37" axis="self" ptType="node" func="revPos" op="equ" val="1">
-            <dgm:alg type="tx">
-              <dgm:param type="txAnchorVert" val="t"/>
-            </dgm:alg>
-          </dgm:if>
-          <dgm:if name="Name38" axis="self" ptType="node" func="posOdd" op="equ" val="1">
-            <dgm:alg type="tx">
-              <dgm:param type="parTxLTRAlign" val="r"/>
-              <dgm:param type="parTxRTLAlign" val="r"/>
-            </dgm:alg>
-          </dgm:if>
-          <dgm:else name="Name39">
-            <dgm:alg type="tx">
-              <dgm:param type="parTxLTRAlign" val="l"/>
-              <dgm:param type="parTxRTLAlign" val="l"/>
-            </dgm:alg>
-          </dgm:else>
-        </dgm:choose>
-        <dgm:shape xmlns:r="http://schemas.openxmlformats.org/officeDocument/2006/relationships" type="rect" r:blip="" zOrderOff="10">
-          <dgm:adjLst/>
-        </dgm:shape>
-        <dgm:presOf axis="desOrSelf" ptType="node"/>
-        <dgm:constrLst>
-          <dgm:constr type="lMarg" refType="primFontSz" fact="0.1"/>
-          <dgm:constr type="rMarg" refType="primFontSz" fact="0.1"/>
-          <dgm:constr type="tMarg" refType="primFontSz" fact="0.1"/>
-          <dgm:constr type="bMarg" refType="primFontSz" fact="0.1"/>
-        </dgm:constrLst>
-        <dgm:ruleLst>
-          <dgm:rule type="primFontSz" val="5" fact="NaN" max="NaN"/>
-        </dgm:ruleLst>
-      </dgm:layoutNode>
-      <dgm:choose name="Name40">
-        <dgm:if name="Name41" axis="par ch" ptType="all node" func="cnt" op="neq" val="4">
-          <dgm:forEach name="Name42" axis="follow" ptType="sibTrans" cnt="1">
-            <dgm:layoutNode name="dotNode4">
-              <dgm:alg type="sp"/>
-              <dgm:shape xmlns:r="http://schemas.openxmlformats.org/officeDocument/2006/relationships" r:blip="">
-                <dgm:adjLst/>
-              </dgm:shape>
-              <dgm:presOf/>
-              <dgm:forEach name="Name43" ref="dotRepeat"/>
-            </dgm:layoutNode>
-          </dgm:forEach>
-        </dgm:if>
-        <dgm:else name="Name44"/>
-      </dgm:choose>
-    </dgm:forEach>
-    <dgm:forEach name="Name45" axis="ch" ptType="node" st="5" cnt="1">
-      <dgm:layoutNode name="txNode5" styleLbl="revTx">
-        <dgm:varLst>
-          <dgm:bulletEnabled val="1"/>
-        </dgm:varLst>
-        <dgm:choose name="Name46">
-          <dgm:if name="Name47" axis="self" ptType="node" func="revPos" op="equ" val="1">
-            <dgm:alg type="tx">
-              <dgm:param type="txAnchorVert" val="t"/>
-            </dgm:alg>
-          </dgm:if>
-          <dgm:if name="Name48" axis="self" ptType="node" func="posOdd" op="equ" val="1">
-            <dgm:alg type="tx">
-              <dgm:param type="parTxLTRAlign" val="r"/>
-              <dgm:param type="parTxRTLAlign" val="r"/>
-            </dgm:alg>
-          </dgm:if>
-          <dgm:else name="Name49">
-            <dgm:alg type="tx">
-              <dgm:param type="parTxLTRAlign" val="l"/>
-              <dgm:param type="parTxRTLAlign" val="l"/>
-            </dgm:alg>
-          </dgm:else>
-        </dgm:choose>
-        <dgm:shape xmlns:r="http://schemas.openxmlformats.org/officeDocument/2006/relationships" type="rect" r:blip="" zOrderOff="10">
-          <dgm:adjLst/>
-        </dgm:shape>
-        <dgm:presOf axis="desOrSelf" ptType="node"/>
-        <dgm:constrLst>
-          <dgm:constr type="lMarg" refType="primFontSz" fact="0.1"/>
-          <dgm:constr type="rMarg" refType="primFontSz" fact="0.1"/>
-          <dgm:constr type="tMarg" refType="primFontSz" fact="0.1"/>
-          <dgm:constr type="bMarg" refType="primFontSz" fact="0.1"/>
-        </dgm:constrLst>
-        <dgm:ruleLst>
-          <dgm:rule type="primFontSz" val="5" fact="NaN" max="NaN"/>
-        </dgm:ruleLst>
-      </dgm:layoutNode>
-      <dgm:choose name="Name50">
-        <dgm:if name="Name51" axis="par ch" ptType="all node" func="cnt" op="neq" val="5">
-          <dgm:forEach name="Name52" axis="follow" ptType="sibTrans" cnt="1">
-            <dgm:layoutNode name="dotNode5">
-              <dgm:alg type="sp"/>
-              <dgm:shape xmlns:r="http://schemas.openxmlformats.org/officeDocument/2006/relationships" r:blip="">
-                <dgm:adjLst/>
-              </dgm:shape>
-              <dgm:presOf/>
-              <dgm:forEach name="Name53" ref="dotRepeat"/>
-            </dgm:layoutNode>
-          </dgm:forEach>
-        </dgm:if>
-        <dgm:else name="Name54"/>
-      </dgm:choose>
-    </dgm:forEach>
-    <dgm:forEach name="Name55" axis="ch" ptType="node" st="6" cnt="1">
-      <dgm:layoutNode name="txNode6" styleLbl="revTx">
-        <dgm:varLst>
-          <dgm:bulletEnabled val="1"/>
-        </dgm:varLst>
-        <dgm:choose name="Name56">
-          <dgm:if name="Name57" axis="self" ptType="node" func="revPos" op="equ" val="1">
-            <dgm:alg type="tx">
-              <dgm:param type="txAnchorVert" val="t"/>
-            </dgm:alg>
-          </dgm:if>
-          <dgm:if name="Name58" axis="self" ptType="node" func="posOdd" op="equ" val="1">
-            <dgm:alg type="tx">
-              <dgm:param type="parTxLTRAlign" val="r"/>
-              <dgm:param type="parTxRTLAlign" val="r"/>
-            </dgm:alg>
-          </dgm:if>
-          <dgm:else name="Name59">
-            <dgm:alg type="tx">
-              <dgm:param type="parTxLTRAlign" val="l"/>
-              <dgm:param type="parTxRTLAlign" val="l"/>
-            </dgm:alg>
-          </dgm:else>
-        </dgm:choose>
-        <dgm:shape xmlns:r="http://schemas.openxmlformats.org/officeDocument/2006/relationships" type="rect" r:blip="" zOrderOff="10">
-          <dgm:adjLst/>
-        </dgm:shape>
-        <dgm:presOf axis="desOrSelf" ptType="node"/>
-        <dgm:constrLst>
-          <dgm:constr type="lMarg" refType="primFontSz" fact="0.1"/>
-          <dgm:constr type="rMarg" refType="primFontSz" fact="0.1"/>
-          <dgm:constr type="tMarg" refType="primFontSz" fact="0.1"/>
-          <dgm:constr type="bMarg" refType="primFontSz" fact="0.1"/>
-        </dgm:constrLst>
-        <dgm:ruleLst>
-          <dgm:rule type="primFontSz" val="5" fact="NaN" max="NaN"/>
-        </dgm:ruleLst>
-      </dgm:layoutNode>
-      <dgm:choose name="Name60">
-        <dgm:if name="Name61" axis="par ch" ptType="all node" func="cnt" op="neq" val="6">
-          <dgm:forEach name="Name62" axis="follow" ptType="sibTrans" cnt="1">
-            <dgm:layoutNode name="dotNode6">
-              <dgm:alg type="sp"/>
-              <dgm:shape xmlns:r="http://schemas.openxmlformats.org/officeDocument/2006/relationships" r:blip="">
-                <dgm:adjLst/>
-              </dgm:shape>
-              <dgm:presOf/>
-              <dgm:forEach name="Name63" ref="dotRepeat"/>
-            </dgm:layoutNode>
-          </dgm:forEach>
-        </dgm:if>
-        <dgm:else name="Name64"/>
-      </dgm:choose>
-    </dgm:forEach>
-    <dgm:forEach name="Name65" axis="ch" ptType="node" st="7" cnt="1">
-      <dgm:layoutNode name="txNode7" styleLbl="revTx">
-        <dgm:varLst>
-          <dgm:bulletEnabled val="1"/>
-        </dgm:varLst>
-        <dgm:alg type="tx">
-          <dgm:param type="txAnchorVert" val="t"/>
-        </dgm:alg>
-        <dgm:shape xmlns:r="http://schemas.openxmlformats.org/officeDocument/2006/relationships" type="rect" r:blip="" zOrderOff="10">
-          <dgm:adjLst/>
-        </dgm:shape>
-        <dgm:presOf axis="desOrSelf" ptType="node"/>
-        <dgm:constrLst>
-          <dgm:constr type="lMarg" refType="primFontSz" fact="0.1"/>
-          <dgm:constr type="rMarg" refType="primFontSz" fact="0.1"/>
-          <dgm:constr type="tMarg" refType="primFontSz" fact="0.1"/>
-          <dgm:constr type="bMarg" refType="primFontSz" fact="0.1"/>
-        </dgm:constrLst>
-        <dgm:ruleLst>
-          <dgm:rule type="primFontSz" val="5" fact="NaN" max="NaN"/>
-        </dgm:ruleLst>
-      </dgm:layoutNode>
-    </dgm:forEach>
-  </dgm:layoutNode>
-</dgm:layoutDef>
-</file>
-
 <file path=ppt/diagrams/quickStyle1.xml><?xml version="1.0" encoding="utf-8"?>
 <dgm:styleDef xmlns:dgm="http://schemas.openxmlformats.org/drawingml/2006/diagram" xmlns:a="http://schemas.openxmlformats.org/drawingml/2006/main" uniqueId="urn:microsoft.com/office/officeart/2005/8/quickstyle/simple1">
   <dgm:title val=""/>
@@ -9948,991 +6931,6 @@
 </file>
 
 <file path=ppt/diagrams/quickStyle2.xml><?xml version="1.0" encoding="utf-8"?>
-<dgm:styleDef xmlns:dgm="http://schemas.openxmlformats.org/drawingml/2006/diagram" xmlns:a="http://schemas.openxmlformats.org/drawingml/2006/main" uniqueId="urn:microsoft.com/office/officeart/2005/8/quickstyle/simple1">
-  <dgm:title val=""/>
-  <dgm:desc val=""/>
-  <dgm:catLst>
-    <dgm:cat type="simple" pri="10100"/>
-  </dgm:catLst>
-  <dgm:scene3d>
-    <a:camera prst="orthographicFront"/>
-    <a:lightRig rig="threePt" dir="t"/>
-  </dgm:scene3d>
-  <dgm:styleLbl name="alignAcc1">
-    <dgm:scene3d>
-      <a:camera prst="orthographicFront"/>
-      <a:lightRig rig="threePt" dir="t"/>
-    </dgm:scene3d>
-    <dgm:txPr/>
-    <dgm:style>
-      <a:lnRef idx="2">
-        <a:scrgbClr r="0" g="0" b="0"/>
-      </a:lnRef>
-      <a:fillRef idx="1">
-        <a:scrgbClr r="0" g="0" b="0"/>
-      </a:fillRef>
-      <a:effectRef idx="0">
-        <a:scrgbClr r="0" g="0" b="0"/>
-      </a:effectRef>
-      <a:fontRef idx="minor"/>
-    </dgm:style>
-  </dgm:styleLbl>
-  <dgm:styleLbl name="alignAccFollowNode1">
-    <dgm:scene3d>
-      <a:camera prst="orthographicFront"/>
-      <a:lightRig rig="threePt" dir="t"/>
-    </dgm:scene3d>
-    <dgm:txPr/>
-    <dgm:style>
-      <a:lnRef idx="2">
-        <a:scrgbClr r="0" g="0" b="0"/>
-      </a:lnRef>
-      <a:fillRef idx="1">
-        <a:scrgbClr r="0" g="0" b="0"/>
-      </a:fillRef>
-      <a:effectRef idx="0">
-        <a:scrgbClr r="0" g="0" b="0"/>
-      </a:effectRef>
-      <a:fontRef idx="minor"/>
-    </dgm:style>
-  </dgm:styleLbl>
-  <dgm:styleLbl name="alignImgPlace1">
-    <dgm:scene3d>
-      <a:camera prst="orthographicFront"/>
-      <a:lightRig rig="threePt" dir="t"/>
-    </dgm:scene3d>
-    <dgm:txPr/>
-    <dgm:style>
-      <a:lnRef idx="2">
-        <a:scrgbClr r="0" g="0" b="0"/>
-      </a:lnRef>
-      <a:fillRef idx="1">
-        <a:scrgbClr r="0" g="0" b="0"/>
-      </a:fillRef>
-      <a:effectRef idx="0">
-        <a:scrgbClr r="0" g="0" b="0"/>
-      </a:effectRef>
-      <a:fontRef idx="minor"/>
-    </dgm:style>
-  </dgm:styleLbl>
-  <dgm:styleLbl name="alignNode1">
-    <dgm:scene3d>
-      <a:camera prst="orthographicFront"/>
-      <a:lightRig rig="threePt" dir="t"/>
-    </dgm:scene3d>
-    <dgm:txPr/>
-    <dgm:style>
-      <a:lnRef idx="2">
-        <a:scrgbClr r="0" g="0" b="0"/>
-      </a:lnRef>
-      <a:fillRef idx="1">
-        <a:scrgbClr r="0" g="0" b="0"/>
-      </a:fillRef>
-      <a:effectRef idx="0">
-        <a:scrgbClr r="0" g="0" b="0"/>
-      </a:effectRef>
-      <a:fontRef idx="minor">
-        <a:schemeClr val="lt1"/>
-      </a:fontRef>
-    </dgm:style>
-  </dgm:styleLbl>
-  <dgm:styleLbl name="asst0">
-    <dgm:scene3d>
-      <a:camera prst="orthographicFront"/>
-      <a:lightRig rig="threePt" dir="t"/>
-    </dgm:scene3d>
-    <dgm:txPr/>
-    <dgm:style>
-      <a:lnRef idx="2">
-        <a:scrgbClr r="0" g="0" b="0"/>
-      </a:lnRef>
-      <a:fillRef idx="1">
-        <a:scrgbClr r="0" g="0" b="0"/>
-      </a:fillRef>
-      <a:effectRef idx="0">
-        <a:scrgbClr r="0" g="0" b="0"/>
-      </a:effectRef>
-      <a:fontRef idx="minor">
-        <a:schemeClr val="lt1"/>
-      </a:fontRef>
-    </dgm:style>
-  </dgm:styleLbl>
-  <dgm:styleLbl name="asst1">
-    <dgm:scene3d>
-      <a:camera prst="orthographicFront"/>
-      <a:lightRig rig="threePt" dir="t"/>
-    </dgm:scene3d>
-    <dgm:txPr/>
-    <dgm:style>
-      <a:lnRef idx="2">
-        <a:scrgbClr r="0" g="0" b="0"/>
-      </a:lnRef>
-      <a:fillRef idx="1">
-        <a:scrgbClr r="0" g="0" b="0"/>
-      </a:fillRef>
-      <a:effectRef idx="0">
-        <a:scrgbClr r="0" g="0" b="0"/>
-      </a:effectRef>
-      <a:fontRef idx="minor">
-        <a:schemeClr val="lt1"/>
-      </a:fontRef>
-    </dgm:style>
-  </dgm:styleLbl>
-  <dgm:styleLbl name="asst2">
-    <dgm:scene3d>
-      <a:camera prst="orthographicFront"/>
-      <a:lightRig rig="threePt" dir="t"/>
-    </dgm:scene3d>
-    <dgm:txPr/>
-    <dgm:style>
-      <a:lnRef idx="2">
-        <a:scrgbClr r="0" g="0" b="0"/>
-      </a:lnRef>
-      <a:fillRef idx="1">
-        <a:scrgbClr r="0" g="0" b="0"/>
-      </a:fillRef>
-      <a:effectRef idx="0">
-        <a:scrgbClr r="0" g="0" b="0"/>
-      </a:effectRef>
-      <a:fontRef idx="minor">
-        <a:schemeClr val="lt1"/>
-      </a:fontRef>
-    </dgm:style>
-  </dgm:styleLbl>
-  <dgm:styleLbl name="asst3">
-    <dgm:scene3d>
-      <a:camera prst="orthographicFront"/>
-      <a:lightRig rig="threePt" dir="t"/>
-    </dgm:scene3d>
-    <dgm:txPr/>
-    <dgm:style>
-      <a:lnRef idx="2">
-        <a:scrgbClr r="0" g="0" b="0"/>
-      </a:lnRef>
-      <a:fillRef idx="1">
-        <a:scrgbClr r="0" g="0" b="0"/>
-      </a:fillRef>
-      <a:effectRef idx="0">
-        <a:scrgbClr r="0" g="0" b="0"/>
-      </a:effectRef>
-      <a:fontRef idx="minor">
-        <a:schemeClr val="lt1"/>
-      </a:fontRef>
-    </dgm:style>
-  </dgm:styleLbl>
-  <dgm:styleLbl name="asst4">
-    <dgm:scene3d>
-      <a:camera prst="orthographicFront"/>
-      <a:lightRig rig="threePt" dir="t"/>
-    </dgm:scene3d>
-    <dgm:txPr/>
-    <dgm:style>
-      <a:lnRef idx="2">
-        <a:scrgbClr r="0" g="0" b="0"/>
-      </a:lnRef>
-      <a:fillRef idx="1">
-        <a:scrgbClr r="0" g="0" b="0"/>
-      </a:fillRef>
-      <a:effectRef idx="0">
-        <a:scrgbClr r="0" g="0" b="0"/>
-      </a:effectRef>
-      <a:fontRef idx="minor">
-        <a:schemeClr val="lt1"/>
-      </a:fontRef>
-    </dgm:style>
-  </dgm:styleLbl>
-  <dgm:styleLbl name="bgAcc1">
-    <dgm:scene3d>
-      <a:camera prst="orthographicFront"/>
-      <a:lightRig rig="threePt" dir="t"/>
-    </dgm:scene3d>
-    <dgm:txPr/>
-    <dgm:style>
-      <a:lnRef idx="2">
-        <a:scrgbClr r="0" g="0" b="0"/>
-      </a:lnRef>
-      <a:fillRef idx="1">
-        <a:scrgbClr r="0" g="0" b="0"/>
-      </a:fillRef>
-      <a:effectRef idx="0">
-        <a:scrgbClr r="0" g="0" b="0"/>
-      </a:effectRef>
-      <a:fontRef idx="minor"/>
-    </dgm:style>
-  </dgm:styleLbl>
-  <dgm:styleLbl name="bgAccFollowNode1">
-    <dgm:scene3d>
-      <a:camera prst="orthographicFront"/>
-      <a:lightRig rig="threePt" dir="t"/>
-    </dgm:scene3d>
-    <dgm:txPr/>
-    <dgm:style>
-      <a:lnRef idx="2">
-        <a:scrgbClr r="0" g="0" b="0"/>
-      </a:lnRef>
-      <a:fillRef idx="1">
-        <a:scrgbClr r="0" g="0" b="0"/>
-      </a:fillRef>
-      <a:effectRef idx="0">
-        <a:scrgbClr r="0" g="0" b="0"/>
-      </a:effectRef>
-      <a:fontRef idx="minor"/>
-    </dgm:style>
-  </dgm:styleLbl>
-  <dgm:styleLbl name="bgImgPlace1">
-    <dgm:scene3d>
-      <a:camera prst="orthographicFront"/>
-      <a:lightRig rig="threePt" dir="t"/>
-    </dgm:scene3d>
-    <dgm:txPr/>
-    <dgm:style>
-      <a:lnRef idx="2">
-        <a:scrgbClr r="0" g="0" b="0"/>
-      </a:lnRef>
-      <a:fillRef idx="1">
-        <a:scrgbClr r="0" g="0" b="0"/>
-      </a:fillRef>
-      <a:effectRef idx="0">
-        <a:scrgbClr r="0" g="0" b="0"/>
-      </a:effectRef>
-      <a:fontRef idx="minor"/>
-    </dgm:style>
-  </dgm:styleLbl>
-  <dgm:styleLbl name="bgShp">
-    <dgm:scene3d>
-      <a:camera prst="orthographicFront"/>
-      <a:lightRig rig="threePt" dir="t"/>
-    </dgm:scene3d>
-    <dgm:txPr/>
-    <dgm:style>
-      <a:lnRef idx="0">
-        <a:scrgbClr r="0" g="0" b="0"/>
-      </a:lnRef>
-      <a:fillRef idx="1">
-        <a:scrgbClr r="0" g="0" b="0"/>
-      </a:fillRef>
-      <a:effectRef idx="0">
-        <a:scrgbClr r="0" g="0" b="0"/>
-      </a:effectRef>
-      <a:fontRef idx="minor"/>
-    </dgm:style>
-  </dgm:styleLbl>
-  <dgm:styleLbl name="bgSibTrans2D1">
-    <dgm:scene3d>
-      <a:camera prst="orthographicFront"/>
-      <a:lightRig rig="threePt" dir="t"/>
-    </dgm:scene3d>
-    <dgm:txPr/>
-    <dgm:style>
-      <a:lnRef idx="0">
-        <a:scrgbClr r="0" g="0" b="0"/>
-      </a:lnRef>
-      <a:fillRef idx="1">
-        <a:scrgbClr r="0" g="0" b="0"/>
-      </a:fillRef>
-      <a:effectRef idx="0">
-        <a:scrgbClr r="0" g="0" b="0"/>
-      </a:effectRef>
-      <a:fontRef idx="minor">
-        <a:schemeClr val="lt1"/>
-      </a:fontRef>
-    </dgm:style>
-  </dgm:styleLbl>
-  <dgm:styleLbl name="callout">
-    <dgm:scene3d>
-      <a:camera prst="orthographicFront"/>
-      <a:lightRig rig="threePt" dir="t"/>
-    </dgm:scene3d>
-    <dgm:txPr/>
-    <dgm:style>
-      <a:lnRef idx="2">
-        <a:scrgbClr r="0" g="0" b="0"/>
-      </a:lnRef>
-      <a:fillRef idx="1">
-        <a:scrgbClr r="0" g="0" b="0"/>
-      </a:fillRef>
-      <a:effectRef idx="0">
-        <a:scrgbClr r="0" g="0" b="0"/>
-      </a:effectRef>
-      <a:fontRef idx="minor"/>
-    </dgm:style>
-  </dgm:styleLbl>
-  <dgm:styleLbl name="conFgAcc1">
-    <dgm:scene3d>
-      <a:camera prst="orthographicFront"/>
-      <a:lightRig rig="threePt" dir="t"/>
-    </dgm:scene3d>
-    <dgm:txPr/>
-    <dgm:style>
-      <a:lnRef idx="2">
-        <a:scrgbClr r="0" g="0" b="0"/>
-      </a:lnRef>
-      <a:fillRef idx="1">
-        <a:scrgbClr r="0" g="0" b="0"/>
-      </a:fillRef>
-      <a:effectRef idx="0">
-        <a:scrgbClr r="0" g="0" b="0"/>
-      </a:effectRef>
-      <a:fontRef idx="minor"/>
-    </dgm:style>
-  </dgm:styleLbl>
-  <dgm:styleLbl name="dkBgShp">
-    <dgm:scene3d>
-      <a:camera prst="orthographicFront"/>
-      <a:lightRig rig="threePt" dir="t"/>
-    </dgm:scene3d>
-    <dgm:txPr/>
-    <dgm:style>
-      <a:lnRef idx="0">
-        <a:scrgbClr r="0" g="0" b="0"/>
-      </a:lnRef>
-      <a:fillRef idx="1">
-        <a:scrgbClr r="0" g="0" b="0"/>
-      </a:fillRef>
-      <a:effectRef idx="0">
-        <a:scrgbClr r="0" g="0" b="0"/>
-      </a:effectRef>
-      <a:fontRef idx="minor"/>
-    </dgm:style>
-  </dgm:styleLbl>
-  <dgm:styleLbl name="fgAcc0">
-    <dgm:scene3d>
-      <a:camera prst="orthographicFront"/>
-      <a:lightRig rig="threePt" dir="t"/>
-    </dgm:scene3d>
-    <dgm:txPr/>
-    <dgm:style>
-      <a:lnRef idx="2">
-        <a:scrgbClr r="0" g="0" b="0"/>
-      </a:lnRef>
-      <a:fillRef idx="1">
-        <a:scrgbClr r="0" g="0" b="0"/>
-      </a:fillRef>
-      <a:effectRef idx="0">
-        <a:scrgbClr r="0" g="0" b="0"/>
-      </a:effectRef>
-      <a:fontRef idx="minor"/>
-    </dgm:style>
-  </dgm:styleLbl>
-  <dgm:styleLbl name="fgAcc1">
-    <dgm:scene3d>
-      <a:camera prst="orthographicFront"/>
-      <a:lightRig rig="threePt" dir="t"/>
-    </dgm:scene3d>
-    <dgm:txPr/>
-    <dgm:style>
-      <a:lnRef idx="2">
-        <a:scrgbClr r="0" g="0" b="0"/>
-      </a:lnRef>
-      <a:fillRef idx="1">
-        <a:scrgbClr r="0" g="0" b="0"/>
-      </a:fillRef>
-      <a:effectRef idx="0">
-        <a:scrgbClr r="0" g="0" b="0"/>
-      </a:effectRef>
-      <a:fontRef idx="minor"/>
-    </dgm:style>
-  </dgm:styleLbl>
-  <dgm:styleLbl name="fgAcc2">
-    <dgm:scene3d>
-      <a:camera prst="orthographicFront"/>
-      <a:lightRig rig="threePt" dir="t"/>
-    </dgm:scene3d>
-    <dgm:txPr/>
-    <dgm:style>
-      <a:lnRef idx="2">
-        <a:scrgbClr r="0" g="0" b="0"/>
-      </a:lnRef>
-      <a:fillRef idx="1">
-        <a:scrgbClr r="0" g="0" b="0"/>
-      </a:fillRef>
-      <a:effectRef idx="0">
-        <a:scrgbClr r="0" g="0" b="0"/>
-      </a:effectRef>
-      <a:fontRef idx="minor"/>
-    </dgm:style>
-  </dgm:styleLbl>
-  <dgm:styleLbl name="fgAcc3">
-    <dgm:scene3d>
-      <a:camera prst="orthographicFront"/>
-      <a:lightRig rig="threePt" dir="t"/>
-    </dgm:scene3d>
-    <dgm:txPr/>
-    <dgm:style>
-      <a:lnRef idx="2">
-        <a:scrgbClr r="0" g="0" b="0"/>
-      </a:lnRef>
-      <a:fillRef idx="1">
-        <a:scrgbClr r="0" g="0" b="0"/>
-      </a:fillRef>
-      <a:effectRef idx="0">
-        <a:scrgbClr r="0" g="0" b="0"/>
-      </a:effectRef>
-      <a:fontRef idx="minor"/>
-    </dgm:style>
-  </dgm:styleLbl>
-  <dgm:styleLbl name="fgAcc4">
-    <dgm:scene3d>
-      <a:camera prst="orthographicFront"/>
-      <a:lightRig rig="threePt" dir="t"/>
-    </dgm:scene3d>
-    <dgm:txPr/>
-    <dgm:style>
-      <a:lnRef idx="2">
-        <a:scrgbClr r="0" g="0" b="0"/>
-      </a:lnRef>
-      <a:fillRef idx="1">
-        <a:scrgbClr r="0" g="0" b="0"/>
-      </a:fillRef>
-      <a:effectRef idx="0">
-        <a:scrgbClr r="0" g="0" b="0"/>
-      </a:effectRef>
-      <a:fontRef idx="minor"/>
-    </dgm:style>
-  </dgm:styleLbl>
-  <dgm:styleLbl name="fgAccFollowNode1">
-    <dgm:scene3d>
-      <a:camera prst="orthographicFront"/>
-      <a:lightRig rig="threePt" dir="t"/>
-    </dgm:scene3d>
-    <dgm:txPr/>
-    <dgm:style>
-      <a:lnRef idx="2">
-        <a:scrgbClr r="0" g="0" b="0"/>
-      </a:lnRef>
-      <a:fillRef idx="1">
-        <a:scrgbClr r="0" g="0" b="0"/>
-      </a:fillRef>
-      <a:effectRef idx="0">
-        <a:scrgbClr r="0" g="0" b="0"/>
-      </a:effectRef>
-      <a:fontRef idx="minor"/>
-    </dgm:style>
-  </dgm:styleLbl>
-  <dgm:styleLbl name="fgImgPlace1">
-    <dgm:scene3d>
-      <a:camera prst="orthographicFront"/>
-      <a:lightRig rig="threePt" dir="t"/>
-    </dgm:scene3d>
-    <dgm:txPr/>
-    <dgm:style>
-      <a:lnRef idx="2">
-        <a:scrgbClr r="0" g="0" b="0"/>
-      </a:lnRef>
-      <a:fillRef idx="1">
-        <a:scrgbClr r="0" g="0" b="0"/>
-      </a:fillRef>
-      <a:effectRef idx="0">
-        <a:scrgbClr r="0" g="0" b="0"/>
-      </a:effectRef>
-      <a:fontRef idx="minor"/>
-    </dgm:style>
-  </dgm:styleLbl>
-  <dgm:styleLbl name="fgShp">
-    <dgm:scene3d>
-      <a:camera prst="orthographicFront"/>
-      <a:lightRig rig="threePt" dir="t"/>
-    </dgm:scene3d>
-    <dgm:txPr/>
-    <dgm:style>
-      <a:lnRef idx="2">
-        <a:scrgbClr r="0" g="0" b="0"/>
-      </a:lnRef>
-      <a:fillRef idx="1">
-        <a:scrgbClr r="0" g="0" b="0"/>
-      </a:fillRef>
-      <a:effectRef idx="0">
-        <a:scrgbClr r="0" g="0" b="0"/>
-      </a:effectRef>
-      <a:fontRef idx="minor"/>
-    </dgm:style>
-  </dgm:styleLbl>
-  <dgm:styleLbl name="fgSibTrans2D1">
-    <dgm:scene3d>
-      <a:camera prst="orthographicFront"/>
-      <a:lightRig rig="threePt" dir="t"/>
-    </dgm:scene3d>
-    <dgm:txPr/>
-    <dgm:style>
-      <a:lnRef idx="0">
-        <a:scrgbClr r="0" g="0" b="0"/>
-      </a:lnRef>
-      <a:fillRef idx="1">
-        <a:scrgbClr r="0" g="0" b="0"/>
-      </a:fillRef>
-      <a:effectRef idx="0">
-        <a:scrgbClr r="0" g="0" b="0"/>
-      </a:effectRef>
-      <a:fontRef idx="minor">
-        <a:schemeClr val="lt1"/>
-      </a:fontRef>
-    </dgm:style>
-  </dgm:styleLbl>
-  <dgm:styleLbl name="lnNode1">
-    <dgm:scene3d>
-      <a:camera prst="orthographicFront"/>
-      <a:lightRig rig="threePt" dir="t"/>
-    </dgm:scene3d>
-    <dgm:txPr/>
-    <dgm:style>
-      <a:lnRef idx="2">
-        <a:scrgbClr r="0" g="0" b="0"/>
-      </a:lnRef>
-      <a:fillRef idx="1">
-        <a:scrgbClr r="0" g="0" b="0"/>
-      </a:fillRef>
-      <a:effectRef idx="0">
-        <a:scrgbClr r="0" g="0" b="0"/>
-      </a:effectRef>
-      <a:fontRef idx="minor">
-        <a:schemeClr val="lt1"/>
-      </a:fontRef>
-    </dgm:style>
-  </dgm:styleLbl>
-  <dgm:styleLbl name="node0">
-    <dgm:scene3d>
-      <a:camera prst="orthographicFront"/>
-      <a:lightRig rig="threePt" dir="t"/>
-    </dgm:scene3d>
-    <dgm:txPr/>
-    <dgm:style>
-      <a:lnRef idx="2">
-        <a:scrgbClr r="0" g="0" b="0"/>
-      </a:lnRef>
-      <a:fillRef idx="1">
-        <a:scrgbClr r="0" g="0" b="0"/>
-      </a:fillRef>
-      <a:effectRef idx="0">
-        <a:scrgbClr r="0" g="0" b="0"/>
-      </a:effectRef>
-      <a:fontRef idx="minor">
-        <a:schemeClr val="lt1"/>
-      </a:fontRef>
-    </dgm:style>
-  </dgm:styleLbl>
-  <dgm:styleLbl name="node1">
-    <dgm:scene3d>
-      <a:camera prst="orthographicFront"/>
-      <a:lightRig rig="threePt" dir="t"/>
-    </dgm:scene3d>
-    <dgm:txPr/>
-    <dgm:style>
-      <a:lnRef idx="2">
-        <a:scrgbClr r="0" g="0" b="0"/>
-      </a:lnRef>
-      <a:fillRef idx="1">
-        <a:scrgbClr r="0" g="0" b="0"/>
-      </a:fillRef>
-      <a:effectRef idx="0">
-        <a:scrgbClr r="0" g="0" b="0"/>
-      </a:effectRef>
-      <a:fontRef idx="minor">
-        <a:schemeClr val="lt1"/>
-      </a:fontRef>
-    </dgm:style>
-  </dgm:styleLbl>
-  <dgm:styleLbl name="node2">
-    <dgm:scene3d>
-      <a:camera prst="orthographicFront"/>
-      <a:lightRig rig="threePt" dir="t"/>
-    </dgm:scene3d>
-    <dgm:txPr/>
-    <dgm:style>
-      <a:lnRef idx="2">
-        <a:scrgbClr r="0" g="0" b="0"/>
-      </a:lnRef>
-      <a:fillRef idx="1">
-        <a:scrgbClr r="0" g="0" b="0"/>
-      </a:fillRef>
-      <a:effectRef idx="0">
-        <a:scrgbClr r="0" g="0" b="0"/>
-      </a:effectRef>
-      <a:fontRef idx="minor">
-        <a:schemeClr val="lt1"/>
-      </a:fontRef>
-    </dgm:style>
-  </dgm:styleLbl>
-  <dgm:styleLbl name="node3">
-    <dgm:scene3d>
-      <a:camera prst="orthographicFront"/>
-      <a:lightRig rig="threePt" dir="t"/>
-    </dgm:scene3d>
-    <dgm:txPr/>
-    <dgm:style>
-      <a:lnRef idx="2">
-        <a:scrgbClr r="0" g="0" b="0"/>
-      </a:lnRef>
-      <a:fillRef idx="1">
-        <a:scrgbClr r="0" g="0" b="0"/>
-      </a:fillRef>
-      <a:effectRef idx="0">
-        <a:scrgbClr r="0" g="0" b="0"/>
-      </a:effectRef>
-      <a:fontRef idx="minor">
-        <a:schemeClr val="lt1"/>
-      </a:fontRef>
-    </dgm:style>
-  </dgm:styleLbl>
-  <dgm:styleLbl name="node4">
-    <dgm:scene3d>
-      <a:camera prst="orthographicFront"/>
-      <a:lightRig rig="threePt" dir="t"/>
-    </dgm:scene3d>
-    <dgm:txPr/>
-    <dgm:style>
-      <a:lnRef idx="2">
-        <a:scrgbClr r="0" g="0" b="0"/>
-      </a:lnRef>
-      <a:fillRef idx="1">
-        <a:scrgbClr r="0" g="0" b="0"/>
-      </a:fillRef>
-      <a:effectRef idx="0">
-        <a:scrgbClr r="0" g="0" b="0"/>
-      </a:effectRef>
-      <a:fontRef idx="minor">
-        <a:schemeClr val="lt1"/>
-      </a:fontRef>
-    </dgm:style>
-  </dgm:styleLbl>
-  <dgm:styleLbl name="parChTrans1D1">
-    <dgm:scene3d>
-      <a:camera prst="orthographicFront"/>
-      <a:lightRig rig="threePt" dir="t"/>
-    </dgm:scene3d>
-    <dgm:txPr/>
-    <dgm:style>
-      <a:lnRef idx="2">
-        <a:scrgbClr r="0" g="0" b="0"/>
-      </a:lnRef>
-      <a:fillRef idx="0">
-        <a:scrgbClr r="0" g="0" b="0"/>
-      </a:fillRef>
-      <a:effectRef idx="0">
-        <a:scrgbClr r="0" g="0" b="0"/>
-      </a:effectRef>
-      <a:fontRef idx="minor"/>
-    </dgm:style>
-  </dgm:styleLbl>
-  <dgm:styleLbl name="parChTrans1D2">
-    <dgm:scene3d>
-      <a:camera prst="orthographicFront"/>
-      <a:lightRig rig="threePt" dir="t"/>
-    </dgm:scene3d>
-    <dgm:txPr/>
-    <dgm:style>
-      <a:lnRef idx="2">
-        <a:scrgbClr r="0" g="0" b="0"/>
-      </a:lnRef>
-      <a:fillRef idx="0">
-        <a:scrgbClr r="0" g="0" b="0"/>
-      </a:fillRef>
-      <a:effectRef idx="0">
-        <a:scrgbClr r="0" g="0" b="0"/>
-      </a:effectRef>
-      <a:fontRef idx="minor"/>
-    </dgm:style>
-  </dgm:styleLbl>
-  <dgm:styleLbl name="parChTrans1D3">
-    <dgm:scene3d>
-      <a:camera prst="orthographicFront"/>
-      <a:lightRig rig="threePt" dir="t"/>
-    </dgm:scene3d>
-    <dgm:txPr/>
-    <dgm:style>
-      <a:lnRef idx="2">
-        <a:scrgbClr r="0" g="0" b="0"/>
-      </a:lnRef>
-      <a:fillRef idx="0">
-        <a:scrgbClr r="0" g="0" b="0"/>
-      </a:fillRef>
-      <a:effectRef idx="0">
-        <a:scrgbClr r="0" g="0" b="0"/>
-      </a:effectRef>
-      <a:fontRef idx="minor"/>
-    </dgm:style>
-  </dgm:styleLbl>
-  <dgm:styleLbl name="parChTrans1D4">
-    <dgm:scene3d>
-      <a:camera prst="orthographicFront"/>
-      <a:lightRig rig="threePt" dir="t"/>
-    </dgm:scene3d>
-    <dgm:txPr/>
-    <dgm:style>
-      <a:lnRef idx="2">
-        <a:scrgbClr r="0" g="0" b="0"/>
-      </a:lnRef>
-      <a:fillRef idx="0">
-        <a:scrgbClr r="0" g="0" b="0"/>
-      </a:fillRef>
-      <a:effectRef idx="0">
-        <a:scrgbClr r="0" g="0" b="0"/>
-      </a:effectRef>
-      <a:fontRef idx="minor"/>
-    </dgm:style>
-  </dgm:styleLbl>
-  <dgm:styleLbl name="parChTrans2D1">
-    <dgm:scene3d>
-      <a:camera prst="orthographicFront"/>
-      <a:lightRig rig="threePt" dir="t"/>
-    </dgm:scene3d>
-    <dgm:txPr/>
-    <dgm:style>
-      <a:lnRef idx="2">
-        <a:scrgbClr r="0" g="0" b="0"/>
-      </a:lnRef>
-      <a:fillRef idx="1">
-        <a:scrgbClr r="0" g="0" b="0"/>
-      </a:fillRef>
-      <a:effectRef idx="0">
-        <a:scrgbClr r="0" g="0" b="0"/>
-      </a:effectRef>
-      <a:fontRef idx="minor">
-        <a:schemeClr val="lt1"/>
-      </a:fontRef>
-    </dgm:style>
-  </dgm:styleLbl>
-  <dgm:styleLbl name="parChTrans2D2">
-    <dgm:scene3d>
-      <a:camera prst="orthographicFront"/>
-      <a:lightRig rig="threePt" dir="t"/>
-    </dgm:scene3d>
-    <dgm:txPr/>
-    <dgm:style>
-      <a:lnRef idx="2">
-        <a:scrgbClr r="0" g="0" b="0"/>
-      </a:lnRef>
-      <a:fillRef idx="1">
-        <a:scrgbClr r="0" g="0" b="0"/>
-      </a:fillRef>
-      <a:effectRef idx="0">
-        <a:scrgbClr r="0" g="0" b="0"/>
-      </a:effectRef>
-      <a:fontRef idx="minor">
-        <a:schemeClr val="lt1"/>
-      </a:fontRef>
-    </dgm:style>
-  </dgm:styleLbl>
-  <dgm:styleLbl name="parChTrans2D3">
-    <dgm:scene3d>
-      <a:camera prst="orthographicFront"/>
-      <a:lightRig rig="threePt" dir="t"/>
-    </dgm:scene3d>
-    <dgm:txPr/>
-    <dgm:style>
-      <a:lnRef idx="2">
-        <a:scrgbClr r="0" g="0" b="0"/>
-      </a:lnRef>
-      <a:fillRef idx="1">
-        <a:scrgbClr r="0" g="0" b="0"/>
-      </a:fillRef>
-      <a:effectRef idx="0">
-        <a:scrgbClr r="0" g="0" b="0"/>
-      </a:effectRef>
-      <a:fontRef idx="minor">
-        <a:schemeClr val="lt1"/>
-      </a:fontRef>
-    </dgm:style>
-  </dgm:styleLbl>
-  <dgm:styleLbl name="parChTrans2D4">
-    <dgm:scene3d>
-      <a:camera prst="orthographicFront"/>
-      <a:lightRig rig="threePt" dir="t"/>
-    </dgm:scene3d>
-    <dgm:txPr/>
-    <dgm:style>
-      <a:lnRef idx="2">
-        <a:scrgbClr r="0" g="0" b="0"/>
-      </a:lnRef>
-      <a:fillRef idx="1">
-        <a:scrgbClr r="0" g="0" b="0"/>
-      </a:fillRef>
-      <a:effectRef idx="0">
-        <a:scrgbClr r="0" g="0" b="0"/>
-      </a:effectRef>
-      <a:fontRef idx="minor">
-        <a:schemeClr val="lt1"/>
-      </a:fontRef>
-    </dgm:style>
-  </dgm:styleLbl>
-  <dgm:styleLbl name="revTx">
-    <dgm:scene3d>
-      <a:camera prst="orthographicFront"/>
-      <a:lightRig rig="threePt" dir="t"/>
-    </dgm:scene3d>
-    <dgm:txPr/>
-    <dgm:style>
-      <a:lnRef idx="0">
-        <a:scrgbClr r="0" g="0" b="0"/>
-      </a:lnRef>
-      <a:fillRef idx="0">
-        <a:scrgbClr r="0" g="0" b="0"/>
-      </a:fillRef>
-      <a:effectRef idx="0">
-        <a:scrgbClr r="0" g="0" b="0"/>
-      </a:effectRef>
-      <a:fontRef idx="minor"/>
-    </dgm:style>
-  </dgm:styleLbl>
-  <dgm:styleLbl name="sibTrans1D1">
-    <dgm:scene3d>
-      <a:camera prst="orthographicFront"/>
-      <a:lightRig rig="threePt" dir="t"/>
-    </dgm:scene3d>
-    <dgm:txPr/>
-    <dgm:style>
-      <a:lnRef idx="1">
-        <a:scrgbClr r="0" g="0" b="0"/>
-      </a:lnRef>
-      <a:fillRef idx="0">
-        <a:scrgbClr r="0" g="0" b="0"/>
-      </a:fillRef>
-      <a:effectRef idx="0">
-        <a:scrgbClr r="0" g="0" b="0"/>
-      </a:effectRef>
-      <a:fontRef idx="minor"/>
-    </dgm:style>
-  </dgm:styleLbl>
-  <dgm:styleLbl name="sibTrans2D1">
-    <dgm:scene3d>
-      <a:camera prst="orthographicFront"/>
-      <a:lightRig rig="threePt" dir="t"/>
-    </dgm:scene3d>
-    <dgm:txPr/>
-    <dgm:style>
-      <a:lnRef idx="0">
-        <a:scrgbClr r="0" g="0" b="0"/>
-      </a:lnRef>
-      <a:fillRef idx="1">
-        <a:scrgbClr r="0" g="0" b="0"/>
-      </a:fillRef>
-      <a:effectRef idx="0">
-        <a:scrgbClr r="0" g="0" b="0"/>
-      </a:effectRef>
-      <a:fontRef idx="minor">
-        <a:schemeClr val="lt1"/>
-      </a:fontRef>
-    </dgm:style>
-  </dgm:styleLbl>
-  <dgm:styleLbl name="solidAlignAcc1">
-    <dgm:scene3d>
-      <a:camera prst="orthographicFront"/>
-      <a:lightRig rig="threePt" dir="t"/>
-    </dgm:scene3d>
-    <dgm:txPr/>
-    <dgm:style>
-      <a:lnRef idx="2">
-        <a:scrgbClr r="0" g="0" b="0"/>
-      </a:lnRef>
-      <a:fillRef idx="1">
-        <a:scrgbClr r="0" g="0" b="0"/>
-      </a:fillRef>
-      <a:effectRef idx="0">
-        <a:scrgbClr r="0" g="0" b="0"/>
-      </a:effectRef>
-      <a:fontRef idx="minor"/>
-    </dgm:style>
-  </dgm:styleLbl>
-  <dgm:styleLbl name="solidBgAcc1">
-    <dgm:scene3d>
-      <a:camera prst="orthographicFront"/>
-      <a:lightRig rig="threePt" dir="t"/>
-    </dgm:scene3d>
-    <dgm:txPr/>
-    <dgm:style>
-      <a:lnRef idx="2">
-        <a:scrgbClr r="0" g="0" b="0"/>
-      </a:lnRef>
-      <a:fillRef idx="1">
-        <a:scrgbClr r="0" g="0" b="0"/>
-      </a:fillRef>
-      <a:effectRef idx="0">
-        <a:scrgbClr r="0" g="0" b="0"/>
-      </a:effectRef>
-      <a:fontRef idx="minor"/>
-    </dgm:style>
-  </dgm:styleLbl>
-  <dgm:styleLbl name="solidFgAcc1">
-    <dgm:scene3d>
-      <a:camera prst="orthographicFront"/>
-      <a:lightRig rig="threePt" dir="t"/>
-    </dgm:scene3d>
-    <dgm:txPr/>
-    <dgm:style>
-      <a:lnRef idx="2">
-        <a:scrgbClr r="0" g="0" b="0"/>
-      </a:lnRef>
-      <a:fillRef idx="1">
-        <a:scrgbClr r="0" g="0" b="0"/>
-      </a:fillRef>
-      <a:effectRef idx="0">
-        <a:scrgbClr r="0" g="0" b="0"/>
-      </a:effectRef>
-      <a:fontRef idx="minor"/>
-    </dgm:style>
-  </dgm:styleLbl>
-  <dgm:styleLbl name="trAlignAcc1">
-    <dgm:scene3d>
-      <a:camera prst="orthographicFront"/>
-      <a:lightRig rig="threePt" dir="t"/>
-    </dgm:scene3d>
-    <dgm:txPr/>
-    <dgm:style>
-      <a:lnRef idx="1">
-        <a:scrgbClr r="0" g="0" b="0"/>
-      </a:lnRef>
-      <a:fillRef idx="1">
-        <a:scrgbClr r="0" g="0" b="0"/>
-      </a:fillRef>
-      <a:effectRef idx="0">
-        <a:scrgbClr r="0" g="0" b="0"/>
-      </a:effectRef>
-      <a:fontRef idx="minor"/>
-    </dgm:style>
-  </dgm:styleLbl>
-  <dgm:styleLbl name="trBgShp">
-    <dgm:scene3d>
-      <a:camera prst="orthographicFront"/>
-      <a:lightRig rig="threePt" dir="t"/>
-    </dgm:scene3d>
-    <dgm:txPr/>
-    <dgm:style>
-      <a:lnRef idx="0">
-        <a:scrgbClr r="0" g="0" b="0"/>
-      </a:lnRef>
-      <a:fillRef idx="1">
-        <a:scrgbClr r="0" g="0" b="0"/>
-      </a:fillRef>
-      <a:effectRef idx="0">
-        <a:scrgbClr r="0" g="0" b="0"/>
-      </a:effectRef>
-      <a:fontRef idx="minor"/>
-    </dgm:style>
-  </dgm:styleLbl>
-  <dgm:styleLbl name="vennNode1">
-    <dgm:scene3d>
-      <a:camera prst="orthographicFront"/>
-      <a:lightRig rig="threePt" dir="t"/>
-    </dgm:scene3d>
-    <dgm:txPr/>
-    <dgm:style>
-      <a:lnRef idx="2">
-        <a:scrgbClr r="0" g="0" b="0"/>
-      </a:lnRef>
-      <a:fillRef idx="1">
-        <a:scrgbClr r="0" g="0" b="0"/>
-      </a:fillRef>
-      <a:effectRef idx="0">
-        <a:scrgbClr r="0" g="0" b="0"/>
-      </a:effectRef>
-      <a:fontRef idx="minor">
-        <a:schemeClr val="tx1"/>
-      </a:fontRef>
-    </dgm:style>
-  </dgm:styleLbl>
-</dgm:styleDef>
-</file>
-
-<file path=ppt/diagrams/quickStyle3.xml><?xml version="1.0" encoding="utf-8"?>
 <dgm:styleDef xmlns:dgm="http://schemas.openxmlformats.org/drawingml/2006/diagram" xmlns:a="http://schemas.openxmlformats.org/drawingml/2006/main" uniqueId="urn:microsoft.com/office/officeart/2005/8/quickstyle/simple1">
   <dgm:title val=""/>
   <dgm:desc val=""/>
@@ -20805,308 +16803,6 @@
           <a:chExt cx="0" cy="0"/>
         </a:xfrm>
       </p:grpSpPr>
-      <p:pic>
-        <p:nvPicPr>
-          <p:cNvPr id="12" name="Picture 2"/>
-          <p:cNvPicPr>
-            <a:picLocks noChangeAspect="1" noChangeArrowheads="1"/>
-          </p:cNvPicPr>
-          <p:nvPr/>
-        </p:nvPicPr>
-        <p:blipFill>
-          <a:blip r:embed="rId1">
-            <a:extLst>
-              <a:ext uri="{28A0092B-C50C-407E-A947-70E740481C1C}">
-                <a14:useLocalDpi xmlns:a14="http://schemas.microsoft.com/office/drawing/2010/main" val="0"/>
-              </a:ext>
-            </a:extLst>
-          </a:blip>
-          <a:srcRect/>
-          <a:stretch>
-            <a:fillRect/>
-          </a:stretch>
-        </p:blipFill>
-        <p:spPr bwMode="auto">
-          <a:xfrm>
-            <a:off x="271545" y="2252170"/>
-            <a:ext cx="3333750" cy="3133725"/>
-          </a:xfrm>
-          <a:prstGeom prst="rect">
-            <a:avLst/>
-          </a:prstGeom>
-          <a:noFill/>
-          <a:ln>
-            <a:noFill/>
-          </a:ln>
-          <a:effectLst/>
-          <a:extLst>
-            <a:ext uri="{909E8E84-426E-40DD-AFC4-6F175D3DCCD1}">
-              <a14:hiddenFill xmlns:a14="http://schemas.microsoft.com/office/drawing/2010/main">
-                <a:solidFill>
-                  <a:schemeClr val="accent1"/>
-                </a:solidFill>
-              </a14:hiddenFill>
-            </a:ext>
-            <a:ext uri="{91240B29-F687-4F45-9708-019B960494DF}">
-              <a14:hiddenLine xmlns:a14="http://schemas.microsoft.com/office/drawing/2010/main" w="9525">
-                <a:solidFill>
-                  <a:schemeClr val="tx1"/>
-                </a:solidFill>
-                <a:miter lim="800000"/>
-                <a:headEnd/>
-                <a:tailEnd/>
-              </a14:hiddenLine>
-            </a:ext>
-            <a:ext uri="{AF507438-7753-43E0-B8FC-AC1667EBCBE1}">
-              <a14:hiddenEffects xmlns:a14="http://schemas.microsoft.com/office/drawing/2010/main">
-                <a:effectLst>
-                  <a:outerShdw dist="35921" dir="2700000" algn="ctr" rotWithShape="0">
-                    <a:schemeClr val="bg2"/>
-                  </a:outerShdw>
-                </a:effectLst>
-              </a14:hiddenEffects>
-            </a:ext>
-          </a:extLst>
-        </p:spPr>
-      </p:pic>
-      <p:sp>
-        <p:nvSpPr>
-          <p:cNvPr id="5" name="Title 1"/>
-          <p:cNvSpPr>
-            <a:spLocks noGrp="1"/>
-          </p:cNvSpPr>
-          <p:nvPr>
-            <p:ph type="title"/>
-          </p:nvPr>
-        </p:nvSpPr>
-        <p:spPr>
-          <a:xfrm>
-            <a:off x="457200" y="274638"/>
-            <a:ext cx="6260768" cy="639762"/>
-          </a:xfrm>
-        </p:spPr>
-        <p:txBody>
-          <a:bodyPr/>
-          <a:lstStyle/>
-          <a:p>
-            <a:r>
-              <a:rPr lang="en-US" dirty="0" smtClean="0"/>
-              <a:t>New date &amp; time </a:t>
-            </a:r>
-            <a:r>
-              <a:rPr lang="en-US" dirty="0" err="1" smtClean="0"/>
-              <a:t>api</a:t>
-            </a:r>
-            <a:endParaRPr lang="en-US" dirty="0"/>
-          </a:p>
-        </p:txBody>
-      </p:sp>
-      <p:graphicFrame>
-        <p:nvGraphicFramePr>
-          <p:cNvPr id="7" name="Content Placeholder 8"/>
-          <p:cNvGraphicFramePr>
-            <a:graphicFrameLocks noGrp="1"/>
-          </p:cNvGraphicFramePr>
-          <p:nvPr>
-            <p:ph idx="1"/>
-          </p:nvPr>
-        </p:nvGraphicFramePr>
-        <p:xfrm>
-          <a:off x="2524125" y="1323841"/>
-          <a:ext cx="6416675" cy="4648333"/>
-        </p:xfrm>
-        <a:graphic>
-          <a:graphicData uri="http://schemas.openxmlformats.org/drawingml/2006/diagram">
-            <dgm:relIds xmlns:dgm="http://schemas.openxmlformats.org/drawingml/2006/diagram" xmlns:r="http://schemas.openxmlformats.org/officeDocument/2006/relationships" r:dm="rId2" r:lo="rId3" r:qs="rId4" r:cs="rId5"/>
-          </a:graphicData>
-        </a:graphic>
-      </p:graphicFrame>
-      <p:sp>
-        <p:nvSpPr>
-          <p:cNvPr id="8" name="Oval 7"/>
-          <p:cNvSpPr/>
-          <p:nvPr/>
-        </p:nvSpPr>
-        <p:spPr>
-          <a:xfrm>
-            <a:off x="4564856" y="2413747"/>
-            <a:ext cx="66199" cy="64808"/>
-          </a:xfrm>
-          <a:prstGeom prst="ellipse">
-            <a:avLst/>
-          </a:prstGeom>
-          <a:solidFill>
-            <a:schemeClr val="accent5"/>
-          </a:solidFill>
-          <a:ln>
-            <a:solidFill>
-              <a:schemeClr val="bg1">
-                <a:lumMod val="65000"/>
-              </a:schemeClr>
-            </a:solidFill>
-          </a:ln>
-        </p:spPr>
-        <p:style>
-          <a:lnRef idx="2">
-            <a:schemeClr val="lt1">
-              <a:hueOff val="0"/>
-              <a:satOff val="0"/>
-              <a:lumOff val="0"/>
-              <a:alphaOff val="0"/>
-            </a:schemeClr>
-          </a:lnRef>
-          <a:fillRef idx="1">
-            <a:schemeClr val="accent5">
-              <a:tint val="60000"/>
-              <a:hueOff val="0"/>
-              <a:satOff val="0"/>
-              <a:lumOff val="0"/>
-              <a:alphaOff val="0"/>
-            </a:schemeClr>
-          </a:fillRef>
-          <a:effectRef idx="0">
-            <a:schemeClr val="accent5">
-              <a:tint val="60000"/>
-              <a:hueOff val="0"/>
-              <a:satOff val="0"/>
-              <a:lumOff val="0"/>
-              <a:alphaOff val="0"/>
-            </a:schemeClr>
-          </a:effectRef>
-          <a:fontRef idx="minor">
-            <a:schemeClr val="dk1">
-              <a:hueOff val="0"/>
-              <a:satOff val="0"/>
-              <a:lumOff val="0"/>
-              <a:alphaOff val="0"/>
-            </a:schemeClr>
-          </a:fontRef>
-        </p:style>
-      </p:sp>
-      <p:sp>
-        <p:nvSpPr>
-          <p:cNvPr id="9" name="Rectangle 8"/>
-          <p:cNvSpPr/>
-          <p:nvPr/>
-        </p:nvSpPr>
-        <p:spPr>
-          <a:xfrm>
-            <a:off x="4678681" y="2223595"/>
-            <a:ext cx="626744" cy="323154"/>
-          </a:xfrm>
-          <a:prstGeom prst="rect">
-            <a:avLst/>
-          </a:prstGeom>
-          <a:solidFill>
-            <a:schemeClr val="bg1">
-              <a:lumMod val="65000"/>
-            </a:schemeClr>
-          </a:solidFill>
-          <a:ln>
-            <a:noFill/>
-          </a:ln>
-        </p:spPr>
-        <p:style>
-          <a:lnRef idx="2">
-            <a:schemeClr val="accent1">
-              <a:shade val="50000"/>
-            </a:schemeClr>
-          </a:lnRef>
-          <a:fillRef idx="1">
-            <a:schemeClr val="accent1"/>
-          </a:fillRef>
-          <a:effectRef idx="0">
-            <a:schemeClr val="accent1"/>
-          </a:effectRef>
-          <a:fontRef idx="minor">
-            <a:schemeClr val="lt1"/>
-          </a:fontRef>
-        </p:style>
-        <p:txBody>
-          <a:bodyPr spcFirstLastPara="0" vert="horz" wrap="square" lIns="29210" tIns="29210" rIns="29210" bIns="29210" numCol="1" spcCol="1270" anchor="ctr" anchorCtr="0">
-            <a:noAutofit/>
-          </a:bodyPr>
-          <a:lstStyle/>
-          <a:p>
-            <a:pPr lvl="0" algn="ctr" defTabSz="1022350" rtl="0">
-              <a:lnSpc>
-                <a:spcPct val="90000"/>
-              </a:lnSpc>
-              <a:spcBef>
-                <a:spcPct val="0"/>
-              </a:spcBef>
-              <a:spcAft>
-                <a:spcPct val="35000"/>
-              </a:spcAft>
-            </a:pPr>
-            <a:r>
-              <a:rPr lang="en-US" sz="1600" kern="1200" dirty="0" smtClean="0"/>
-              <a:t>Others</a:t>
-            </a:r>
-            <a:endParaRPr lang="en-US" sz="1600" kern="1200" dirty="0"/>
-          </a:p>
-        </p:txBody>
-      </p:sp>
-      <p:sp>
-        <p:nvSpPr>
-          <p:cNvPr id="11" name="Text Placeholder 3"/>
-          <p:cNvSpPr>
-            <a:spLocks noGrp="1"/>
-          </p:cNvSpPr>
-          <p:nvPr>
-            <p:ph type="body" sz="quarter" idx="13"/>
-          </p:nvPr>
-        </p:nvSpPr>
-        <p:spPr>
-          <a:xfrm>
-            <a:off x="385845" y="6421402"/>
-            <a:ext cx="5575300" cy="441951"/>
-          </a:xfrm>
-        </p:spPr>
-        <p:txBody>
-          <a:bodyPr/>
-          <a:lstStyle/>
-          <a:p>
-            <a:r>
-              <a:rPr lang="en-US" dirty="0"/>
-              <a:t>Java 8 features</a:t>
-            </a:r>
-            <a:endParaRPr lang="en-US" dirty="0"/>
-          </a:p>
-        </p:txBody>
-      </p:sp>
-    </p:spTree>
-  </p:cSld>
-  <p:clrMapOvr>
-    <a:masterClrMapping/>
-  </p:clrMapOvr>
-  <p:timing>
-    <p:tnLst>
-      <p:par>
-        <p:cTn id="1" dur="indefinite" restart="never" nodeType="tmRoot"/>
-      </p:par>
-    </p:tnLst>
-  </p:timing>
-</p:sld>
-</file>
-
-<file path=ppt/slides/slide17.xml><?xml version="1.0" encoding="utf-8"?>
-<p:sld xmlns:a="http://schemas.openxmlformats.org/drawingml/2006/main" xmlns:r="http://schemas.openxmlformats.org/officeDocument/2006/relationships" xmlns:p="http://schemas.openxmlformats.org/presentationml/2006/main">
-  <p:cSld>
-    <p:spTree>
-      <p:nvGrpSpPr>
-        <p:cNvPr id="1" name=""/>
-        <p:cNvGrpSpPr/>
-        <p:nvPr/>
-      </p:nvGrpSpPr>
-      <p:grpSpPr>
-        <a:xfrm>
-          <a:off x="0" y="0"/>
-          <a:ext cx="0" cy="0"/>
-          <a:chOff x="0" y="0"/>
-          <a:chExt cx="0" cy="0"/>
-        </a:xfrm>
-      </p:grpSpPr>
       <p:sp>
         <p:nvSpPr>
           <p:cNvPr id="2" name="Title 1"/>
@@ -21938,7 +17634,7 @@
 </p:sld>
 </file>
 
-<file path=ppt/slides/slide18.xml><?xml version="1.0" encoding="utf-8"?>
+<file path=ppt/slides/slide17.xml><?xml version="1.0" encoding="utf-8"?>
 <p:sld xmlns:a="http://schemas.openxmlformats.org/drawingml/2006/main" xmlns:r="http://schemas.openxmlformats.org/officeDocument/2006/relationships" xmlns:p="http://schemas.openxmlformats.org/presentationml/2006/main">
   <p:cSld>
     <p:spTree>
@@ -22290,7 +17986,7 @@
 </p:sld>
 </file>
 
-<file path=ppt/slides/slide19.xml><?xml version="1.0" encoding="utf-8"?>
+<file path=ppt/slides/slide18.xml><?xml version="1.0" encoding="utf-8"?>
 <p:sld xmlns:a="http://schemas.openxmlformats.org/drawingml/2006/main" xmlns:r="http://schemas.openxmlformats.org/officeDocument/2006/relationships" xmlns:p="http://schemas.openxmlformats.org/presentationml/2006/main">
   <p:cSld>
     <p:spTree>
@@ -22758,252 +18454,7 @@
 </p:sld>
 </file>
 
-<file path=ppt/slides/slide2.xml><?xml version="1.0" encoding="utf-8"?>
-<p:sld xmlns:a="http://schemas.openxmlformats.org/drawingml/2006/main" xmlns:r="http://schemas.openxmlformats.org/officeDocument/2006/relationships" xmlns:p="http://schemas.openxmlformats.org/presentationml/2006/main">
-  <p:cSld>
-    <p:spTree>
-      <p:nvGrpSpPr>
-        <p:cNvPr id="1" name=""/>
-        <p:cNvGrpSpPr/>
-        <p:nvPr/>
-      </p:nvGrpSpPr>
-      <p:grpSpPr>
-        <a:xfrm>
-          <a:off x="0" y="0"/>
-          <a:ext cx="0" cy="0"/>
-          <a:chOff x="0" y="0"/>
-          <a:chExt cx="0" cy="0"/>
-        </a:xfrm>
-      </p:grpSpPr>
-      <p:sp>
-        <p:nvSpPr>
-          <p:cNvPr id="6" name="Title 5"/>
-          <p:cNvSpPr>
-            <a:spLocks noGrp="1"/>
-          </p:cNvSpPr>
-          <p:nvPr>
-            <p:ph type="title"/>
-          </p:nvPr>
-        </p:nvSpPr>
-        <p:spPr/>
-        <p:txBody>
-          <a:bodyPr/>
-          <a:lstStyle/>
-          <a:p>
-            <a:r>
-              <a:rPr lang="en-US" dirty="0" smtClean="0"/>
-              <a:t>Java version history</a:t>
-            </a:r>
-            <a:endParaRPr lang="en-US" dirty="0"/>
-          </a:p>
-        </p:txBody>
-      </p:sp>
-      <p:graphicFrame>
-        <p:nvGraphicFramePr>
-          <p:cNvPr id="9" name="Content Placeholder 8"/>
-          <p:cNvGraphicFramePr>
-            <a:graphicFrameLocks noGrp="1"/>
-          </p:cNvGraphicFramePr>
-          <p:nvPr>
-            <p:ph idx="1"/>
-          </p:nvPr>
-        </p:nvGraphicFramePr>
-        <p:xfrm>
-          <a:off x="457200" y="1219200"/>
-          <a:ext cx="8229600" cy="2238375"/>
-        </p:xfrm>
-        <a:graphic>
-          <a:graphicData uri="http://schemas.openxmlformats.org/drawingml/2006/diagram">
-            <dgm:relIds xmlns:dgm="http://schemas.openxmlformats.org/drawingml/2006/diagram" xmlns:r="http://schemas.openxmlformats.org/officeDocument/2006/relationships" r:dm="rId1" r:lo="rId2" r:qs="rId3" r:cs="rId4"/>
-          </a:graphicData>
-        </a:graphic>
-      </p:graphicFrame>
-      <p:sp>
-        <p:nvSpPr>
-          <p:cNvPr id="8" name="Text Placeholder 7"/>
-          <p:cNvSpPr>
-            <a:spLocks noGrp="1"/>
-          </p:cNvSpPr>
-          <p:nvPr>
-            <p:ph type="body" sz="quarter" idx="13"/>
-          </p:nvPr>
-        </p:nvSpPr>
-        <p:spPr/>
-        <p:txBody>
-          <a:bodyPr/>
-          <a:lstStyle/>
-          <a:p>
-            <a:r>
-              <a:rPr lang="en-US" dirty="0" smtClean="0"/>
-              <a:t>Java 8 features</a:t>
-            </a:r>
-            <a:endParaRPr lang="en-US" dirty="0"/>
-          </a:p>
-        </p:txBody>
-      </p:sp>
-      <p:graphicFrame>
-        <p:nvGraphicFramePr>
-          <p:cNvPr id="10" name="Content Placeholder 4"/>
-          <p:cNvGraphicFramePr/>
-          <p:nvPr/>
-        </p:nvGraphicFramePr>
-        <p:xfrm>
-          <a:off x="457200" y="3629025"/>
-          <a:ext cx="8229600" cy="2457450"/>
-        </p:xfrm>
-        <a:graphic>
-          <a:graphicData uri="http://schemas.openxmlformats.org/drawingml/2006/diagram">
-            <dgm:relIds xmlns:dgm="http://schemas.openxmlformats.org/drawingml/2006/diagram" xmlns:r="http://schemas.openxmlformats.org/officeDocument/2006/relationships" r:dm="rId6" r:lo="rId7" r:qs="rId8" r:cs="rId9"/>
-          </a:graphicData>
-        </a:graphic>
-      </p:graphicFrame>
-    </p:spTree>
-  </p:cSld>
-  <p:clrMapOvr>
-    <a:masterClrMapping/>
-  </p:clrMapOvr>
-  <p:timing>
-    <p:tnLst>
-      <p:par>
-        <p:cTn id="1" dur="indefinite" restart="never" nodeType="tmRoot">
-          <p:childTnLst>
-            <p:seq concurrent="1" nextAc="seek">
-              <p:cTn id="2" dur="indefinite" nodeType="mainSeq">
-                <p:childTnLst>
-                  <p:par>
-                    <p:cTn id="3" fill="hold">
-                      <p:stCondLst>
-                        <p:cond delay="indefinite"/>
-                        <p:cond evt="onBegin" delay="0">
-                          <p:tn val="2"/>
-                        </p:cond>
-                      </p:stCondLst>
-                      <p:childTnLst>
-                        <p:par>
-                          <p:cTn id="4" fill="hold">
-                            <p:stCondLst>
-                              <p:cond delay="0"/>
-                            </p:stCondLst>
-                            <p:childTnLst>
-                              <p:par>
-                                <p:cTn id="5" presetID="10" presetClass="entr" presetSubtype="0" fill="hold" grpId="0" nodeType="afterEffect">
-                                  <p:stCondLst>
-                                    <p:cond delay="0"/>
-                                  </p:stCondLst>
-                                  <p:childTnLst>
-                                    <p:set>
-                                      <p:cBhvr>
-                                        <p:cTn id="6" dur="1" fill="hold">
-                                          <p:stCondLst>
-                                            <p:cond delay="0"/>
-                                          </p:stCondLst>
-                                        </p:cTn>
-                                        <p:tgtEl>
-                                          <p:spTgt spid="9"/>
-                                        </p:tgtEl>
-                                        <p:attrNameLst>
-                                          <p:attrName>style.visibility</p:attrName>
-                                        </p:attrNameLst>
-                                      </p:cBhvr>
-                                      <p:to>
-                                        <p:strVal val="visible"/>
-                                      </p:to>
-                                    </p:set>
-                                    <p:animEffect transition="in" filter="fade">
-                                      <p:cBhvr>
-                                        <p:cTn id="7" dur="500"/>
-                                        <p:tgtEl>
-                                          <p:spTgt spid="9"/>
-                                        </p:tgtEl>
-                                      </p:cBhvr>
-                                    </p:animEffect>
-                                  </p:childTnLst>
-                                </p:cTn>
-                              </p:par>
-                            </p:childTnLst>
-                          </p:cTn>
-                        </p:par>
-                        <p:par>
-                          <p:cTn id="8" fill="hold">
-                            <p:stCondLst>
-                              <p:cond delay="500"/>
-                            </p:stCondLst>
-                            <p:childTnLst>
-                              <p:par>
-                                <p:cTn id="9" presetID="10" presetClass="entr" presetSubtype="0" fill="hold" grpId="0" nodeType="afterEffect">
-                                  <p:stCondLst>
-                                    <p:cond delay="0"/>
-                                  </p:stCondLst>
-                                  <p:childTnLst>
-                                    <p:set>
-                                      <p:cBhvr>
-                                        <p:cTn id="10" dur="1" fill="hold">
-                                          <p:stCondLst>
-                                            <p:cond delay="0"/>
-                                          </p:stCondLst>
-                                        </p:cTn>
-                                        <p:tgtEl>
-                                          <p:spTgt spid="10"/>
-                                        </p:tgtEl>
-                                        <p:attrNameLst>
-                                          <p:attrName>style.visibility</p:attrName>
-                                        </p:attrNameLst>
-                                      </p:cBhvr>
-                                      <p:to>
-                                        <p:strVal val="visible"/>
-                                      </p:to>
-                                    </p:set>
-                                    <p:animEffect transition="in" filter="fade">
-                                      <p:cBhvr>
-                                        <p:cTn id="11" dur="500"/>
-                                        <p:tgtEl>
-                                          <p:spTgt spid="10"/>
-                                        </p:tgtEl>
-                                      </p:cBhvr>
-                                    </p:animEffect>
-                                  </p:childTnLst>
-                                </p:cTn>
-                              </p:par>
-                            </p:childTnLst>
-                          </p:cTn>
-                        </p:par>
-                      </p:childTnLst>
-                    </p:cTn>
-                  </p:par>
-                </p:childTnLst>
-              </p:cTn>
-              <p:prevCondLst>
-                <p:cond evt="onPrev" delay="0">
-                  <p:tgtEl>
-                    <p:sldTgt/>
-                  </p:tgtEl>
-                </p:cond>
-              </p:prevCondLst>
-              <p:nextCondLst>
-                <p:cond evt="onNext" delay="0">
-                  <p:tgtEl>
-                    <p:sldTgt/>
-                  </p:tgtEl>
-                </p:cond>
-              </p:nextCondLst>
-            </p:seq>
-          </p:childTnLst>
-        </p:cTn>
-      </p:par>
-    </p:tnLst>
-    <p:bldLst>
-      <p:bldGraphic spid="9" grpId="0">
-        <p:bldAsOne/>
-      </p:bldGraphic>
-      <p:bldGraphic spid="10" grpId="0">
-        <p:bldAsOne/>
-      </p:bldGraphic>
-    </p:bldLst>
-  </p:timing>
-</p:sld>
-</file>
-
-<file path=ppt/slides/slide20.xml><?xml version="1.0" encoding="utf-8"?>
+<file path=ppt/slides/slide19.xml><?xml version="1.0" encoding="utf-8"?>
 <p:sld xmlns:a="http://schemas.openxmlformats.org/drawingml/2006/main" xmlns:r="http://schemas.openxmlformats.org/officeDocument/2006/relationships" xmlns:p="http://schemas.openxmlformats.org/presentationml/2006/main">
   <p:cSld>
     <p:spTree>
@@ -23745,7 +19196,252 @@
 </p:sld>
 </file>
 
-<file path=ppt/slides/slide21.xml><?xml version="1.0" encoding="utf-8"?>
+<file path=ppt/slides/slide2.xml><?xml version="1.0" encoding="utf-8"?>
+<p:sld xmlns:a="http://schemas.openxmlformats.org/drawingml/2006/main" xmlns:r="http://schemas.openxmlformats.org/officeDocument/2006/relationships" xmlns:p="http://schemas.openxmlformats.org/presentationml/2006/main">
+  <p:cSld>
+    <p:spTree>
+      <p:nvGrpSpPr>
+        <p:cNvPr id="1" name=""/>
+        <p:cNvGrpSpPr/>
+        <p:nvPr/>
+      </p:nvGrpSpPr>
+      <p:grpSpPr>
+        <a:xfrm>
+          <a:off x="0" y="0"/>
+          <a:ext cx="0" cy="0"/>
+          <a:chOff x="0" y="0"/>
+          <a:chExt cx="0" cy="0"/>
+        </a:xfrm>
+      </p:grpSpPr>
+      <p:sp>
+        <p:nvSpPr>
+          <p:cNvPr id="6" name="Title 5"/>
+          <p:cNvSpPr>
+            <a:spLocks noGrp="1"/>
+          </p:cNvSpPr>
+          <p:nvPr>
+            <p:ph type="title"/>
+          </p:nvPr>
+        </p:nvSpPr>
+        <p:spPr/>
+        <p:txBody>
+          <a:bodyPr/>
+          <a:lstStyle/>
+          <a:p>
+            <a:r>
+              <a:rPr lang="en-US" dirty="0" smtClean="0"/>
+              <a:t>Java version history</a:t>
+            </a:r>
+            <a:endParaRPr lang="en-US" dirty="0"/>
+          </a:p>
+        </p:txBody>
+      </p:sp>
+      <p:graphicFrame>
+        <p:nvGraphicFramePr>
+          <p:cNvPr id="9" name="Content Placeholder 8"/>
+          <p:cNvGraphicFramePr>
+            <a:graphicFrameLocks noGrp="1"/>
+          </p:cNvGraphicFramePr>
+          <p:nvPr>
+            <p:ph idx="1"/>
+          </p:nvPr>
+        </p:nvGraphicFramePr>
+        <p:xfrm>
+          <a:off x="457200" y="1219200"/>
+          <a:ext cx="8229600" cy="2238375"/>
+        </p:xfrm>
+        <a:graphic>
+          <a:graphicData uri="http://schemas.openxmlformats.org/drawingml/2006/diagram">
+            <dgm:relIds xmlns:dgm="http://schemas.openxmlformats.org/drawingml/2006/diagram" xmlns:r="http://schemas.openxmlformats.org/officeDocument/2006/relationships" r:dm="rId1" r:lo="rId2" r:qs="rId3" r:cs="rId4"/>
+          </a:graphicData>
+        </a:graphic>
+      </p:graphicFrame>
+      <p:sp>
+        <p:nvSpPr>
+          <p:cNvPr id="8" name="Text Placeholder 7"/>
+          <p:cNvSpPr>
+            <a:spLocks noGrp="1"/>
+          </p:cNvSpPr>
+          <p:nvPr>
+            <p:ph type="body" sz="quarter" idx="13"/>
+          </p:nvPr>
+        </p:nvSpPr>
+        <p:spPr/>
+        <p:txBody>
+          <a:bodyPr/>
+          <a:lstStyle/>
+          <a:p>
+            <a:r>
+              <a:rPr lang="en-US" dirty="0" smtClean="0"/>
+              <a:t>Java 8 features</a:t>
+            </a:r>
+            <a:endParaRPr lang="en-US" dirty="0"/>
+          </a:p>
+        </p:txBody>
+      </p:sp>
+      <p:graphicFrame>
+        <p:nvGraphicFramePr>
+          <p:cNvPr id="10" name="Content Placeholder 4"/>
+          <p:cNvGraphicFramePr/>
+          <p:nvPr/>
+        </p:nvGraphicFramePr>
+        <p:xfrm>
+          <a:off x="457200" y="3629025"/>
+          <a:ext cx="8229600" cy="2457450"/>
+        </p:xfrm>
+        <a:graphic>
+          <a:graphicData uri="http://schemas.openxmlformats.org/drawingml/2006/diagram">
+            <dgm:relIds xmlns:dgm="http://schemas.openxmlformats.org/drawingml/2006/diagram" xmlns:r="http://schemas.openxmlformats.org/officeDocument/2006/relationships" r:dm="rId6" r:lo="rId7" r:qs="rId8" r:cs="rId9"/>
+          </a:graphicData>
+        </a:graphic>
+      </p:graphicFrame>
+    </p:spTree>
+  </p:cSld>
+  <p:clrMapOvr>
+    <a:masterClrMapping/>
+  </p:clrMapOvr>
+  <p:timing>
+    <p:tnLst>
+      <p:par>
+        <p:cTn id="1" dur="indefinite" restart="never" nodeType="tmRoot">
+          <p:childTnLst>
+            <p:seq concurrent="1" nextAc="seek">
+              <p:cTn id="2" dur="indefinite" nodeType="mainSeq">
+                <p:childTnLst>
+                  <p:par>
+                    <p:cTn id="3" fill="hold">
+                      <p:stCondLst>
+                        <p:cond delay="indefinite"/>
+                        <p:cond evt="onBegin" delay="0">
+                          <p:tn val="2"/>
+                        </p:cond>
+                      </p:stCondLst>
+                      <p:childTnLst>
+                        <p:par>
+                          <p:cTn id="4" fill="hold">
+                            <p:stCondLst>
+                              <p:cond delay="0"/>
+                            </p:stCondLst>
+                            <p:childTnLst>
+                              <p:par>
+                                <p:cTn id="5" presetID="10" presetClass="entr" presetSubtype="0" fill="hold" grpId="0" nodeType="afterEffect">
+                                  <p:stCondLst>
+                                    <p:cond delay="0"/>
+                                  </p:stCondLst>
+                                  <p:childTnLst>
+                                    <p:set>
+                                      <p:cBhvr>
+                                        <p:cTn id="6" dur="1" fill="hold">
+                                          <p:stCondLst>
+                                            <p:cond delay="0"/>
+                                          </p:stCondLst>
+                                        </p:cTn>
+                                        <p:tgtEl>
+                                          <p:spTgt spid="9"/>
+                                        </p:tgtEl>
+                                        <p:attrNameLst>
+                                          <p:attrName>style.visibility</p:attrName>
+                                        </p:attrNameLst>
+                                      </p:cBhvr>
+                                      <p:to>
+                                        <p:strVal val="visible"/>
+                                      </p:to>
+                                    </p:set>
+                                    <p:animEffect transition="in" filter="fade">
+                                      <p:cBhvr>
+                                        <p:cTn id="7" dur="500"/>
+                                        <p:tgtEl>
+                                          <p:spTgt spid="9"/>
+                                        </p:tgtEl>
+                                      </p:cBhvr>
+                                    </p:animEffect>
+                                  </p:childTnLst>
+                                </p:cTn>
+                              </p:par>
+                            </p:childTnLst>
+                          </p:cTn>
+                        </p:par>
+                        <p:par>
+                          <p:cTn id="8" fill="hold">
+                            <p:stCondLst>
+                              <p:cond delay="500"/>
+                            </p:stCondLst>
+                            <p:childTnLst>
+                              <p:par>
+                                <p:cTn id="9" presetID="10" presetClass="entr" presetSubtype="0" fill="hold" grpId="0" nodeType="afterEffect">
+                                  <p:stCondLst>
+                                    <p:cond delay="0"/>
+                                  </p:stCondLst>
+                                  <p:childTnLst>
+                                    <p:set>
+                                      <p:cBhvr>
+                                        <p:cTn id="10" dur="1" fill="hold">
+                                          <p:stCondLst>
+                                            <p:cond delay="0"/>
+                                          </p:stCondLst>
+                                        </p:cTn>
+                                        <p:tgtEl>
+                                          <p:spTgt spid="10"/>
+                                        </p:tgtEl>
+                                        <p:attrNameLst>
+                                          <p:attrName>style.visibility</p:attrName>
+                                        </p:attrNameLst>
+                                      </p:cBhvr>
+                                      <p:to>
+                                        <p:strVal val="visible"/>
+                                      </p:to>
+                                    </p:set>
+                                    <p:animEffect transition="in" filter="fade">
+                                      <p:cBhvr>
+                                        <p:cTn id="11" dur="500"/>
+                                        <p:tgtEl>
+                                          <p:spTgt spid="10"/>
+                                        </p:tgtEl>
+                                      </p:cBhvr>
+                                    </p:animEffect>
+                                  </p:childTnLst>
+                                </p:cTn>
+                              </p:par>
+                            </p:childTnLst>
+                          </p:cTn>
+                        </p:par>
+                      </p:childTnLst>
+                    </p:cTn>
+                  </p:par>
+                </p:childTnLst>
+              </p:cTn>
+              <p:prevCondLst>
+                <p:cond evt="onPrev" delay="0">
+                  <p:tgtEl>
+                    <p:sldTgt/>
+                  </p:tgtEl>
+                </p:cond>
+              </p:prevCondLst>
+              <p:nextCondLst>
+                <p:cond evt="onNext" delay="0">
+                  <p:tgtEl>
+                    <p:sldTgt/>
+                  </p:tgtEl>
+                </p:cond>
+              </p:nextCondLst>
+            </p:seq>
+          </p:childTnLst>
+        </p:cTn>
+      </p:par>
+    </p:tnLst>
+    <p:bldLst>
+      <p:bldGraphic spid="9" grpId="0">
+        <p:bldAsOne/>
+      </p:bldGraphic>
+      <p:bldGraphic spid="10" grpId="0">
+        <p:bldAsOne/>
+      </p:bldGraphic>
+    </p:bldLst>
+  </p:timing>
+</p:sld>
+</file>
+
+<file path=ppt/slides/slide20.xml><?xml version="1.0" encoding="utf-8"?>
 <p:sld xmlns:a="http://schemas.openxmlformats.org/drawingml/2006/main" xmlns:r="http://schemas.openxmlformats.org/officeDocument/2006/relationships" xmlns:p="http://schemas.openxmlformats.org/presentationml/2006/main">
   <p:cSld>
     <p:spTree>
@@ -24167,7 +19863,7 @@
 </p:sld>
 </file>
 
-<file path=ppt/slides/slide22.xml><?xml version="1.0" encoding="utf-8"?>
+<file path=ppt/slides/slide21.xml><?xml version="1.0" encoding="utf-8"?>
 <p:sld xmlns:a="http://schemas.openxmlformats.org/drawingml/2006/main" xmlns:r="http://schemas.openxmlformats.org/officeDocument/2006/relationships" xmlns:p="http://schemas.openxmlformats.org/presentationml/2006/main">
   <p:cSld>
     <p:spTree>
